--- a/RampV04Presentation.pptx
+++ b/RampV04Presentation.pptx
@@ -7,31 +7,26 @@
   <p:sldIdLst>
     <p:sldId id="256" r:id="rId2"/>
     <p:sldId id="257" r:id="rId3"/>
-    <p:sldId id="280" r:id="rId4"/>
-    <p:sldId id="258" r:id="rId5"/>
-    <p:sldId id="259" r:id="rId6"/>
-    <p:sldId id="260" r:id="rId7"/>
-    <p:sldId id="261" r:id="rId8"/>
-    <p:sldId id="262" r:id="rId9"/>
-    <p:sldId id="263" r:id="rId10"/>
-    <p:sldId id="264" r:id="rId11"/>
-    <p:sldId id="265" r:id="rId12"/>
-    <p:sldId id="267" r:id="rId13"/>
-    <p:sldId id="266" r:id="rId14"/>
-    <p:sldId id="282" r:id="rId15"/>
-    <p:sldId id="281" r:id="rId16"/>
-    <p:sldId id="283" r:id="rId17"/>
-    <p:sldId id="271" r:id="rId18"/>
-    <p:sldId id="272" r:id="rId19"/>
-    <p:sldId id="270" r:id="rId20"/>
-    <p:sldId id="269" r:id="rId21"/>
-    <p:sldId id="274" r:id="rId22"/>
-    <p:sldId id="273" r:id="rId23"/>
-    <p:sldId id="276" r:id="rId24"/>
-    <p:sldId id="275" r:id="rId25"/>
-    <p:sldId id="277" r:id="rId26"/>
-    <p:sldId id="278" r:id="rId27"/>
-    <p:sldId id="279" r:id="rId28"/>
+    <p:sldId id="258" r:id="rId4"/>
+    <p:sldId id="259" r:id="rId5"/>
+    <p:sldId id="260" r:id="rId6"/>
+    <p:sldId id="261" r:id="rId7"/>
+    <p:sldId id="262" r:id="rId8"/>
+    <p:sldId id="263" r:id="rId9"/>
+    <p:sldId id="264" r:id="rId10"/>
+    <p:sldId id="265" r:id="rId11"/>
+    <p:sldId id="267" r:id="rId12"/>
+    <p:sldId id="266" r:id="rId13"/>
+    <p:sldId id="282" r:id="rId14"/>
+    <p:sldId id="284" r:id="rId15"/>
+    <p:sldId id="285" r:id="rId16"/>
+    <p:sldId id="286" r:id="rId17"/>
+    <p:sldId id="283" r:id="rId18"/>
+    <p:sldId id="281" r:id="rId19"/>
+    <p:sldId id="287" r:id="rId20"/>
+    <p:sldId id="288" r:id="rId21"/>
+    <p:sldId id="291" r:id="rId22"/>
+    <p:sldId id="279" r:id="rId23"/>
   </p:sldIdLst>
   <p:sldSz cx="12192000" cy="6858000"/>
   <p:notesSz cx="6858000" cy="9144000"/>
@@ -3409,7 +3404,7 @@
           <a:p>
             <a:r>
               <a:rPr lang="en-US" dirty="0"/>
-              <a:t>201 participants – 131 useable</a:t>
+              <a:t>221 participants – 141 useable</a:t>
             </a:r>
           </a:p>
         </p:txBody>
@@ -3474,7 +3469,7 @@
           <a:p>
             <a:r>
               <a:rPr lang="en-US" sz="2400" dirty="0"/>
-              <a:t>Mid value (odds)</a:t>
+              <a:t>High odds </a:t>
             </a:r>
           </a:p>
         </p:txBody>
@@ -3484,7 +3479,7 @@
           <p:cNvPr id="7" name="Picture 6">
             <a:extLst>
               <a:ext uri="{FF2B5EF4-FFF2-40B4-BE49-F238E27FC236}">
-                <a16:creationId xmlns:a16="http://schemas.microsoft.com/office/drawing/2014/main" id="{1BA46DF3-EE19-4A60-8A55-648C88AB2015}"/>
+                <a16:creationId xmlns:a16="http://schemas.microsoft.com/office/drawing/2014/main" id="{9D62B0B1-BDBC-49D5-94A6-D0D72D57FE9D}"/>
               </a:ext>
             </a:extLst>
           </p:cNvPr>
@@ -3501,20 +3496,20 @@
         </p:blipFill>
         <p:spPr>
           <a:xfrm>
-            <a:off x="809271" y="1098394"/>
-            <a:ext cx="3680953" cy="2657143"/>
-          </a:xfrm>
-          <a:prstGeom prst="rect">
-            <a:avLst/>
-          </a:prstGeom>
-        </p:spPr>
-      </p:pic>
-      <p:pic>
-        <p:nvPicPr>
-          <p:cNvPr id="8" name="Picture 7">
-            <a:extLst>
-              <a:ext uri="{FF2B5EF4-FFF2-40B4-BE49-F238E27FC236}">
-                <a16:creationId xmlns:a16="http://schemas.microsoft.com/office/drawing/2014/main" id="{5D61FE8E-FDB7-472B-A53F-844C623A9CE6}"/>
+            <a:off x="786880" y="933277"/>
+            <a:ext cx="4119568" cy="2973763"/>
+          </a:xfrm>
+          <a:prstGeom prst="rect">
+            <a:avLst/>
+          </a:prstGeom>
+        </p:spPr>
+      </p:pic>
+      <p:pic>
+        <p:nvPicPr>
+          <p:cNvPr id="9" name="Picture 8">
+            <a:extLst>
+              <a:ext uri="{FF2B5EF4-FFF2-40B4-BE49-F238E27FC236}">
+                <a16:creationId xmlns:a16="http://schemas.microsoft.com/office/drawing/2014/main" id="{B12001C6-3DD1-4944-9301-89D84AD68659}"/>
               </a:ext>
             </a:extLst>
           </p:cNvPr>
@@ -3531,20 +3526,20 @@
         </p:blipFill>
         <p:spPr>
           <a:xfrm>
-            <a:off x="6719418" y="956182"/>
-            <a:ext cx="4074963" cy="2941565"/>
-          </a:xfrm>
-          <a:prstGeom prst="rect">
-            <a:avLst/>
-          </a:prstGeom>
-        </p:spPr>
-      </p:pic>
-      <p:pic>
-        <p:nvPicPr>
-          <p:cNvPr id="9" name="Picture 8">
-            <a:extLst>
-              <a:ext uri="{FF2B5EF4-FFF2-40B4-BE49-F238E27FC236}">
-                <a16:creationId xmlns:a16="http://schemas.microsoft.com/office/drawing/2014/main" id="{740C46CB-5619-425D-BCAB-CFB779DB453A}"/>
+            <a:off x="6510169" y="933277"/>
+            <a:ext cx="3642642" cy="2629488"/>
+          </a:xfrm>
+          <a:prstGeom prst="rect">
+            <a:avLst/>
+          </a:prstGeom>
+        </p:spPr>
+      </p:pic>
+      <p:pic>
+        <p:nvPicPr>
+          <p:cNvPr id="10" name="Picture 9">
+            <a:extLst>
+              <a:ext uri="{FF2B5EF4-FFF2-40B4-BE49-F238E27FC236}">
+                <a16:creationId xmlns:a16="http://schemas.microsoft.com/office/drawing/2014/main" id="{D78E0757-478C-4375-A856-E39610F650C8}"/>
               </a:ext>
             </a:extLst>
           </p:cNvPr>
@@ -3561,20 +3556,20 @@
         </p:blipFill>
         <p:spPr>
           <a:xfrm>
-            <a:off x="508190" y="3897747"/>
-            <a:ext cx="3863090" cy="2788621"/>
-          </a:xfrm>
-          <a:prstGeom prst="rect">
-            <a:avLst/>
-          </a:prstGeom>
-        </p:spPr>
-      </p:pic>
-      <p:pic>
-        <p:nvPicPr>
-          <p:cNvPr id="10" name="Picture 9">
-            <a:extLst>
-              <a:ext uri="{FF2B5EF4-FFF2-40B4-BE49-F238E27FC236}">
-                <a16:creationId xmlns:a16="http://schemas.microsoft.com/office/drawing/2014/main" id="{0CDD72B6-C879-4C0F-8474-80A65A7D71BC}"/>
+            <a:off x="1209548" y="3907040"/>
+            <a:ext cx="3550855" cy="2563230"/>
+          </a:xfrm>
+          <a:prstGeom prst="rect">
+            <a:avLst/>
+          </a:prstGeom>
+        </p:spPr>
+      </p:pic>
+      <p:pic>
+        <p:nvPicPr>
+          <p:cNvPr id="11" name="Picture 10">
+            <a:extLst>
+              <a:ext uri="{FF2B5EF4-FFF2-40B4-BE49-F238E27FC236}">
+                <a16:creationId xmlns:a16="http://schemas.microsoft.com/office/drawing/2014/main" id="{4A36AE45-6163-40B2-88FC-B904D45053DA}"/>
               </a:ext>
             </a:extLst>
           </p:cNvPr>
@@ -3591,8 +3586,8 @@
         </p:blipFill>
         <p:spPr>
           <a:xfrm>
-            <a:off x="6719417" y="3897747"/>
-            <a:ext cx="3796183" cy="2740324"/>
+            <a:off x="6518937" y="3907040"/>
+            <a:ext cx="3796182" cy="2740323"/>
           </a:xfrm>
           <a:prstGeom prst="rect">
             <a:avLst/>
@@ -3602,7 +3597,7 @@
     </p:spTree>
     <p:extLst>
       <p:ext uri="{BB962C8B-B14F-4D97-AF65-F5344CB8AC3E}">
-        <p14:creationId xmlns:p14="http://schemas.microsoft.com/office/powerpoint/2010/main" val="2130673036"/>
+        <p14:creationId xmlns:p14="http://schemas.microsoft.com/office/powerpoint/2010/main" val="4077936452"/>
       </p:ext>
     </p:extLst>
   </p:cSld>
@@ -3659,17 +3654,17 @@
           <a:p>
             <a:r>
               <a:rPr lang="en-US" sz="2400" dirty="0"/>
-              <a:t>High odds </a:t>
-            </a:r>
-          </a:p>
-        </p:txBody>
-      </p:sp>
-      <p:pic>
-        <p:nvPicPr>
-          <p:cNvPr id="7" name="Picture 6">
-            <a:extLst>
-              <a:ext uri="{FF2B5EF4-FFF2-40B4-BE49-F238E27FC236}">
-                <a16:creationId xmlns:a16="http://schemas.microsoft.com/office/drawing/2014/main" id="{9D62B0B1-BDBC-49D5-94A6-D0D72D57FE9D}"/>
+              <a:t>High RPE trials only </a:t>
+            </a:r>
+          </a:p>
+        </p:txBody>
+      </p:sp>
+      <p:pic>
+        <p:nvPicPr>
+          <p:cNvPr id="2" name="Picture 1">
+            <a:extLst>
+              <a:ext uri="{FF2B5EF4-FFF2-40B4-BE49-F238E27FC236}">
+                <a16:creationId xmlns:a16="http://schemas.microsoft.com/office/drawing/2014/main" id="{20E07F94-E5F3-4B85-9025-C60C7722B5BB}"/>
               </a:ext>
             </a:extLst>
           </p:cNvPr>
@@ -3686,20 +3681,20 @@
         </p:blipFill>
         <p:spPr>
           <a:xfrm>
-            <a:off x="786880" y="933277"/>
-            <a:ext cx="4119568" cy="2973763"/>
-          </a:xfrm>
-          <a:prstGeom prst="rect">
-            <a:avLst/>
-          </a:prstGeom>
-        </p:spPr>
-      </p:pic>
-      <p:pic>
-        <p:nvPicPr>
-          <p:cNvPr id="9" name="Picture 8">
-            <a:extLst>
-              <a:ext uri="{FF2B5EF4-FFF2-40B4-BE49-F238E27FC236}">
-                <a16:creationId xmlns:a16="http://schemas.microsoft.com/office/drawing/2014/main" id="{B12001C6-3DD1-4944-9301-89D84AD68659}"/>
+            <a:off x="1436875" y="973853"/>
+            <a:ext cx="3680953" cy="2657143"/>
+          </a:xfrm>
+          <a:prstGeom prst="rect">
+            <a:avLst/>
+          </a:prstGeom>
+        </p:spPr>
+      </p:pic>
+      <p:pic>
+        <p:nvPicPr>
+          <p:cNvPr id="3" name="Picture 2">
+            <a:extLst>
+              <a:ext uri="{FF2B5EF4-FFF2-40B4-BE49-F238E27FC236}">
+                <a16:creationId xmlns:a16="http://schemas.microsoft.com/office/drawing/2014/main" id="{BE759ABB-FE96-4AD8-83B9-2DE407145B45}"/>
               </a:ext>
             </a:extLst>
           </p:cNvPr>
@@ -3716,20 +3711,20 @@
         </p:blipFill>
         <p:spPr>
           <a:xfrm>
-            <a:off x="6510169" y="933277"/>
-            <a:ext cx="3642642" cy="2629488"/>
-          </a:xfrm>
-          <a:prstGeom prst="rect">
-            <a:avLst/>
-          </a:prstGeom>
-        </p:spPr>
-      </p:pic>
-      <p:pic>
-        <p:nvPicPr>
-          <p:cNvPr id="10" name="Picture 9">
-            <a:extLst>
-              <a:ext uri="{FF2B5EF4-FFF2-40B4-BE49-F238E27FC236}">
-                <a16:creationId xmlns:a16="http://schemas.microsoft.com/office/drawing/2014/main" id="{D78E0757-478C-4375-A856-E39610F650C8}"/>
+            <a:off x="6916425" y="1143687"/>
+            <a:ext cx="3472796" cy="2506882"/>
+          </a:xfrm>
+          <a:prstGeom prst="rect">
+            <a:avLst/>
+          </a:prstGeom>
+        </p:spPr>
+      </p:pic>
+      <p:pic>
+        <p:nvPicPr>
+          <p:cNvPr id="5" name="Picture 4">
+            <a:extLst>
+              <a:ext uri="{FF2B5EF4-FFF2-40B4-BE49-F238E27FC236}">
+                <a16:creationId xmlns:a16="http://schemas.microsoft.com/office/drawing/2014/main" id="{71ADC1AC-464C-41C0-89EC-673B58DA1E4E}"/>
               </a:ext>
             </a:extLst>
           </p:cNvPr>
@@ -3746,20 +3741,20 @@
         </p:blipFill>
         <p:spPr>
           <a:xfrm>
-            <a:off x="1209548" y="3907040"/>
-            <a:ext cx="3550855" cy="2563230"/>
-          </a:xfrm>
-          <a:prstGeom prst="rect">
-            <a:avLst/>
-          </a:prstGeom>
-        </p:spPr>
-      </p:pic>
-      <p:pic>
-        <p:nvPicPr>
-          <p:cNvPr id="11" name="Picture 10">
-            <a:extLst>
-              <a:ext uri="{FF2B5EF4-FFF2-40B4-BE49-F238E27FC236}">
-                <a16:creationId xmlns:a16="http://schemas.microsoft.com/office/drawing/2014/main" id="{4A36AE45-6163-40B2-88FC-B904D45053DA}"/>
+            <a:off x="1483147" y="3934108"/>
+            <a:ext cx="3562007" cy="2571281"/>
+          </a:xfrm>
+          <a:prstGeom prst="rect">
+            <a:avLst/>
+          </a:prstGeom>
+        </p:spPr>
+      </p:pic>
+      <p:pic>
+        <p:nvPicPr>
+          <p:cNvPr id="6" name="Picture 5">
+            <a:extLst>
+              <a:ext uri="{FF2B5EF4-FFF2-40B4-BE49-F238E27FC236}">
+                <a16:creationId xmlns:a16="http://schemas.microsoft.com/office/drawing/2014/main" id="{062C0601-2713-48A5-93F5-196A03829EAF}"/>
               </a:ext>
             </a:extLst>
           </p:cNvPr>
@@ -3776,8 +3771,8 @@
         </p:blipFill>
         <p:spPr>
           <a:xfrm>
-            <a:off x="6518937" y="3907040"/>
-            <a:ext cx="3796182" cy="2740323"/>
+            <a:off x="6498254" y="3650569"/>
+            <a:ext cx="4309138" cy="3110607"/>
           </a:xfrm>
           <a:prstGeom prst="rect">
             <a:avLst/>
@@ -3787,7 +3782,7 @@
     </p:spTree>
     <p:extLst>
       <p:ext uri="{BB962C8B-B14F-4D97-AF65-F5344CB8AC3E}">
-        <p14:creationId xmlns:p14="http://schemas.microsoft.com/office/powerpoint/2010/main" val="4077936452"/>
+        <p14:creationId xmlns:p14="http://schemas.microsoft.com/office/powerpoint/2010/main" val="512671512"/>
       </p:ext>
     </p:extLst>
   </p:cSld>
@@ -3816,10 +3811,10 @@
       </p:grpSpPr>
       <p:sp>
         <p:nvSpPr>
-          <p:cNvPr id="4" name="Title 1">
-            <a:extLst>
-              <a:ext uri="{FF2B5EF4-FFF2-40B4-BE49-F238E27FC236}">
-                <a16:creationId xmlns:a16="http://schemas.microsoft.com/office/drawing/2014/main" id="{F90A0724-B0F6-4615-A9A9-B38E3C20CF20}"/>
+          <p:cNvPr id="2" name="Title 1">
+            <a:extLst>
+              <a:ext uri="{FF2B5EF4-FFF2-40B4-BE49-F238E27FC236}">
+                <a16:creationId xmlns:a16="http://schemas.microsoft.com/office/drawing/2014/main" id="{AD584A5A-8240-4177-827B-788B43A7CF95}"/>
               </a:ext>
             </a:extLst>
           </p:cNvPr>
@@ -3832,8 +3827,8 @@
         </p:nvSpPr>
         <p:spPr>
           <a:xfrm>
-            <a:off x="175470" y="0"/>
-            <a:ext cx="9169866" cy="977114"/>
+            <a:off x="410362" y="180567"/>
+            <a:ext cx="11334225" cy="868057"/>
           </a:xfrm>
         </p:spPr>
         <p:txBody>
@@ -3844,17 +3839,17 @@
           <a:p>
             <a:r>
               <a:rPr lang="en-US" sz="2400" dirty="0"/>
-              <a:t>High RPE trials only </a:t>
-            </a:r>
-          </a:p>
-        </p:txBody>
-      </p:sp>
-      <p:pic>
-        <p:nvPicPr>
-          <p:cNvPr id="2" name="Picture 1">
-            <a:extLst>
-              <a:ext uri="{FF2B5EF4-FFF2-40B4-BE49-F238E27FC236}">
-                <a16:creationId xmlns:a16="http://schemas.microsoft.com/office/drawing/2014/main" id="{20E07F94-E5F3-4B85-9025-C60C7722B5BB}"/>
+              <a:t>Participants who showed downwards decreasing RT slope, p&lt; .1 (n= 37)</a:t>
+            </a:r>
+          </a:p>
+        </p:txBody>
+      </p:sp>
+      <p:pic>
+        <p:nvPicPr>
+          <p:cNvPr id="7" name="Picture 6">
+            <a:extLst>
+              <a:ext uri="{FF2B5EF4-FFF2-40B4-BE49-F238E27FC236}">
+                <a16:creationId xmlns:a16="http://schemas.microsoft.com/office/drawing/2014/main" id="{35FF3203-E55F-4BD7-8282-2B24B68AA4B8}"/>
               </a:ext>
             </a:extLst>
           </p:cNvPr>
@@ -3871,20 +3866,20 @@
         </p:blipFill>
         <p:spPr>
           <a:xfrm>
-            <a:off x="1436875" y="973853"/>
-            <a:ext cx="3680953" cy="2657143"/>
-          </a:xfrm>
-          <a:prstGeom prst="rect">
-            <a:avLst/>
-          </a:prstGeom>
-        </p:spPr>
-      </p:pic>
-      <p:pic>
-        <p:nvPicPr>
-          <p:cNvPr id="3" name="Picture 2">
-            <a:extLst>
-              <a:ext uri="{FF2B5EF4-FFF2-40B4-BE49-F238E27FC236}">
-                <a16:creationId xmlns:a16="http://schemas.microsoft.com/office/drawing/2014/main" id="{BE759ABB-FE96-4AD8-83B9-2DE407145B45}"/>
+            <a:off x="8052487" y="3323780"/>
+            <a:ext cx="3102088" cy="3534220"/>
+          </a:xfrm>
+          <a:prstGeom prst="rect">
+            <a:avLst/>
+          </a:prstGeom>
+        </p:spPr>
+      </p:pic>
+      <p:pic>
+        <p:nvPicPr>
+          <p:cNvPr id="8" name="Picture 7">
+            <a:extLst>
+              <a:ext uri="{FF2B5EF4-FFF2-40B4-BE49-F238E27FC236}">
+                <a16:creationId xmlns:a16="http://schemas.microsoft.com/office/drawing/2014/main" id="{2B912295-D0F3-4EED-B580-E523F0E12331}"/>
               </a:ext>
             </a:extLst>
           </p:cNvPr>
@@ -3901,20 +3896,20 @@
         </p:blipFill>
         <p:spPr>
           <a:xfrm>
-            <a:off x="6916425" y="1143687"/>
-            <a:ext cx="3472796" cy="2506882"/>
-          </a:xfrm>
-          <a:prstGeom prst="rect">
-            <a:avLst/>
-          </a:prstGeom>
-        </p:spPr>
-      </p:pic>
-      <p:pic>
-        <p:nvPicPr>
-          <p:cNvPr id="5" name="Picture 4">
-            <a:extLst>
-              <a:ext uri="{FF2B5EF4-FFF2-40B4-BE49-F238E27FC236}">
-                <a16:creationId xmlns:a16="http://schemas.microsoft.com/office/drawing/2014/main" id="{71ADC1AC-464C-41C0-89EC-673B58DA1E4E}"/>
+            <a:off x="321658" y="3642792"/>
+            <a:ext cx="2807715" cy="3198839"/>
+          </a:xfrm>
+          <a:prstGeom prst="rect">
+            <a:avLst/>
+          </a:prstGeom>
+        </p:spPr>
+      </p:pic>
+      <p:pic>
+        <p:nvPicPr>
+          <p:cNvPr id="9" name="Picture 8">
+            <a:extLst>
+              <a:ext uri="{FF2B5EF4-FFF2-40B4-BE49-F238E27FC236}">
+                <a16:creationId xmlns:a16="http://schemas.microsoft.com/office/drawing/2014/main" id="{ACDEE80C-C5CA-41C9-8402-6456D97ECCD6}"/>
               </a:ext>
             </a:extLst>
           </p:cNvPr>
@@ -3931,20 +3926,20 @@
         </p:blipFill>
         <p:spPr>
           <a:xfrm>
-            <a:off x="1483147" y="3934108"/>
-            <a:ext cx="3562007" cy="2571281"/>
-          </a:xfrm>
-          <a:prstGeom prst="rect">
-            <a:avLst/>
-          </a:prstGeom>
-        </p:spPr>
-      </p:pic>
-      <p:pic>
-        <p:nvPicPr>
-          <p:cNvPr id="6" name="Picture 5">
-            <a:extLst>
-              <a:ext uri="{FF2B5EF4-FFF2-40B4-BE49-F238E27FC236}">
-                <a16:creationId xmlns:a16="http://schemas.microsoft.com/office/drawing/2014/main" id="{062C0601-2713-48A5-93F5-196A03829EAF}"/>
+            <a:off x="410363" y="1344021"/>
+            <a:ext cx="3865076" cy="2003374"/>
+          </a:xfrm>
+          <a:prstGeom prst="rect">
+            <a:avLst/>
+          </a:prstGeom>
+        </p:spPr>
+      </p:pic>
+      <p:pic>
+        <p:nvPicPr>
+          <p:cNvPr id="14" name="Picture 13">
+            <a:extLst>
+              <a:ext uri="{FF2B5EF4-FFF2-40B4-BE49-F238E27FC236}">
+                <a16:creationId xmlns:a16="http://schemas.microsoft.com/office/drawing/2014/main" id="{F98DCF5F-45E8-40E5-9F70-D47CB5E1C5A6}"/>
               </a:ext>
             </a:extLst>
           </p:cNvPr>
@@ -3961,8 +3956,38 @@
         </p:blipFill>
         <p:spPr>
           <a:xfrm>
-            <a:off x="6498254" y="3650569"/>
-            <a:ext cx="4309138" cy="3110607"/>
+            <a:off x="4089545" y="3044666"/>
+            <a:ext cx="3188586" cy="3632767"/>
+          </a:xfrm>
+          <a:prstGeom prst="rect">
+            <a:avLst/>
+          </a:prstGeom>
+        </p:spPr>
+      </p:pic>
+      <p:pic>
+        <p:nvPicPr>
+          <p:cNvPr id="19" name="Picture 18">
+            <a:extLst>
+              <a:ext uri="{FF2B5EF4-FFF2-40B4-BE49-F238E27FC236}">
+                <a16:creationId xmlns:a16="http://schemas.microsoft.com/office/drawing/2014/main" id="{1469F246-558E-43B3-BD9D-2BCD79A5F1DB}"/>
+              </a:ext>
+            </a:extLst>
+          </p:cNvPr>
+          <p:cNvPicPr>
+            <a:picLocks noChangeAspect="1"/>
+          </p:cNvPicPr>
+          <p:nvPr/>
+        </p:nvPicPr>
+        <p:blipFill>
+          <a:blip r:embed="rId6"/>
+          <a:stretch>
+            <a:fillRect/>
+          </a:stretch>
+        </p:blipFill>
+        <p:spPr>
+          <a:xfrm>
+            <a:off x="7954621" y="839530"/>
+            <a:ext cx="3102088" cy="2589470"/>
           </a:xfrm>
           <a:prstGeom prst="rect">
             <a:avLst/>
@@ -3972,7 +3997,7 @@
     </p:spTree>
     <p:extLst>
       <p:ext uri="{BB962C8B-B14F-4D97-AF65-F5344CB8AC3E}">
-        <p14:creationId xmlns:p14="http://schemas.microsoft.com/office/powerpoint/2010/main" val="512671512"/>
+        <p14:creationId xmlns:p14="http://schemas.microsoft.com/office/powerpoint/2010/main" val="528269178"/>
       </p:ext>
     </p:extLst>
   </p:cSld>
@@ -4029,17 +4054,25 @@
           <a:p>
             <a:r>
               <a:rPr lang="en-US" sz="2400" dirty="0"/>
-              <a:t>Participants who showed downwards decreasing RT slope, p&lt; .1 (n= 37)</a:t>
-            </a:r>
-          </a:p>
-        </p:txBody>
-      </p:sp>
-      <p:pic>
-        <p:nvPicPr>
-          <p:cNvPr id="4" name="Picture 3">
-            <a:extLst>
-              <a:ext uri="{FF2B5EF4-FFF2-40B4-BE49-F238E27FC236}">
-                <a16:creationId xmlns:a16="http://schemas.microsoft.com/office/drawing/2014/main" id="{6D6A6B99-1A1D-4F3F-898C-7FF945DCABDE}"/>
+              <a:t>Participants who showed </a:t>
+            </a:r>
+            <a:r>
+              <a:rPr lang="en-US" sz="2400" dirty="0" err="1"/>
+              <a:t>gambleRamp</a:t>
+            </a:r>
+            <a:r>
+              <a:rPr lang="en-US" sz="2400" dirty="0"/>
+              <a:t> p&lt;.1 (n=18)</a:t>
+            </a:r>
+          </a:p>
+        </p:txBody>
+      </p:sp>
+      <p:pic>
+        <p:nvPicPr>
+          <p:cNvPr id="3" name="Picture 2">
+            <a:extLst>
+              <a:ext uri="{FF2B5EF4-FFF2-40B4-BE49-F238E27FC236}">
+                <a16:creationId xmlns:a16="http://schemas.microsoft.com/office/drawing/2014/main" id="{D0AAAB2F-662F-481D-9151-AA552DE835EF}"/>
               </a:ext>
             </a:extLst>
           </p:cNvPr>
@@ -4056,160 +4089,20 @@
         </p:blipFill>
         <p:spPr>
           <a:xfrm>
-            <a:off x="521870" y="1048624"/>
-            <a:ext cx="3831517" cy="2765830"/>
-          </a:xfrm>
-          <a:prstGeom prst="rect">
-            <a:avLst/>
-          </a:prstGeom>
-        </p:spPr>
-      </p:pic>
-      <p:sp>
-        <p:nvSpPr>
-          <p:cNvPr id="10" name="TextBox 9">
-            <a:extLst>
-              <a:ext uri="{FF2B5EF4-FFF2-40B4-BE49-F238E27FC236}">
-                <a16:creationId xmlns:a16="http://schemas.microsoft.com/office/drawing/2014/main" id="{11764E8D-1DE8-4DFC-96AC-154D14DCD981}"/>
-              </a:ext>
-            </a:extLst>
-          </p:cNvPr>
-          <p:cNvSpPr txBox="1"/>
-          <p:nvPr/>
-        </p:nvSpPr>
-        <p:spPr>
-          <a:xfrm>
-            <a:off x="2394189" y="3943959"/>
-            <a:ext cx="300082" cy="369332"/>
-          </a:xfrm>
-          <a:prstGeom prst="rect">
-            <a:avLst/>
-          </a:prstGeom>
-          <a:noFill/>
-        </p:spPr>
-        <p:txBody>
-          <a:bodyPr wrap="none" rtlCol="0">
-            <a:spAutoFit/>
-          </a:bodyPr>
-          <a:lstStyle/>
-          <a:p>
-            <a:r>
-              <a:rPr lang="en-US" dirty="0"/>
-              <a:t>*</a:t>
-            </a:r>
-          </a:p>
-        </p:txBody>
-      </p:sp>
-      <p:sp>
-        <p:nvSpPr>
-          <p:cNvPr id="11" name="TextBox 10">
-            <a:extLst>
-              <a:ext uri="{FF2B5EF4-FFF2-40B4-BE49-F238E27FC236}">
-                <a16:creationId xmlns:a16="http://schemas.microsoft.com/office/drawing/2014/main" id="{3F433C0E-466A-4978-B6DF-6C358A9C52C2}"/>
-              </a:ext>
-            </a:extLst>
-          </p:cNvPr>
-          <p:cNvSpPr txBox="1"/>
-          <p:nvPr/>
-        </p:nvSpPr>
-        <p:spPr>
-          <a:xfrm>
-            <a:off x="9197647" y="4052755"/>
-            <a:ext cx="300082" cy="369332"/>
-          </a:xfrm>
-          <a:prstGeom prst="rect">
-            <a:avLst/>
-          </a:prstGeom>
-          <a:noFill/>
-        </p:spPr>
-        <p:txBody>
-          <a:bodyPr wrap="none" rtlCol="0">
-            <a:spAutoFit/>
-          </a:bodyPr>
-          <a:lstStyle/>
-          <a:p>
-            <a:r>
-              <a:rPr lang="en-US" dirty="0"/>
-              <a:t>*</a:t>
-            </a:r>
-          </a:p>
-        </p:txBody>
-      </p:sp>
-      <p:sp>
-        <p:nvSpPr>
-          <p:cNvPr id="12" name="TextBox 11">
-            <a:extLst>
-              <a:ext uri="{FF2B5EF4-FFF2-40B4-BE49-F238E27FC236}">
-                <a16:creationId xmlns:a16="http://schemas.microsoft.com/office/drawing/2014/main" id="{8DEB4B60-8AC5-43E9-84BE-99B0536905C1}"/>
-              </a:ext>
-            </a:extLst>
-          </p:cNvPr>
-          <p:cNvSpPr txBox="1"/>
-          <p:nvPr/>
-        </p:nvSpPr>
-        <p:spPr>
-          <a:xfrm>
-            <a:off x="9068849" y="4052755"/>
-            <a:ext cx="300082" cy="369332"/>
-          </a:xfrm>
-          <a:prstGeom prst="rect">
-            <a:avLst/>
-          </a:prstGeom>
-          <a:noFill/>
-        </p:spPr>
-        <p:txBody>
-          <a:bodyPr wrap="none" rtlCol="0">
-            <a:spAutoFit/>
-          </a:bodyPr>
-          <a:lstStyle/>
-          <a:p>
-            <a:r>
-              <a:rPr lang="en-US" dirty="0"/>
-              <a:t>*</a:t>
-            </a:r>
-          </a:p>
-        </p:txBody>
-      </p:sp>
-      <p:sp>
-        <p:nvSpPr>
-          <p:cNvPr id="13" name="TextBox 12">
-            <a:extLst>
-              <a:ext uri="{FF2B5EF4-FFF2-40B4-BE49-F238E27FC236}">
-                <a16:creationId xmlns:a16="http://schemas.microsoft.com/office/drawing/2014/main" id="{64803342-E444-49D4-8108-AA66FDA5FABB}"/>
-              </a:ext>
-            </a:extLst>
-          </p:cNvPr>
-          <p:cNvSpPr txBox="1"/>
-          <p:nvPr/>
-        </p:nvSpPr>
-        <p:spPr>
-          <a:xfrm>
-            <a:off x="8940051" y="4052755"/>
-            <a:ext cx="300082" cy="369332"/>
-          </a:xfrm>
-          <a:prstGeom prst="rect">
-            <a:avLst/>
-          </a:prstGeom>
-          <a:noFill/>
-        </p:spPr>
-        <p:txBody>
-          <a:bodyPr wrap="none" rtlCol="0">
-            <a:spAutoFit/>
-          </a:bodyPr>
-          <a:lstStyle/>
-          <a:p>
-            <a:r>
-              <a:rPr lang="en-US" dirty="0"/>
-              <a:t>*</a:t>
-            </a:r>
-          </a:p>
-        </p:txBody>
-      </p:sp>
-      <p:pic>
-        <p:nvPicPr>
-          <p:cNvPr id="15" name="Picture 14">
-            <a:extLst>
-              <a:ext uri="{FF2B5EF4-FFF2-40B4-BE49-F238E27FC236}">
-                <a16:creationId xmlns:a16="http://schemas.microsoft.com/office/drawing/2014/main" id="{98753720-A233-4310-B8E9-DE56BC1EE66E}"/>
+            <a:off x="8513876" y="518984"/>
+            <a:ext cx="3230711" cy="2696839"/>
+          </a:xfrm>
+          <a:prstGeom prst="rect">
+            <a:avLst/>
+          </a:prstGeom>
+        </p:spPr>
+      </p:pic>
+      <p:pic>
+        <p:nvPicPr>
+          <p:cNvPr id="5" name="Picture 4">
+            <a:extLst>
+              <a:ext uri="{FF2B5EF4-FFF2-40B4-BE49-F238E27FC236}">
+                <a16:creationId xmlns:a16="http://schemas.microsoft.com/office/drawing/2014/main" id="{2B7EBEDB-0C69-4619-93F9-F5FF44E456C0}"/>
               </a:ext>
             </a:extLst>
           </p:cNvPr>
@@ -4226,20 +4119,20 @@
         </p:blipFill>
         <p:spPr>
           <a:xfrm>
-            <a:off x="561919" y="4212705"/>
-            <a:ext cx="3664540" cy="2645295"/>
-          </a:xfrm>
-          <a:prstGeom prst="rect">
-            <a:avLst/>
-          </a:prstGeom>
-        </p:spPr>
-      </p:pic>
-      <p:pic>
-        <p:nvPicPr>
-          <p:cNvPr id="16" name="Picture 15">
-            <a:extLst>
-              <a:ext uri="{FF2B5EF4-FFF2-40B4-BE49-F238E27FC236}">
-                <a16:creationId xmlns:a16="http://schemas.microsoft.com/office/drawing/2014/main" id="{58B4A913-7F08-4913-8B1B-45728E30C4C0}"/>
+            <a:off x="8009343" y="3554240"/>
+            <a:ext cx="3630724" cy="3030750"/>
+          </a:xfrm>
+          <a:prstGeom prst="rect">
+            <a:avLst/>
+          </a:prstGeom>
+        </p:spPr>
+      </p:pic>
+      <p:pic>
+        <p:nvPicPr>
+          <p:cNvPr id="6" name="Picture 5">
+            <a:extLst>
+              <a:ext uri="{FF2B5EF4-FFF2-40B4-BE49-F238E27FC236}">
+                <a16:creationId xmlns:a16="http://schemas.microsoft.com/office/drawing/2014/main" id="{5F3B3290-CD8C-4268-9977-4D981B1A85D4}"/>
               </a:ext>
             </a:extLst>
           </p:cNvPr>
@@ -4256,20 +4149,20 @@
         </p:blipFill>
         <p:spPr>
           <a:xfrm>
-            <a:off x="7540785" y="4339325"/>
-            <a:ext cx="3313724" cy="2392054"/>
-          </a:xfrm>
-          <a:prstGeom prst="rect">
-            <a:avLst/>
-          </a:prstGeom>
-        </p:spPr>
-      </p:pic>
-      <p:pic>
-        <p:nvPicPr>
-          <p:cNvPr id="18" name="Picture 17">
-            <a:extLst>
-              <a:ext uri="{FF2B5EF4-FFF2-40B4-BE49-F238E27FC236}">
-                <a16:creationId xmlns:a16="http://schemas.microsoft.com/office/drawing/2014/main" id="{24745122-E3CF-470C-81F3-29D429D3BFC0}"/>
+            <a:off x="659483" y="3827249"/>
+            <a:ext cx="3630724" cy="3030751"/>
+          </a:xfrm>
+          <a:prstGeom prst="rect">
+            <a:avLst/>
+          </a:prstGeom>
+        </p:spPr>
+      </p:pic>
+      <p:pic>
+        <p:nvPicPr>
+          <p:cNvPr id="7" name="Picture 6">
+            <a:extLst>
+              <a:ext uri="{FF2B5EF4-FFF2-40B4-BE49-F238E27FC236}">
+                <a16:creationId xmlns:a16="http://schemas.microsoft.com/office/drawing/2014/main" id="{D98027C0-1E2A-4F14-8E6D-C3379E05D6AC}"/>
               </a:ext>
             </a:extLst>
           </p:cNvPr>
@@ -4286,8 +4179,38 @@
         </p:blipFill>
         <p:spPr>
           <a:xfrm>
-            <a:off x="6889880" y="876253"/>
-            <a:ext cx="4400423" cy="3176502"/>
+            <a:off x="783051" y="990572"/>
+            <a:ext cx="3383588" cy="2824453"/>
+          </a:xfrm>
+          <a:prstGeom prst="rect">
+            <a:avLst/>
+          </a:prstGeom>
+        </p:spPr>
+      </p:pic>
+      <p:pic>
+        <p:nvPicPr>
+          <p:cNvPr id="8" name="Picture 7">
+            <a:extLst>
+              <a:ext uri="{FF2B5EF4-FFF2-40B4-BE49-F238E27FC236}">
+                <a16:creationId xmlns:a16="http://schemas.microsoft.com/office/drawing/2014/main" id="{C92C6883-D8A9-4AB8-8B6C-A6B7F7C93B90}"/>
+              </a:ext>
+            </a:extLst>
+          </p:cNvPr>
+          <p:cNvPicPr>
+            <a:picLocks noChangeAspect="1"/>
+          </p:cNvPicPr>
+          <p:nvPr/>
+        </p:nvPicPr>
+        <p:blipFill>
+          <a:blip r:embed="rId6"/>
+          <a:stretch>
+            <a:fillRect/>
+          </a:stretch>
+        </p:blipFill>
+        <p:spPr>
+          <a:xfrm>
+            <a:off x="4648463" y="889205"/>
+            <a:ext cx="3383589" cy="2824454"/>
           </a:xfrm>
           <a:prstGeom prst="rect">
             <a:avLst/>
@@ -4297,7 +4220,7 @@
     </p:spTree>
     <p:extLst>
       <p:ext uri="{BB962C8B-B14F-4D97-AF65-F5344CB8AC3E}">
-        <p14:creationId xmlns:p14="http://schemas.microsoft.com/office/powerpoint/2010/main" val="528269178"/>
+        <p14:creationId xmlns:p14="http://schemas.microsoft.com/office/powerpoint/2010/main" val="283925598"/>
       </p:ext>
     </p:extLst>
   </p:cSld>
@@ -4354,25 +4277,197 @@
           <a:p>
             <a:r>
               <a:rPr lang="en-US" sz="2400" dirty="0"/>
-              <a:t>Participants who showed </a:t>
-            </a:r>
-            <a:r>
-              <a:rPr lang="en-US" sz="2400" dirty="0" err="1"/>
-              <a:t>gambleRamp</a:t>
-            </a:r>
-            <a:r>
-              <a:rPr lang="en-US" sz="2400" dirty="0"/>
-              <a:t> p&lt;.1 (n=16)</a:t>
-            </a:r>
-          </a:p>
-        </p:txBody>
-      </p:sp>
-      <p:sp>
-        <p:nvSpPr>
-          <p:cNvPr id="11" name="TextBox 10">
-            <a:extLst>
-              <a:ext uri="{FF2B5EF4-FFF2-40B4-BE49-F238E27FC236}">
-                <a16:creationId xmlns:a16="http://schemas.microsoft.com/office/drawing/2014/main" id="{3F433C0E-466A-4978-B6DF-6C358A9C52C2}"/>
+              <a:t>Upper quartile of logical gamblers split (n=38)</a:t>
+            </a:r>
+          </a:p>
+        </p:txBody>
+      </p:sp>
+      <p:pic>
+        <p:nvPicPr>
+          <p:cNvPr id="4" name="Picture 3">
+            <a:extLst>
+              <a:ext uri="{FF2B5EF4-FFF2-40B4-BE49-F238E27FC236}">
+                <a16:creationId xmlns:a16="http://schemas.microsoft.com/office/drawing/2014/main" id="{EB96B643-AFA2-4263-A54B-E56DB5EDFB3B}"/>
+              </a:ext>
+            </a:extLst>
+          </p:cNvPr>
+          <p:cNvPicPr>
+            <a:picLocks noChangeAspect="1"/>
+          </p:cNvPicPr>
+          <p:nvPr/>
+        </p:nvPicPr>
+        <p:blipFill>
+          <a:blip r:embed="rId2"/>
+          <a:stretch>
+            <a:fillRect/>
+          </a:stretch>
+        </p:blipFill>
+        <p:spPr>
+          <a:xfrm>
+            <a:off x="3978876" y="3918849"/>
+            <a:ext cx="3371232" cy="2814139"/>
+          </a:xfrm>
+          <a:prstGeom prst="rect">
+            <a:avLst/>
+          </a:prstGeom>
+        </p:spPr>
+      </p:pic>
+      <p:pic>
+        <p:nvPicPr>
+          <p:cNvPr id="9" name="Picture 8">
+            <a:extLst>
+              <a:ext uri="{FF2B5EF4-FFF2-40B4-BE49-F238E27FC236}">
+                <a16:creationId xmlns:a16="http://schemas.microsoft.com/office/drawing/2014/main" id="{31101A62-2A06-4EE5-9CE8-A1F1D9F331D7}"/>
+              </a:ext>
+            </a:extLst>
+          </p:cNvPr>
+          <p:cNvPicPr>
+            <a:picLocks noChangeAspect="1"/>
+          </p:cNvPicPr>
+          <p:nvPr/>
+        </p:nvPicPr>
+        <p:blipFill>
+          <a:blip r:embed="rId3"/>
+          <a:stretch>
+            <a:fillRect/>
+          </a:stretch>
+        </p:blipFill>
+        <p:spPr>
+          <a:xfrm>
+            <a:off x="545862" y="920667"/>
+            <a:ext cx="3371232" cy="2814139"/>
+          </a:xfrm>
+          <a:prstGeom prst="rect">
+            <a:avLst/>
+          </a:prstGeom>
+        </p:spPr>
+      </p:pic>
+      <p:pic>
+        <p:nvPicPr>
+          <p:cNvPr id="10" name="Picture 9">
+            <a:extLst>
+              <a:ext uri="{FF2B5EF4-FFF2-40B4-BE49-F238E27FC236}">
+                <a16:creationId xmlns:a16="http://schemas.microsoft.com/office/drawing/2014/main" id="{5D4022FC-076F-4028-B98E-3CDC69EBAB41}"/>
+              </a:ext>
+            </a:extLst>
+          </p:cNvPr>
+          <p:cNvPicPr>
+            <a:picLocks noChangeAspect="1"/>
+          </p:cNvPicPr>
+          <p:nvPr/>
+        </p:nvPicPr>
+        <p:blipFill>
+          <a:blip r:embed="rId4"/>
+          <a:stretch>
+            <a:fillRect/>
+          </a:stretch>
+        </p:blipFill>
+        <p:spPr>
+          <a:xfrm>
+            <a:off x="545862" y="3886289"/>
+            <a:ext cx="3371233" cy="2814140"/>
+          </a:xfrm>
+          <a:prstGeom prst="rect">
+            <a:avLst/>
+          </a:prstGeom>
+        </p:spPr>
+      </p:pic>
+      <p:pic>
+        <p:nvPicPr>
+          <p:cNvPr id="11" name="Picture 10">
+            <a:extLst>
+              <a:ext uri="{FF2B5EF4-FFF2-40B4-BE49-F238E27FC236}">
+                <a16:creationId xmlns:a16="http://schemas.microsoft.com/office/drawing/2014/main" id="{F05C16EC-D8AD-4F65-8B98-41498364B9DC}"/>
+              </a:ext>
+            </a:extLst>
+          </p:cNvPr>
+          <p:cNvPicPr>
+            <a:picLocks noChangeAspect="1"/>
+          </p:cNvPicPr>
+          <p:nvPr/>
+        </p:nvPicPr>
+        <p:blipFill>
+          <a:blip r:embed="rId5"/>
+          <a:stretch>
+            <a:fillRect/>
+          </a:stretch>
+        </p:blipFill>
+        <p:spPr>
+          <a:xfrm>
+            <a:off x="3808044" y="940485"/>
+            <a:ext cx="3544226" cy="2958546"/>
+          </a:xfrm>
+          <a:prstGeom prst="rect">
+            <a:avLst/>
+          </a:prstGeom>
+        </p:spPr>
+      </p:pic>
+      <p:pic>
+        <p:nvPicPr>
+          <p:cNvPr id="12" name="Picture 11">
+            <a:extLst>
+              <a:ext uri="{FF2B5EF4-FFF2-40B4-BE49-F238E27FC236}">
+                <a16:creationId xmlns:a16="http://schemas.microsoft.com/office/drawing/2014/main" id="{3ED014A5-ABF1-42A9-A873-31D6DF7AC6AB}"/>
+              </a:ext>
+            </a:extLst>
+          </p:cNvPr>
+          <p:cNvPicPr>
+            <a:picLocks noChangeAspect="1"/>
+          </p:cNvPicPr>
+          <p:nvPr/>
+        </p:nvPicPr>
+        <p:blipFill>
+          <a:blip r:embed="rId6"/>
+          <a:stretch>
+            <a:fillRect/>
+          </a:stretch>
+        </p:blipFill>
+        <p:spPr>
+          <a:xfrm>
+            <a:off x="8071126" y="309055"/>
+            <a:ext cx="3371232" cy="2814139"/>
+          </a:xfrm>
+          <a:prstGeom prst="rect">
+            <a:avLst/>
+          </a:prstGeom>
+        </p:spPr>
+      </p:pic>
+      <p:pic>
+        <p:nvPicPr>
+          <p:cNvPr id="13" name="Picture 12">
+            <a:extLst>
+              <a:ext uri="{FF2B5EF4-FFF2-40B4-BE49-F238E27FC236}">
+                <a16:creationId xmlns:a16="http://schemas.microsoft.com/office/drawing/2014/main" id="{5EC3CF61-798A-4681-99AB-D42C784EBB70}"/>
+              </a:ext>
+            </a:extLst>
+          </p:cNvPr>
+          <p:cNvPicPr>
+            <a:picLocks noChangeAspect="1"/>
+          </p:cNvPicPr>
+          <p:nvPr/>
+        </p:nvPicPr>
+        <p:blipFill>
+          <a:blip r:embed="rId7"/>
+          <a:stretch>
+            <a:fillRect/>
+          </a:stretch>
+        </p:blipFill>
+        <p:spPr>
+          <a:xfrm>
+            <a:off x="8132908" y="3123194"/>
+            <a:ext cx="3371232" cy="2814139"/>
+          </a:xfrm>
+          <a:prstGeom prst="rect">
+            <a:avLst/>
+          </a:prstGeom>
+        </p:spPr>
+      </p:pic>
+      <p:sp>
+        <p:nvSpPr>
+          <p:cNvPr id="14" name="TextBox 13">
+            <a:extLst>
+              <a:ext uri="{FF2B5EF4-FFF2-40B4-BE49-F238E27FC236}">
+                <a16:creationId xmlns:a16="http://schemas.microsoft.com/office/drawing/2014/main" id="{57218FB8-E4C4-4B0D-8830-CD95572FE4A4}"/>
               </a:ext>
             </a:extLst>
           </p:cNvPr>
@@ -4381,8 +4476,8 @@
         </p:nvSpPr>
         <p:spPr>
           <a:xfrm>
-            <a:off x="10324698" y="3706128"/>
-            <a:ext cx="300082" cy="369332"/>
+            <a:off x="8071126" y="5937333"/>
+            <a:ext cx="3527184" cy="646331"/>
           </a:xfrm>
           <a:prstGeom prst="rect">
             <a:avLst/>
@@ -4397,305 +4492,29 @@
           <a:p>
             <a:r>
               <a:rPr lang="en-US" dirty="0"/>
-              <a:t>*</a:t>
-            </a:r>
-          </a:p>
-        </p:txBody>
-      </p:sp>
-      <p:sp>
-        <p:nvSpPr>
-          <p:cNvPr id="12" name="TextBox 11">
-            <a:extLst>
-              <a:ext uri="{FF2B5EF4-FFF2-40B4-BE49-F238E27FC236}">
-                <a16:creationId xmlns:a16="http://schemas.microsoft.com/office/drawing/2014/main" id="{8DEB4B60-8AC5-43E9-84BE-99B0536905C1}"/>
-              </a:ext>
-            </a:extLst>
-          </p:cNvPr>
-          <p:cNvSpPr txBox="1"/>
-          <p:nvPr/>
-        </p:nvSpPr>
-        <p:spPr>
-          <a:xfrm>
-            <a:off x="10195900" y="3706128"/>
-            <a:ext cx="300082" cy="369332"/>
-          </a:xfrm>
-          <a:prstGeom prst="rect">
-            <a:avLst/>
-          </a:prstGeom>
-          <a:noFill/>
-        </p:spPr>
-        <p:txBody>
-          <a:bodyPr wrap="none" rtlCol="0">
-            <a:spAutoFit/>
-          </a:bodyPr>
-          <a:lstStyle/>
-          <a:p>
+              <a:t>This plot shows only </a:t>
+            </a:r>
+            <a:r>
+              <a:rPr lang="en-US" dirty="0" err="1"/>
+              <a:t>midValue</a:t>
+            </a:r>
             <a:r>
               <a:rPr lang="en-US" dirty="0"/>
-              <a:t>*</a:t>
-            </a:r>
-          </a:p>
-        </p:txBody>
-      </p:sp>
-      <p:pic>
-        <p:nvPicPr>
-          <p:cNvPr id="4" name="Picture 3">
-            <a:extLst>
-              <a:ext uri="{FF2B5EF4-FFF2-40B4-BE49-F238E27FC236}">
-                <a16:creationId xmlns:a16="http://schemas.microsoft.com/office/drawing/2014/main" id="{091197FF-6E58-42AF-9072-E5503BF2D4EC}"/>
-              </a:ext>
-            </a:extLst>
-          </p:cNvPr>
-          <p:cNvPicPr>
-            <a:picLocks noChangeAspect="1"/>
-          </p:cNvPicPr>
-          <p:nvPr/>
-        </p:nvPicPr>
-        <p:blipFill>
-          <a:blip r:embed="rId2"/>
-          <a:stretch>
-            <a:fillRect/>
-          </a:stretch>
-        </p:blipFill>
-        <p:spPr>
-          <a:xfrm>
-            <a:off x="447413" y="1012980"/>
-            <a:ext cx="3541024" cy="2556134"/>
-          </a:xfrm>
-          <a:prstGeom prst="rect">
-            <a:avLst/>
-          </a:prstGeom>
-        </p:spPr>
-      </p:pic>
-      <p:pic>
-        <p:nvPicPr>
-          <p:cNvPr id="9" name="Picture 8">
-            <a:extLst>
-              <a:ext uri="{FF2B5EF4-FFF2-40B4-BE49-F238E27FC236}">
-                <a16:creationId xmlns:a16="http://schemas.microsoft.com/office/drawing/2014/main" id="{7F535EAC-1349-40E7-BA3E-BDCC56C47F9D}"/>
-              </a:ext>
-            </a:extLst>
-          </p:cNvPr>
-          <p:cNvPicPr>
-            <a:picLocks noChangeAspect="1"/>
-          </p:cNvPicPr>
-          <p:nvPr/>
-        </p:nvPicPr>
-        <p:blipFill>
-          <a:blip r:embed="rId3"/>
-          <a:stretch>
-            <a:fillRect/>
-          </a:stretch>
-        </p:blipFill>
-        <p:spPr>
-          <a:xfrm>
-            <a:off x="410362" y="3831509"/>
-            <a:ext cx="3815632" cy="2754363"/>
-          </a:xfrm>
-          <a:prstGeom prst="rect">
-            <a:avLst/>
-          </a:prstGeom>
-        </p:spPr>
-      </p:pic>
-      <p:pic>
-        <p:nvPicPr>
-          <p:cNvPr id="10" name="Picture 9">
-            <a:extLst>
-              <a:ext uri="{FF2B5EF4-FFF2-40B4-BE49-F238E27FC236}">
-                <a16:creationId xmlns:a16="http://schemas.microsoft.com/office/drawing/2014/main" id="{AE5EA6F3-EDD1-40E9-9675-E61F56B393FD}"/>
-              </a:ext>
-            </a:extLst>
-          </p:cNvPr>
-          <p:cNvPicPr>
-            <a:picLocks noChangeAspect="1"/>
-          </p:cNvPicPr>
-          <p:nvPr/>
-        </p:nvPicPr>
-        <p:blipFill>
-          <a:blip r:embed="rId4"/>
-          <a:stretch>
-            <a:fillRect/>
-          </a:stretch>
-        </p:blipFill>
-        <p:spPr>
-          <a:xfrm>
-            <a:off x="8367829" y="4038200"/>
-            <a:ext cx="3656142" cy="2639233"/>
-          </a:xfrm>
-          <a:prstGeom prst="rect">
-            <a:avLst/>
-          </a:prstGeom>
-        </p:spPr>
-      </p:pic>
-      <p:sp>
-        <p:nvSpPr>
-          <p:cNvPr id="15" name="TextBox 14">
-            <a:extLst>
-              <a:ext uri="{FF2B5EF4-FFF2-40B4-BE49-F238E27FC236}">
-                <a16:creationId xmlns:a16="http://schemas.microsoft.com/office/drawing/2014/main" id="{920681E1-9035-4E1E-9501-3F4FCD080AC6}"/>
-              </a:ext>
-            </a:extLst>
-          </p:cNvPr>
-          <p:cNvSpPr txBox="1"/>
-          <p:nvPr/>
-        </p:nvSpPr>
-        <p:spPr>
-          <a:xfrm>
-            <a:off x="1736160" y="3668109"/>
-            <a:ext cx="300082" cy="369332"/>
-          </a:xfrm>
-          <a:prstGeom prst="rect">
-            <a:avLst/>
-          </a:prstGeom>
-          <a:noFill/>
-        </p:spPr>
-        <p:txBody>
-          <a:bodyPr wrap="none" rtlCol="0">
-            <a:spAutoFit/>
-          </a:bodyPr>
-          <a:lstStyle/>
+              <a:t> trials</a:t>
+            </a:r>
+          </a:p>
           <a:p>
             <a:r>
               <a:rPr lang="en-US" dirty="0"/>
-              <a:t>*</a:t>
-            </a:r>
-          </a:p>
-        </p:txBody>
-      </p:sp>
-      <p:sp>
-        <p:nvSpPr>
-          <p:cNvPr id="16" name="TextBox 15">
-            <a:extLst>
-              <a:ext uri="{FF2B5EF4-FFF2-40B4-BE49-F238E27FC236}">
-                <a16:creationId xmlns:a16="http://schemas.microsoft.com/office/drawing/2014/main" id="{05C99837-CDC5-454A-8C34-687FD6AE50EE}"/>
-              </a:ext>
-            </a:extLst>
-          </p:cNvPr>
-          <p:cNvSpPr txBox="1"/>
-          <p:nvPr/>
-        </p:nvSpPr>
-        <p:spPr>
-          <a:xfrm>
-            <a:off x="1591179" y="3668868"/>
-            <a:ext cx="300082" cy="369332"/>
-          </a:xfrm>
-          <a:prstGeom prst="rect">
-            <a:avLst/>
-          </a:prstGeom>
-          <a:noFill/>
-        </p:spPr>
-        <p:txBody>
-          <a:bodyPr wrap="none" rtlCol="0">
-            <a:spAutoFit/>
-          </a:bodyPr>
-          <a:lstStyle/>
-          <a:p>
-            <a:r>
-              <a:rPr lang="en-US" dirty="0"/>
-              <a:t>*</a:t>
-            </a:r>
-          </a:p>
-        </p:txBody>
-      </p:sp>
-      <p:sp>
-        <p:nvSpPr>
-          <p:cNvPr id="17" name="TextBox 16">
-            <a:extLst>
-              <a:ext uri="{FF2B5EF4-FFF2-40B4-BE49-F238E27FC236}">
-                <a16:creationId xmlns:a16="http://schemas.microsoft.com/office/drawing/2014/main" id="{CA5E6137-F7DB-428C-95DB-6328B61F62B6}"/>
-              </a:ext>
-            </a:extLst>
-          </p:cNvPr>
-          <p:cNvSpPr txBox="1"/>
-          <p:nvPr/>
-        </p:nvSpPr>
-        <p:spPr>
-          <a:xfrm>
-            <a:off x="1886201" y="3668109"/>
-            <a:ext cx="300082" cy="369332"/>
-          </a:xfrm>
-          <a:prstGeom prst="rect">
-            <a:avLst/>
-          </a:prstGeom>
-          <a:noFill/>
-        </p:spPr>
-        <p:txBody>
-          <a:bodyPr wrap="none" rtlCol="0">
-            <a:spAutoFit/>
-          </a:bodyPr>
-          <a:lstStyle/>
-          <a:p>
-            <a:r>
-              <a:rPr lang="en-US" dirty="0"/>
-              <a:t>*</a:t>
-            </a:r>
-          </a:p>
-        </p:txBody>
-      </p:sp>
-      <p:pic>
-        <p:nvPicPr>
-          <p:cNvPr id="18" name="Picture 17">
-            <a:extLst>
-              <a:ext uri="{FF2B5EF4-FFF2-40B4-BE49-F238E27FC236}">
-                <a16:creationId xmlns:a16="http://schemas.microsoft.com/office/drawing/2014/main" id="{46DC488B-26B9-42AA-9655-F11AD2DE1786}"/>
-              </a:ext>
-            </a:extLst>
-          </p:cNvPr>
-          <p:cNvPicPr>
-            <a:picLocks noChangeAspect="1"/>
-          </p:cNvPicPr>
-          <p:nvPr/>
-        </p:nvPicPr>
-        <p:blipFill>
-          <a:blip r:embed="rId5"/>
-          <a:stretch>
-            <a:fillRect/>
-          </a:stretch>
-        </p:blipFill>
-        <p:spPr>
-          <a:xfrm>
-            <a:off x="8203562" y="743112"/>
-            <a:ext cx="4052012" cy="2924997"/>
-          </a:xfrm>
-          <a:prstGeom prst="rect">
-            <a:avLst/>
-          </a:prstGeom>
-        </p:spPr>
-      </p:pic>
-      <p:pic>
-        <p:nvPicPr>
-          <p:cNvPr id="19" name="Picture 18">
-            <a:extLst>
-              <a:ext uri="{FF2B5EF4-FFF2-40B4-BE49-F238E27FC236}">
-                <a16:creationId xmlns:a16="http://schemas.microsoft.com/office/drawing/2014/main" id="{08805554-AF7D-4550-A965-0F44824194EB}"/>
-              </a:ext>
-            </a:extLst>
-          </p:cNvPr>
-          <p:cNvPicPr>
-            <a:picLocks noChangeAspect="1"/>
-          </p:cNvPicPr>
-          <p:nvPr/>
-        </p:nvPicPr>
-        <p:blipFill>
-          <a:blip r:embed="rId6"/>
-          <a:stretch>
-            <a:fillRect/>
-          </a:stretch>
-        </p:blipFill>
-        <p:spPr>
-          <a:xfrm>
-            <a:off x="4255523" y="911970"/>
-            <a:ext cx="3680953" cy="2657144"/>
-          </a:xfrm>
-          <a:prstGeom prst="rect">
-            <a:avLst/>
-          </a:prstGeom>
-        </p:spPr>
-      </p:pic>
+              <a:t>for logical gamblers</a:t>
+            </a:r>
+          </a:p>
+        </p:txBody>
+      </p:sp>
     </p:spTree>
     <p:extLst>
       <p:ext uri="{BB962C8B-B14F-4D97-AF65-F5344CB8AC3E}">
-        <p14:creationId xmlns:p14="http://schemas.microsoft.com/office/powerpoint/2010/main" val="283925598"/>
+        <p14:creationId xmlns:p14="http://schemas.microsoft.com/office/powerpoint/2010/main" val="2088590608"/>
       </p:ext>
     </p:extLst>
   </p:cSld>
@@ -4752,440 +4571,155 @@
           <a:p>
             <a:r>
               <a:rPr lang="en-US" sz="2400" dirty="0"/>
-              <a:t>Participants who failed any number of catch trials (n= 77)</a:t>
-            </a:r>
-          </a:p>
-        </p:txBody>
-      </p:sp>
-      <p:sp>
-        <p:nvSpPr>
-          <p:cNvPr id="11" name="TextBox 10">
-            <a:extLst>
-              <a:ext uri="{FF2B5EF4-FFF2-40B4-BE49-F238E27FC236}">
-                <a16:creationId xmlns:a16="http://schemas.microsoft.com/office/drawing/2014/main" id="{3F433C0E-466A-4978-B6DF-6C358A9C52C2}"/>
-              </a:ext>
-            </a:extLst>
-          </p:cNvPr>
-          <p:cNvSpPr txBox="1"/>
-          <p:nvPr/>
-        </p:nvSpPr>
-        <p:spPr>
-          <a:xfrm>
-            <a:off x="9197647" y="4052755"/>
-            <a:ext cx="300082" cy="369332"/>
-          </a:xfrm>
-          <a:prstGeom prst="rect">
-            <a:avLst/>
-          </a:prstGeom>
-          <a:noFill/>
-        </p:spPr>
-        <p:txBody>
-          <a:bodyPr wrap="none" rtlCol="0">
-            <a:spAutoFit/>
-          </a:bodyPr>
-          <a:lstStyle/>
-          <a:p>
-            <a:r>
-              <a:rPr lang="en-US" dirty="0"/>
-              <a:t>*</a:t>
-            </a:r>
-          </a:p>
-        </p:txBody>
-      </p:sp>
-      <p:sp>
-        <p:nvSpPr>
-          <p:cNvPr id="12" name="TextBox 11">
-            <a:extLst>
-              <a:ext uri="{FF2B5EF4-FFF2-40B4-BE49-F238E27FC236}">
-                <a16:creationId xmlns:a16="http://schemas.microsoft.com/office/drawing/2014/main" id="{8DEB4B60-8AC5-43E9-84BE-99B0536905C1}"/>
-              </a:ext>
-            </a:extLst>
-          </p:cNvPr>
-          <p:cNvSpPr txBox="1"/>
-          <p:nvPr/>
-        </p:nvSpPr>
-        <p:spPr>
-          <a:xfrm>
-            <a:off x="9068849" y="4052755"/>
-            <a:ext cx="300082" cy="369332"/>
-          </a:xfrm>
-          <a:prstGeom prst="rect">
-            <a:avLst/>
-          </a:prstGeom>
-          <a:noFill/>
-        </p:spPr>
-        <p:txBody>
-          <a:bodyPr wrap="none" rtlCol="0">
-            <a:spAutoFit/>
-          </a:bodyPr>
-          <a:lstStyle/>
-          <a:p>
-            <a:r>
-              <a:rPr lang="en-US" dirty="0"/>
-              <a:t>*</a:t>
-            </a:r>
-          </a:p>
-        </p:txBody>
-      </p:sp>
-      <p:sp>
-        <p:nvSpPr>
-          <p:cNvPr id="13" name="TextBox 12">
-            <a:extLst>
-              <a:ext uri="{FF2B5EF4-FFF2-40B4-BE49-F238E27FC236}">
-                <a16:creationId xmlns:a16="http://schemas.microsoft.com/office/drawing/2014/main" id="{64803342-E444-49D4-8108-AA66FDA5FABB}"/>
-              </a:ext>
-            </a:extLst>
-          </p:cNvPr>
-          <p:cNvSpPr txBox="1"/>
-          <p:nvPr/>
-        </p:nvSpPr>
-        <p:spPr>
-          <a:xfrm>
-            <a:off x="8940051" y="4052755"/>
-            <a:ext cx="300082" cy="369332"/>
-          </a:xfrm>
-          <a:prstGeom prst="rect">
-            <a:avLst/>
-          </a:prstGeom>
-          <a:noFill/>
-        </p:spPr>
-        <p:txBody>
-          <a:bodyPr wrap="none" rtlCol="0">
-            <a:spAutoFit/>
-          </a:bodyPr>
-          <a:lstStyle/>
-          <a:p>
-            <a:r>
-              <a:rPr lang="en-US" dirty="0"/>
-              <a:t>*</a:t>
-            </a:r>
-          </a:p>
-        </p:txBody>
-      </p:sp>
+              <a:t>Participants who gambled more than 60% of time (n=45)</a:t>
+            </a:r>
+          </a:p>
+        </p:txBody>
+      </p:sp>
+      <p:pic>
+        <p:nvPicPr>
+          <p:cNvPr id="3" name="Picture 2">
+            <a:extLst>
+              <a:ext uri="{FF2B5EF4-FFF2-40B4-BE49-F238E27FC236}">
+                <a16:creationId xmlns:a16="http://schemas.microsoft.com/office/drawing/2014/main" id="{9544E859-DAD6-43E7-97CF-175C5D69DA7F}"/>
+              </a:ext>
+            </a:extLst>
+          </p:cNvPr>
+          <p:cNvPicPr>
+            <a:picLocks noChangeAspect="1"/>
+          </p:cNvPicPr>
+          <p:nvPr/>
+        </p:nvPicPr>
+        <p:blipFill>
+          <a:blip r:embed="rId2"/>
+          <a:stretch>
+            <a:fillRect/>
+          </a:stretch>
+        </p:blipFill>
+        <p:spPr>
+          <a:xfrm>
+            <a:off x="867137" y="1048624"/>
+            <a:ext cx="3148810" cy="2628472"/>
+          </a:xfrm>
+          <a:prstGeom prst="rect">
+            <a:avLst/>
+          </a:prstGeom>
+        </p:spPr>
+      </p:pic>
+      <p:pic>
+        <p:nvPicPr>
+          <p:cNvPr id="5" name="Picture 4">
+            <a:extLst>
+              <a:ext uri="{FF2B5EF4-FFF2-40B4-BE49-F238E27FC236}">
+                <a16:creationId xmlns:a16="http://schemas.microsoft.com/office/drawing/2014/main" id="{D40BF60A-1058-4AA3-82E7-2004C2143134}"/>
+              </a:ext>
+            </a:extLst>
+          </p:cNvPr>
+          <p:cNvPicPr>
+            <a:picLocks noChangeAspect="1"/>
+          </p:cNvPicPr>
+          <p:nvPr/>
+        </p:nvPicPr>
+        <p:blipFill>
+          <a:blip r:embed="rId3"/>
+          <a:stretch>
+            <a:fillRect/>
+          </a:stretch>
+        </p:blipFill>
+        <p:spPr>
+          <a:xfrm>
+            <a:off x="620002" y="3677096"/>
+            <a:ext cx="3395945" cy="2834768"/>
+          </a:xfrm>
+          <a:prstGeom prst="rect">
+            <a:avLst/>
+          </a:prstGeom>
+        </p:spPr>
+      </p:pic>
+      <p:pic>
+        <p:nvPicPr>
+          <p:cNvPr id="6" name="Picture 5">
+            <a:extLst>
+              <a:ext uri="{FF2B5EF4-FFF2-40B4-BE49-F238E27FC236}">
+                <a16:creationId xmlns:a16="http://schemas.microsoft.com/office/drawing/2014/main" id="{19DAA57E-C190-4576-9A9A-4077ADD37CD3}"/>
+              </a:ext>
+            </a:extLst>
+          </p:cNvPr>
+          <p:cNvPicPr>
+            <a:picLocks noChangeAspect="1"/>
+          </p:cNvPicPr>
+          <p:nvPr/>
+        </p:nvPicPr>
+        <p:blipFill>
+          <a:blip r:embed="rId4"/>
+          <a:stretch>
+            <a:fillRect/>
+          </a:stretch>
+        </p:blipFill>
+        <p:spPr>
+          <a:xfrm>
+            <a:off x="8331188" y="3677096"/>
+            <a:ext cx="3395945" cy="2834768"/>
+          </a:xfrm>
+          <a:prstGeom prst="rect">
+            <a:avLst/>
+          </a:prstGeom>
+        </p:spPr>
+      </p:pic>
+      <p:pic>
+        <p:nvPicPr>
+          <p:cNvPr id="7" name="Picture 6">
+            <a:extLst>
+              <a:ext uri="{FF2B5EF4-FFF2-40B4-BE49-F238E27FC236}">
+                <a16:creationId xmlns:a16="http://schemas.microsoft.com/office/drawing/2014/main" id="{A443DE67-BBE7-47F0-AA60-4830261F59BD}"/>
+              </a:ext>
+            </a:extLst>
+          </p:cNvPr>
+          <p:cNvPicPr>
+            <a:picLocks noChangeAspect="1"/>
+          </p:cNvPicPr>
+          <p:nvPr/>
+        </p:nvPicPr>
+        <p:blipFill>
+          <a:blip r:embed="rId5"/>
+          <a:stretch>
+            <a:fillRect/>
+          </a:stretch>
+        </p:blipFill>
+        <p:spPr>
+          <a:xfrm>
+            <a:off x="4015947" y="842328"/>
+            <a:ext cx="3395945" cy="2834768"/>
+          </a:xfrm>
+          <a:prstGeom prst="rect">
+            <a:avLst/>
+          </a:prstGeom>
+        </p:spPr>
+      </p:pic>
       <p:pic>
         <p:nvPicPr>
           <p:cNvPr id="8" name="Picture 7">
             <a:extLst>
               <a:ext uri="{FF2B5EF4-FFF2-40B4-BE49-F238E27FC236}">
-                <a16:creationId xmlns:a16="http://schemas.microsoft.com/office/drawing/2014/main" id="{E6D7B1DF-F4EE-49B4-ADA2-ECF20879F805}"/>
-              </a:ext>
-            </a:extLst>
-          </p:cNvPr>
-          <p:cNvPicPr>
-            <a:picLocks noChangeAspect="1"/>
-          </p:cNvPicPr>
-          <p:nvPr/>
-        </p:nvPicPr>
-        <p:blipFill>
-          <a:blip r:embed="rId2"/>
-          <a:stretch>
-            <a:fillRect/>
-          </a:stretch>
-        </p:blipFill>
-        <p:spPr>
-          <a:xfrm>
-            <a:off x="147133" y="4052755"/>
-            <a:ext cx="3862874" cy="2788465"/>
-          </a:xfrm>
-          <a:prstGeom prst="rect">
-            <a:avLst/>
-          </a:prstGeom>
-        </p:spPr>
-      </p:pic>
-      <p:pic>
-        <p:nvPicPr>
-          <p:cNvPr id="9" name="Picture 8">
-            <a:extLst>
-              <a:ext uri="{FF2B5EF4-FFF2-40B4-BE49-F238E27FC236}">
-                <a16:creationId xmlns:a16="http://schemas.microsoft.com/office/drawing/2014/main" id="{4500F96D-9B24-4A7A-A927-74D1C0EBAE60}"/>
-              </a:ext>
-            </a:extLst>
-          </p:cNvPr>
-          <p:cNvPicPr>
-            <a:picLocks noChangeAspect="1"/>
-          </p:cNvPicPr>
-          <p:nvPr/>
-        </p:nvPicPr>
-        <p:blipFill>
-          <a:blip r:embed="rId3"/>
-          <a:stretch>
-            <a:fillRect/>
-          </a:stretch>
-        </p:blipFill>
-        <p:spPr>
-          <a:xfrm>
-            <a:off x="7745292" y="4088993"/>
-            <a:ext cx="3762469" cy="2715987"/>
-          </a:xfrm>
-          <a:prstGeom prst="rect">
-            <a:avLst/>
-          </a:prstGeom>
-        </p:spPr>
-      </p:pic>
-      <p:pic>
-        <p:nvPicPr>
-          <p:cNvPr id="14" name="Picture 13">
-            <a:extLst>
-              <a:ext uri="{FF2B5EF4-FFF2-40B4-BE49-F238E27FC236}">
-                <a16:creationId xmlns:a16="http://schemas.microsoft.com/office/drawing/2014/main" id="{CEAAD322-1D08-4FBB-9C37-38C4871B5395}"/>
-              </a:ext>
-            </a:extLst>
-          </p:cNvPr>
-          <p:cNvPicPr>
-            <a:picLocks noChangeAspect="1"/>
-          </p:cNvPicPr>
-          <p:nvPr/>
-        </p:nvPicPr>
-        <p:blipFill>
-          <a:blip r:embed="rId4"/>
-          <a:stretch>
-            <a:fillRect/>
-          </a:stretch>
-        </p:blipFill>
-        <p:spPr>
-          <a:xfrm>
-            <a:off x="142143" y="1048624"/>
-            <a:ext cx="3795104" cy="2739545"/>
-          </a:xfrm>
-          <a:prstGeom prst="rect">
-            <a:avLst/>
-          </a:prstGeom>
-        </p:spPr>
-      </p:pic>
-      <p:sp>
-        <p:nvSpPr>
-          <p:cNvPr id="18" name="TextBox 17">
-            <a:extLst>
-              <a:ext uri="{FF2B5EF4-FFF2-40B4-BE49-F238E27FC236}">
-                <a16:creationId xmlns:a16="http://schemas.microsoft.com/office/drawing/2014/main" id="{3CED5410-16C5-4209-A97D-B406D6A1F913}"/>
-              </a:ext>
-            </a:extLst>
-          </p:cNvPr>
-          <p:cNvSpPr txBox="1"/>
-          <p:nvPr/>
-        </p:nvSpPr>
-        <p:spPr>
-          <a:xfrm>
-            <a:off x="9755325" y="3972835"/>
-            <a:ext cx="300082" cy="369332"/>
-          </a:xfrm>
-          <a:prstGeom prst="rect">
-            <a:avLst/>
-          </a:prstGeom>
-          <a:noFill/>
-        </p:spPr>
-        <p:txBody>
-          <a:bodyPr wrap="none" rtlCol="0">
-            <a:spAutoFit/>
-          </a:bodyPr>
-          <a:lstStyle/>
-          <a:p>
-            <a:r>
-              <a:rPr lang="en-US" dirty="0"/>
-              <a:t>*</a:t>
-            </a:r>
-          </a:p>
-        </p:txBody>
-      </p:sp>
-      <p:sp>
-        <p:nvSpPr>
-          <p:cNvPr id="19" name="TextBox 18">
-            <a:extLst>
-              <a:ext uri="{FF2B5EF4-FFF2-40B4-BE49-F238E27FC236}">
-                <a16:creationId xmlns:a16="http://schemas.microsoft.com/office/drawing/2014/main" id="{93B5EBC5-0413-4B2D-9D0C-E58ABC2F7F63}"/>
-              </a:ext>
-            </a:extLst>
-          </p:cNvPr>
-          <p:cNvSpPr txBox="1"/>
-          <p:nvPr/>
-        </p:nvSpPr>
-        <p:spPr>
-          <a:xfrm>
-            <a:off x="9626527" y="3972835"/>
-            <a:ext cx="300082" cy="369332"/>
-          </a:xfrm>
-          <a:prstGeom prst="rect">
-            <a:avLst/>
-          </a:prstGeom>
-          <a:noFill/>
-        </p:spPr>
-        <p:txBody>
-          <a:bodyPr wrap="none" rtlCol="0">
-            <a:spAutoFit/>
-          </a:bodyPr>
-          <a:lstStyle/>
-          <a:p>
-            <a:r>
-              <a:rPr lang="en-US" dirty="0"/>
-              <a:t>*</a:t>
-            </a:r>
-          </a:p>
-        </p:txBody>
-      </p:sp>
-      <p:sp>
-        <p:nvSpPr>
-          <p:cNvPr id="20" name="TextBox 19">
-            <a:extLst>
-              <a:ext uri="{FF2B5EF4-FFF2-40B4-BE49-F238E27FC236}">
-                <a16:creationId xmlns:a16="http://schemas.microsoft.com/office/drawing/2014/main" id="{C6933B9F-DEC1-4BEF-8617-5B32CE72AB09}"/>
-              </a:ext>
-            </a:extLst>
-          </p:cNvPr>
-          <p:cNvSpPr txBox="1"/>
-          <p:nvPr/>
-        </p:nvSpPr>
-        <p:spPr>
-          <a:xfrm>
-            <a:off x="9476486" y="3972835"/>
-            <a:ext cx="300082" cy="369332"/>
-          </a:xfrm>
-          <a:prstGeom prst="rect">
-            <a:avLst/>
-          </a:prstGeom>
-          <a:noFill/>
-        </p:spPr>
-        <p:txBody>
-          <a:bodyPr wrap="none" rtlCol="0">
-            <a:spAutoFit/>
-          </a:bodyPr>
-          <a:lstStyle/>
-          <a:p>
-            <a:r>
-              <a:rPr lang="en-US" dirty="0"/>
-              <a:t>*</a:t>
-            </a:r>
-          </a:p>
-        </p:txBody>
-      </p:sp>
-      <p:sp>
-        <p:nvSpPr>
-          <p:cNvPr id="21" name="TextBox 20">
-            <a:extLst>
-              <a:ext uri="{FF2B5EF4-FFF2-40B4-BE49-F238E27FC236}">
-                <a16:creationId xmlns:a16="http://schemas.microsoft.com/office/drawing/2014/main" id="{596EB1B4-17B6-4B1B-80B9-5DE7A872CF19}"/>
-              </a:ext>
-            </a:extLst>
-          </p:cNvPr>
-          <p:cNvSpPr txBox="1"/>
-          <p:nvPr/>
-        </p:nvSpPr>
-        <p:spPr>
-          <a:xfrm>
-            <a:off x="2189736" y="3962561"/>
-            <a:ext cx="300082" cy="369332"/>
-          </a:xfrm>
-          <a:prstGeom prst="rect">
-            <a:avLst/>
-          </a:prstGeom>
-          <a:noFill/>
-        </p:spPr>
-        <p:txBody>
-          <a:bodyPr wrap="none" rtlCol="0">
-            <a:spAutoFit/>
-          </a:bodyPr>
-          <a:lstStyle/>
-          <a:p>
-            <a:r>
-              <a:rPr lang="en-US" dirty="0"/>
-              <a:t>*</a:t>
-            </a:r>
-          </a:p>
-        </p:txBody>
-      </p:sp>
-      <p:sp>
-        <p:nvSpPr>
-          <p:cNvPr id="22" name="TextBox 21">
-            <a:extLst>
-              <a:ext uri="{FF2B5EF4-FFF2-40B4-BE49-F238E27FC236}">
-                <a16:creationId xmlns:a16="http://schemas.microsoft.com/office/drawing/2014/main" id="{9266C797-919A-472C-A185-C882EA72AFD7}"/>
-              </a:ext>
-            </a:extLst>
-          </p:cNvPr>
-          <p:cNvSpPr txBox="1"/>
-          <p:nvPr/>
-        </p:nvSpPr>
-        <p:spPr>
-          <a:xfrm>
-            <a:off x="2039695" y="3951956"/>
-            <a:ext cx="300082" cy="369332"/>
-          </a:xfrm>
-          <a:prstGeom prst="rect">
-            <a:avLst/>
-          </a:prstGeom>
-          <a:noFill/>
-        </p:spPr>
-        <p:txBody>
-          <a:bodyPr wrap="none" rtlCol="0">
-            <a:spAutoFit/>
-          </a:bodyPr>
-          <a:lstStyle/>
-          <a:p>
-            <a:r>
-              <a:rPr lang="en-US" dirty="0"/>
-              <a:t>*</a:t>
-            </a:r>
-          </a:p>
-        </p:txBody>
-      </p:sp>
-      <p:sp>
-        <p:nvSpPr>
-          <p:cNvPr id="23" name="TextBox 22">
-            <a:extLst>
-              <a:ext uri="{FF2B5EF4-FFF2-40B4-BE49-F238E27FC236}">
-                <a16:creationId xmlns:a16="http://schemas.microsoft.com/office/drawing/2014/main" id="{CB661C96-B885-41AD-9CC4-6DFAAFD52F96}"/>
-              </a:ext>
-            </a:extLst>
-          </p:cNvPr>
-          <p:cNvSpPr txBox="1"/>
-          <p:nvPr/>
-        </p:nvSpPr>
-        <p:spPr>
-          <a:xfrm>
-            <a:off x="1910897" y="3962561"/>
-            <a:ext cx="300082" cy="369332"/>
-          </a:xfrm>
-          <a:prstGeom prst="rect">
-            <a:avLst/>
-          </a:prstGeom>
-          <a:noFill/>
-        </p:spPr>
-        <p:txBody>
-          <a:bodyPr wrap="none" rtlCol="0">
-            <a:spAutoFit/>
-          </a:bodyPr>
-          <a:lstStyle/>
-          <a:p>
-            <a:r>
-              <a:rPr lang="en-US" dirty="0"/>
-              <a:t>*</a:t>
-            </a:r>
-          </a:p>
-        </p:txBody>
-      </p:sp>
-      <p:pic>
-        <p:nvPicPr>
-          <p:cNvPr id="25" name="Picture 24">
-            <a:extLst>
-              <a:ext uri="{FF2B5EF4-FFF2-40B4-BE49-F238E27FC236}">
-                <a16:creationId xmlns:a16="http://schemas.microsoft.com/office/drawing/2014/main" id="{D73B1CCC-57FE-4F6F-9FEF-6ED97A56B15E}"/>
-              </a:ext>
-            </a:extLst>
-          </p:cNvPr>
-          <p:cNvPicPr>
-            <a:picLocks noChangeAspect="1"/>
-          </p:cNvPicPr>
-          <p:nvPr/>
-        </p:nvPicPr>
-        <p:blipFill>
-          <a:blip r:embed="rId5"/>
-          <a:stretch>
-            <a:fillRect/>
-          </a:stretch>
-        </p:blipFill>
-        <p:spPr>
-          <a:xfrm>
-            <a:off x="7497121" y="1128544"/>
-            <a:ext cx="3486023" cy="2516431"/>
+                <a16:creationId xmlns:a16="http://schemas.microsoft.com/office/drawing/2014/main" id="{67C53899-77FE-4060-AE21-CF72B0947D28}"/>
+              </a:ext>
+            </a:extLst>
+          </p:cNvPr>
+          <p:cNvPicPr>
+            <a:picLocks noChangeAspect="1"/>
+          </p:cNvPicPr>
+          <p:nvPr/>
+        </p:nvPicPr>
+        <p:blipFill>
+          <a:blip r:embed="rId6"/>
+          <a:stretch>
+            <a:fillRect/>
+          </a:stretch>
+        </p:blipFill>
+        <p:spPr>
+          <a:xfrm>
+            <a:off x="8103037" y="389213"/>
+            <a:ext cx="3641550" cy="3039787"/>
           </a:xfrm>
           <a:prstGeom prst="rect">
             <a:avLst/>
@@ -5195,7 +4729,7 @@
     </p:spTree>
     <p:extLst>
       <p:ext uri="{BB962C8B-B14F-4D97-AF65-F5344CB8AC3E}">
-        <p14:creationId xmlns:p14="http://schemas.microsoft.com/office/powerpoint/2010/main" val="1909614860"/>
+        <p14:creationId xmlns:p14="http://schemas.microsoft.com/office/powerpoint/2010/main" val="922448665"/>
       </p:ext>
     </p:extLst>
   </p:cSld>
@@ -5252,122 +4786,17 @@
           <a:p>
             <a:r>
               <a:rPr lang="en-US" sz="2400" dirty="0"/>
-              <a:t>Participants who passed all catch trials (n= 53)</a:t>
-            </a:r>
-          </a:p>
-        </p:txBody>
-      </p:sp>
-      <p:sp>
-        <p:nvSpPr>
-          <p:cNvPr id="11" name="TextBox 10">
-            <a:extLst>
-              <a:ext uri="{FF2B5EF4-FFF2-40B4-BE49-F238E27FC236}">
-                <a16:creationId xmlns:a16="http://schemas.microsoft.com/office/drawing/2014/main" id="{3F433C0E-466A-4978-B6DF-6C358A9C52C2}"/>
-              </a:ext>
-            </a:extLst>
-          </p:cNvPr>
-          <p:cNvSpPr txBox="1"/>
-          <p:nvPr/>
-        </p:nvSpPr>
-        <p:spPr>
-          <a:xfrm>
-            <a:off x="9197647" y="4052755"/>
-            <a:ext cx="300082" cy="369332"/>
-          </a:xfrm>
-          <a:prstGeom prst="rect">
-            <a:avLst/>
-          </a:prstGeom>
-          <a:noFill/>
-        </p:spPr>
-        <p:txBody>
-          <a:bodyPr wrap="none" rtlCol="0">
-            <a:spAutoFit/>
-          </a:bodyPr>
-          <a:lstStyle/>
-          <a:p>
-            <a:r>
-              <a:rPr lang="en-US" dirty="0"/>
-              <a:t>*</a:t>
-            </a:r>
-          </a:p>
-        </p:txBody>
-      </p:sp>
-      <p:sp>
-        <p:nvSpPr>
-          <p:cNvPr id="12" name="TextBox 11">
-            <a:extLst>
-              <a:ext uri="{FF2B5EF4-FFF2-40B4-BE49-F238E27FC236}">
-                <a16:creationId xmlns:a16="http://schemas.microsoft.com/office/drawing/2014/main" id="{8DEB4B60-8AC5-43E9-84BE-99B0536905C1}"/>
-              </a:ext>
-            </a:extLst>
-          </p:cNvPr>
-          <p:cNvSpPr txBox="1"/>
-          <p:nvPr/>
-        </p:nvSpPr>
-        <p:spPr>
-          <a:xfrm>
-            <a:off x="9068849" y="4052755"/>
-            <a:ext cx="300082" cy="369332"/>
-          </a:xfrm>
-          <a:prstGeom prst="rect">
-            <a:avLst/>
-          </a:prstGeom>
-          <a:noFill/>
-        </p:spPr>
-        <p:txBody>
-          <a:bodyPr wrap="none" rtlCol="0">
-            <a:spAutoFit/>
-          </a:bodyPr>
-          <a:lstStyle/>
-          <a:p>
-            <a:r>
-              <a:rPr lang="en-US" dirty="0"/>
-              <a:t>*</a:t>
-            </a:r>
-          </a:p>
-        </p:txBody>
-      </p:sp>
-      <p:sp>
-        <p:nvSpPr>
-          <p:cNvPr id="13" name="TextBox 12">
-            <a:extLst>
-              <a:ext uri="{FF2B5EF4-FFF2-40B4-BE49-F238E27FC236}">
-                <a16:creationId xmlns:a16="http://schemas.microsoft.com/office/drawing/2014/main" id="{64803342-E444-49D4-8108-AA66FDA5FABB}"/>
-              </a:ext>
-            </a:extLst>
-          </p:cNvPr>
-          <p:cNvSpPr txBox="1"/>
-          <p:nvPr/>
-        </p:nvSpPr>
-        <p:spPr>
-          <a:xfrm>
-            <a:off x="8940051" y="4052755"/>
-            <a:ext cx="300082" cy="369332"/>
-          </a:xfrm>
-          <a:prstGeom prst="rect">
-            <a:avLst/>
-          </a:prstGeom>
-          <a:noFill/>
-        </p:spPr>
-        <p:txBody>
-          <a:bodyPr wrap="none" rtlCol="0">
-            <a:spAutoFit/>
-          </a:bodyPr>
-          <a:lstStyle/>
-          <a:p>
-            <a:r>
-              <a:rPr lang="en-US" dirty="0"/>
-              <a:t>*</a:t>
-            </a:r>
-          </a:p>
-        </p:txBody>
-      </p:sp>
-      <p:pic>
-        <p:nvPicPr>
-          <p:cNvPr id="3" name="Picture 2">
-            <a:extLst>
-              <a:ext uri="{FF2B5EF4-FFF2-40B4-BE49-F238E27FC236}">
-                <a16:creationId xmlns:a16="http://schemas.microsoft.com/office/drawing/2014/main" id="{CBE7D99F-7E14-4B58-B2C8-80AF0254207C}"/>
+              <a:t>Participants who gambled more than 60% of time AND who did not fail catch (n=13)</a:t>
+            </a:r>
+          </a:p>
+        </p:txBody>
+      </p:sp>
+      <p:pic>
+        <p:nvPicPr>
+          <p:cNvPr id="4" name="Picture 3">
+            <a:extLst>
+              <a:ext uri="{FF2B5EF4-FFF2-40B4-BE49-F238E27FC236}">
+                <a16:creationId xmlns:a16="http://schemas.microsoft.com/office/drawing/2014/main" id="{8E9BD57C-CB4A-40F6-9F82-8DA6B8F9884B}"/>
               </a:ext>
             </a:extLst>
           </p:cNvPr>
@@ -5384,20 +4813,20 @@
         </p:blipFill>
         <p:spPr>
           <a:xfrm>
-            <a:off x="553712" y="1153464"/>
-            <a:ext cx="3680953" cy="2657143"/>
-          </a:xfrm>
-          <a:prstGeom prst="rect">
-            <a:avLst/>
-          </a:prstGeom>
-        </p:spPr>
-      </p:pic>
-      <p:pic>
-        <p:nvPicPr>
-          <p:cNvPr id="5" name="Picture 4">
-            <a:extLst>
-              <a:ext uri="{FF2B5EF4-FFF2-40B4-BE49-F238E27FC236}">
-                <a16:creationId xmlns:a16="http://schemas.microsoft.com/office/drawing/2014/main" id="{A2EF90EA-A3F4-4832-A4B6-1F3DE05C3B81}"/>
+            <a:off x="583357" y="976235"/>
+            <a:ext cx="2938319" cy="2452765"/>
+          </a:xfrm>
+          <a:prstGeom prst="rect">
+            <a:avLst/>
+          </a:prstGeom>
+        </p:spPr>
+      </p:pic>
+      <p:pic>
+        <p:nvPicPr>
+          <p:cNvPr id="9" name="Picture 8">
+            <a:extLst>
+              <a:ext uri="{FF2B5EF4-FFF2-40B4-BE49-F238E27FC236}">
+                <a16:creationId xmlns:a16="http://schemas.microsoft.com/office/drawing/2014/main" id="{BA27345C-0B43-4854-B632-E8B5D5C4C609}"/>
               </a:ext>
             </a:extLst>
           </p:cNvPr>
@@ -5414,20 +4843,20 @@
         </p:blipFill>
         <p:spPr>
           <a:xfrm>
-            <a:off x="742705" y="4052755"/>
-            <a:ext cx="3491960" cy="2520717"/>
-          </a:xfrm>
-          <a:prstGeom prst="rect">
-            <a:avLst/>
-          </a:prstGeom>
-        </p:spPr>
-      </p:pic>
-      <p:pic>
-        <p:nvPicPr>
-          <p:cNvPr id="6" name="Picture 5">
-            <a:extLst>
-              <a:ext uri="{FF2B5EF4-FFF2-40B4-BE49-F238E27FC236}">
-                <a16:creationId xmlns:a16="http://schemas.microsoft.com/office/drawing/2014/main" id="{9B7FA7AA-7547-465F-A8B8-0B9B819BEDB8}"/>
+            <a:off x="249298" y="3543535"/>
+            <a:ext cx="3754291" cy="3133898"/>
+          </a:xfrm>
+          <a:prstGeom prst="rect">
+            <a:avLst/>
+          </a:prstGeom>
+        </p:spPr>
+      </p:pic>
+      <p:pic>
+        <p:nvPicPr>
+          <p:cNvPr id="10" name="Picture 9">
+            <a:extLst>
+              <a:ext uri="{FF2B5EF4-FFF2-40B4-BE49-F238E27FC236}">
+                <a16:creationId xmlns:a16="http://schemas.microsoft.com/office/drawing/2014/main" id="{2DEB4B43-0099-4996-835E-965A81D5FB2B}"/>
               </a:ext>
             </a:extLst>
           </p:cNvPr>
@@ -5444,20 +4873,20 @@
         </p:blipFill>
         <p:spPr>
           <a:xfrm>
-            <a:off x="7644933" y="4256598"/>
-            <a:ext cx="3209576" cy="2316874"/>
-          </a:xfrm>
-          <a:prstGeom prst="rect">
-            <a:avLst/>
-          </a:prstGeom>
-        </p:spPr>
-      </p:pic>
-      <p:pic>
-        <p:nvPicPr>
-          <p:cNvPr id="7" name="Picture 6">
-            <a:extLst>
-              <a:ext uri="{FF2B5EF4-FFF2-40B4-BE49-F238E27FC236}">
-                <a16:creationId xmlns:a16="http://schemas.microsoft.com/office/drawing/2014/main" id="{42897AAB-0A83-46C2-B1A7-25792E6B5054}"/>
+            <a:off x="6847806" y="3708572"/>
+            <a:ext cx="3556583" cy="2968861"/>
+          </a:xfrm>
+          <a:prstGeom prst="rect">
+            <a:avLst/>
+          </a:prstGeom>
+        </p:spPr>
+      </p:pic>
+      <p:pic>
+        <p:nvPicPr>
+          <p:cNvPr id="11" name="Picture 10">
+            <a:extLst>
+              <a:ext uri="{FF2B5EF4-FFF2-40B4-BE49-F238E27FC236}">
+                <a16:creationId xmlns:a16="http://schemas.microsoft.com/office/drawing/2014/main" id="{AFC6FAC9-E872-477C-8753-EC0A7D42896A}"/>
               </a:ext>
             </a:extLst>
           </p:cNvPr>
@@ -5474,8 +4903,8 @@
         </p:blipFill>
         <p:spPr>
           <a:xfrm>
-            <a:off x="6876730" y="234563"/>
-            <a:ext cx="4670228" cy="3371263"/>
+            <a:off x="7033157" y="816807"/>
+            <a:ext cx="3556583" cy="2968861"/>
           </a:xfrm>
           <a:prstGeom prst="rect">
             <a:avLst/>
@@ -5485,7 +4914,7 @@
     </p:spTree>
     <p:extLst>
       <p:ext uri="{BB962C8B-B14F-4D97-AF65-F5344CB8AC3E}">
-        <p14:creationId xmlns:p14="http://schemas.microsoft.com/office/powerpoint/2010/main" val="3652366627"/>
+        <p14:creationId xmlns:p14="http://schemas.microsoft.com/office/powerpoint/2010/main" val="1300004470"/>
       </p:ext>
     </p:extLst>
   </p:cSld>
@@ -5542,142 +4971,107 @@
           <a:p>
             <a:r>
               <a:rPr lang="en-US" sz="2400" dirty="0"/>
-              <a:t>Participants who passed all the catch trials (n=64) </a:t>
-            </a:r>
-          </a:p>
-        </p:txBody>
-      </p:sp>
-      <p:sp>
-        <p:nvSpPr>
-          <p:cNvPr id="4" name="TextBox 3">
-            <a:extLst>
-              <a:ext uri="{FF2B5EF4-FFF2-40B4-BE49-F238E27FC236}">
-                <a16:creationId xmlns:a16="http://schemas.microsoft.com/office/drawing/2014/main" id="{CA24A39E-E73F-46FF-A441-3EBE8FB737B9}"/>
-              </a:ext>
-            </a:extLst>
-          </p:cNvPr>
-          <p:cNvSpPr txBox="1"/>
-          <p:nvPr/>
-        </p:nvSpPr>
-        <p:spPr>
-          <a:xfrm>
-            <a:off x="5235327" y="3184669"/>
-            <a:ext cx="2509470" cy="276999"/>
-          </a:xfrm>
-          <a:prstGeom prst="rect">
-            <a:avLst/>
-          </a:prstGeom>
-          <a:noFill/>
-        </p:spPr>
-        <p:txBody>
-          <a:bodyPr wrap="none" rtlCol="0">
-            <a:spAutoFit/>
-          </a:bodyPr>
-          <a:lstStyle/>
-          <a:p>
-            <a:r>
-              <a:rPr lang="en-US" sz="1200" dirty="0"/>
-              <a:t>Blue = subgroup; red= all participants</a:t>
-            </a:r>
-          </a:p>
-        </p:txBody>
-      </p:sp>
+              <a:t>Participants who passed all catch trials (n= 53)</a:t>
+            </a:r>
+          </a:p>
+        </p:txBody>
+      </p:sp>
+      <p:pic>
+        <p:nvPicPr>
+          <p:cNvPr id="3" name="Picture 2">
+            <a:extLst>
+              <a:ext uri="{FF2B5EF4-FFF2-40B4-BE49-F238E27FC236}">
+                <a16:creationId xmlns:a16="http://schemas.microsoft.com/office/drawing/2014/main" id="{CBE7D99F-7E14-4B58-B2C8-80AF0254207C}"/>
+              </a:ext>
+            </a:extLst>
+          </p:cNvPr>
+          <p:cNvPicPr>
+            <a:picLocks noChangeAspect="1"/>
+          </p:cNvPicPr>
+          <p:nvPr/>
+        </p:nvPicPr>
+        <p:blipFill>
+          <a:blip r:embed="rId2"/>
+          <a:stretch>
+            <a:fillRect/>
+          </a:stretch>
+        </p:blipFill>
+        <p:spPr>
+          <a:xfrm>
+            <a:off x="553712" y="1153464"/>
+            <a:ext cx="3680953" cy="2657143"/>
+          </a:xfrm>
+          <a:prstGeom prst="rect">
+            <a:avLst/>
+          </a:prstGeom>
+        </p:spPr>
+      </p:pic>
+      <p:pic>
+        <p:nvPicPr>
+          <p:cNvPr id="5" name="Picture 4">
+            <a:extLst>
+              <a:ext uri="{FF2B5EF4-FFF2-40B4-BE49-F238E27FC236}">
+                <a16:creationId xmlns:a16="http://schemas.microsoft.com/office/drawing/2014/main" id="{A2EF90EA-A3F4-4832-A4B6-1F3DE05C3B81}"/>
+              </a:ext>
+            </a:extLst>
+          </p:cNvPr>
+          <p:cNvPicPr>
+            <a:picLocks noChangeAspect="1"/>
+          </p:cNvPicPr>
+          <p:nvPr/>
+        </p:nvPicPr>
+        <p:blipFill>
+          <a:blip r:embed="rId3"/>
+          <a:stretch>
+            <a:fillRect/>
+          </a:stretch>
+        </p:blipFill>
+        <p:spPr>
+          <a:xfrm>
+            <a:off x="742705" y="4052755"/>
+            <a:ext cx="3491960" cy="2520717"/>
+          </a:xfrm>
+          <a:prstGeom prst="rect">
+            <a:avLst/>
+          </a:prstGeom>
+        </p:spPr>
+      </p:pic>
+      <p:pic>
+        <p:nvPicPr>
+          <p:cNvPr id="6" name="Picture 5">
+            <a:extLst>
+              <a:ext uri="{FF2B5EF4-FFF2-40B4-BE49-F238E27FC236}">
+                <a16:creationId xmlns:a16="http://schemas.microsoft.com/office/drawing/2014/main" id="{9B7FA7AA-7547-465F-A8B8-0B9B819BEDB8}"/>
+              </a:ext>
+            </a:extLst>
+          </p:cNvPr>
+          <p:cNvPicPr>
+            <a:picLocks noChangeAspect="1"/>
+          </p:cNvPicPr>
+          <p:nvPr/>
+        </p:nvPicPr>
+        <p:blipFill>
+          <a:blip r:embed="rId4"/>
+          <a:stretch>
+            <a:fillRect/>
+          </a:stretch>
+        </p:blipFill>
+        <p:spPr>
+          <a:xfrm>
+            <a:off x="7644933" y="4256598"/>
+            <a:ext cx="3209576" cy="2316874"/>
+          </a:xfrm>
+          <a:prstGeom prst="rect">
+            <a:avLst/>
+          </a:prstGeom>
+        </p:spPr>
+      </p:pic>
       <p:pic>
         <p:nvPicPr>
           <p:cNvPr id="7" name="Picture 6">
             <a:extLst>
               <a:ext uri="{FF2B5EF4-FFF2-40B4-BE49-F238E27FC236}">
-                <a16:creationId xmlns:a16="http://schemas.microsoft.com/office/drawing/2014/main" id="{039E56B9-4C40-4578-8AAB-D43A423E93AC}"/>
-              </a:ext>
-            </a:extLst>
-          </p:cNvPr>
-          <p:cNvPicPr>
-            <a:picLocks noChangeAspect="1"/>
-          </p:cNvPicPr>
-          <p:nvPr/>
-        </p:nvPicPr>
-        <p:blipFill>
-          <a:blip r:embed="rId2"/>
-          <a:stretch>
-            <a:fillRect/>
-          </a:stretch>
-        </p:blipFill>
-        <p:spPr>
-          <a:xfrm>
-            <a:off x="4561475" y="1206872"/>
-            <a:ext cx="3320279" cy="1977797"/>
-          </a:xfrm>
-          <a:prstGeom prst="rect">
-            <a:avLst/>
-          </a:prstGeom>
-        </p:spPr>
-      </p:pic>
-      <p:pic>
-        <p:nvPicPr>
-          <p:cNvPr id="9" name="Picture 8">
-            <a:extLst>
-              <a:ext uri="{FF2B5EF4-FFF2-40B4-BE49-F238E27FC236}">
-                <a16:creationId xmlns:a16="http://schemas.microsoft.com/office/drawing/2014/main" id="{A3D6F1EF-2B3D-460C-B14F-C393C6654C74}"/>
-              </a:ext>
-            </a:extLst>
-          </p:cNvPr>
-          <p:cNvPicPr>
-            <a:picLocks noChangeAspect="1"/>
-          </p:cNvPicPr>
-          <p:nvPr/>
-        </p:nvPicPr>
-        <p:blipFill>
-          <a:blip r:embed="rId3"/>
-          <a:stretch>
-            <a:fillRect/>
-          </a:stretch>
-        </p:blipFill>
-        <p:spPr>
-          <a:xfrm>
-            <a:off x="8220142" y="1124123"/>
-            <a:ext cx="3320279" cy="1977797"/>
-          </a:xfrm>
-          <a:prstGeom prst="rect">
-            <a:avLst/>
-          </a:prstGeom>
-        </p:spPr>
-      </p:pic>
-      <p:pic>
-        <p:nvPicPr>
-          <p:cNvPr id="10" name="Picture 9">
-            <a:extLst>
-              <a:ext uri="{FF2B5EF4-FFF2-40B4-BE49-F238E27FC236}">
-                <a16:creationId xmlns:a16="http://schemas.microsoft.com/office/drawing/2014/main" id="{A826545F-891C-47FC-8D67-E4E664A771EA}"/>
-              </a:ext>
-            </a:extLst>
-          </p:cNvPr>
-          <p:cNvPicPr>
-            <a:picLocks noChangeAspect="1"/>
-          </p:cNvPicPr>
-          <p:nvPr/>
-        </p:nvPicPr>
-        <p:blipFill>
-          <a:blip r:embed="rId4"/>
-          <a:stretch>
-            <a:fillRect/>
-          </a:stretch>
-        </p:blipFill>
-        <p:spPr>
-          <a:xfrm>
-            <a:off x="4191129" y="4377385"/>
-            <a:ext cx="3772689" cy="2247285"/>
-          </a:xfrm>
-          <a:prstGeom prst="rect">
-            <a:avLst/>
-          </a:prstGeom>
-        </p:spPr>
-      </p:pic>
-      <p:pic>
-        <p:nvPicPr>
-          <p:cNvPr id="12" name="Picture 11">
-            <a:extLst>
-              <a:ext uri="{FF2B5EF4-FFF2-40B4-BE49-F238E27FC236}">
-                <a16:creationId xmlns:a16="http://schemas.microsoft.com/office/drawing/2014/main" id="{27F36712-421E-4BCD-95B1-0CBDADA499CD}"/>
+                <a16:creationId xmlns:a16="http://schemas.microsoft.com/office/drawing/2014/main" id="{42897AAB-0A83-46C2-B1A7-25792E6B5054}"/>
               </a:ext>
             </a:extLst>
           </p:cNvPr>
@@ -5694,68 +5088,8 @@
         </p:blipFill>
         <p:spPr>
           <a:xfrm>
-            <a:off x="121083" y="4357396"/>
-            <a:ext cx="3839801" cy="2287262"/>
-          </a:xfrm>
-          <a:prstGeom prst="rect">
-            <a:avLst/>
-          </a:prstGeom>
-        </p:spPr>
-      </p:pic>
-      <p:pic>
-        <p:nvPicPr>
-          <p:cNvPr id="17" name="Picture 16">
-            <a:extLst>
-              <a:ext uri="{FF2B5EF4-FFF2-40B4-BE49-F238E27FC236}">
-                <a16:creationId xmlns:a16="http://schemas.microsoft.com/office/drawing/2014/main" id="{108EAB57-2B97-4764-B1C9-89F2160265B1}"/>
-              </a:ext>
-            </a:extLst>
-          </p:cNvPr>
-          <p:cNvPicPr>
-            <a:picLocks noChangeAspect="1"/>
-          </p:cNvPicPr>
-          <p:nvPr/>
-        </p:nvPicPr>
-        <p:blipFill>
-          <a:blip r:embed="rId6"/>
-          <a:stretch>
-            <a:fillRect/>
-          </a:stretch>
-        </p:blipFill>
-        <p:spPr>
-          <a:xfrm>
-            <a:off x="550132" y="1430750"/>
-            <a:ext cx="3354615" cy="1998250"/>
-          </a:xfrm>
-          <a:prstGeom prst="rect">
-            <a:avLst/>
-          </a:prstGeom>
-        </p:spPr>
-      </p:pic>
-      <p:pic>
-        <p:nvPicPr>
-          <p:cNvPr id="3" name="Picture 2">
-            <a:extLst>
-              <a:ext uri="{FF2B5EF4-FFF2-40B4-BE49-F238E27FC236}">
-                <a16:creationId xmlns:a16="http://schemas.microsoft.com/office/drawing/2014/main" id="{52F8431E-8C2C-4520-8AC4-49BEEBD39E73}"/>
-              </a:ext>
-            </a:extLst>
-          </p:cNvPr>
-          <p:cNvPicPr>
-            <a:picLocks noChangeAspect="1"/>
-          </p:cNvPicPr>
-          <p:nvPr/>
-        </p:nvPicPr>
-        <p:blipFill>
-          <a:blip r:embed="rId7"/>
-          <a:stretch>
-            <a:fillRect/>
-          </a:stretch>
-        </p:blipFill>
-        <p:spPr>
-          <a:xfrm>
-            <a:off x="7963818" y="3897163"/>
-            <a:ext cx="3829849" cy="2780270"/>
+            <a:off x="6876730" y="234563"/>
+            <a:ext cx="4670228" cy="3371263"/>
           </a:xfrm>
           <a:prstGeom prst="rect">
             <a:avLst/>
@@ -5765,7 +5099,7 @@
     </p:spTree>
     <p:extLst>
       <p:ext uri="{BB962C8B-B14F-4D97-AF65-F5344CB8AC3E}">
-        <p14:creationId xmlns:p14="http://schemas.microsoft.com/office/powerpoint/2010/main" val="4225660410"/>
+        <p14:creationId xmlns:p14="http://schemas.microsoft.com/office/powerpoint/2010/main" val="3652366627"/>
       </p:ext>
     </p:extLst>
   </p:cSld>
@@ -5822,52 +5156,17 @@
           <a:p>
             <a:r>
               <a:rPr lang="en-US" sz="2400" dirty="0"/>
-              <a:t>Participants who tended to choose to gamble on high value vs. low value (n=45)</a:t>
-            </a:r>
-          </a:p>
-        </p:txBody>
-      </p:sp>
-      <p:sp>
-        <p:nvSpPr>
-          <p:cNvPr id="4" name="TextBox 3">
-            <a:extLst>
-              <a:ext uri="{FF2B5EF4-FFF2-40B4-BE49-F238E27FC236}">
-                <a16:creationId xmlns:a16="http://schemas.microsoft.com/office/drawing/2014/main" id="{CA24A39E-E73F-46FF-A441-3EBE8FB737B9}"/>
-              </a:ext>
-            </a:extLst>
-          </p:cNvPr>
-          <p:cNvSpPr txBox="1"/>
-          <p:nvPr/>
-        </p:nvSpPr>
-        <p:spPr>
-          <a:xfrm>
-            <a:off x="4822739" y="3095062"/>
-            <a:ext cx="2509470" cy="276999"/>
-          </a:xfrm>
-          <a:prstGeom prst="rect">
-            <a:avLst/>
-          </a:prstGeom>
-          <a:noFill/>
-        </p:spPr>
-        <p:txBody>
-          <a:bodyPr wrap="none" rtlCol="0">
-            <a:spAutoFit/>
-          </a:bodyPr>
-          <a:lstStyle/>
-          <a:p>
-            <a:r>
-              <a:rPr lang="en-US" sz="1200" dirty="0"/>
-              <a:t>Blue = subgroup; red= all participants</a:t>
-            </a:r>
-          </a:p>
-        </p:txBody>
-      </p:sp>
-      <p:pic>
-        <p:nvPicPr>
-          <p:cNvPr id="8" name="Picture 7">
-            <a:extLst>
-              <a:ext uri="{FF2B5EF4-FFF2-40B4-BE49-F238E27FC236}">
-                <a16:creationId xmlns:a16="http://schemas.microsoft.com/office/drawing/2014/main" id="{DFD86F51-14FB-44E4-834D-1EE223CA7AD6}"/>
+              <a:t>Participants who failed any number of catch trials (n= 82)</a:t>
+            </a:r>
+          </a:p>
+        </p:txBody>
+      </p:sp>
+      <p:pic>
+        <p:nvPicPr>
+          <p:cNvPr id="5" name="Picture 4">
+            <a:extLst>
+              <a:ext uri="{FF2B5EF4-FFF2-40B4-BE49-F238E27FC236}">
+                <a16:creationId xmlns:a16="http://schemas.microsoft.com/office/drawing/2014/main" id="{7EE9C49E-84A7-49A8-B608-EF85DD07BFDC}"/>
               </a:ext>
             </a:extLst>
           </p:cNvPr>
@@ -5884,20 +5183,20 @@
         </p:blipFill>
         <p:spPr>
           <a:xfrm>
-            <a:off x="4359718" y="1081653"/>
-            <a:ext cx="3435512" cy="2046438"/>
-          </a:xfrm>
-          <a:prstGeom prst="rect">
-            <a:avLst/>
-          </a:prstGeom>
-        </p:spPr>
-      </p:pic>
-      <p:pic>
-        <p:nvPicPr>
-          <p:cNvPr id="11" name="Picture 10">
-            <a:extLst>
-              <a:ext uri="{FF2B5EF4-FFF2-40B4-BE49-F238E27FC236}">
-                <a16:creationId xmlns:a16="http://schemas.microsoft.com/office/drawing/2014/main" id="{7148C914-0765-4C31-8F6F-E9DA529B32A9}"/>
+            <a:off x="261655" y="3586571"/>
+            <a:ext cx="3919048" cy="3271429"/>
+          </a:xfrm>
+          <a:prstGeom prst="rect">
+            <a:avLst/>
+          </a:prstGeom>
+        </p:spPr>
+      </p:pic>
+      <p:pic>
+        <p:nvPicPr>
+          <p:cNvPr id="6" name="Picture 5">
+            <a:extLst>
+              <a:ext uri="{FF2B5EF4-FFF2-40B4-BE49-F238E27FC236}">
+                <a16:creationId xmlns:a16="http://schemas.microsoft.com/office/drawing/2014/main" id="{AA0AF113-B0B2-49A7-8767-8531403A3B75}"/>
               </a:ext>
             </a:extLst>
           </p:cNvPr>
@@ -5914,20 +5213,20 @@
         </p:blipFill>
         <p:spPr>
           <a:xfrm>
-            <a:off x="8028265" y="1081653"/>
-            <a:ext cx="3495852" cy="2082381"/>
-          </a:xfrm>
-          <a:prstGeom prst="rect">
-            <a:avLst/>
-          </a:prstGeom>
-        </p:spPr>
-      </p:pic>
-      <p:pic>
-        <p:nvPicPr>
-          <p:cNvPr id="13" name="Picture 12">
-            <a:extLst>
-              <a:ext uri="{FF2B5EF4-FFF2-40B4-BE49-F238E27FC236}">
-                <a16:creationId xmlns:a16="http://schemas.microsoft.com/office/drawing/2014/main" id="{08DBF2B8-5A05-48CC-8873-EBDAD095BDBA}"/>
+            <a:off x="733271" y="944935"/>
+            <a:ext cx="3270318" cy="2484065"/>
+          </a:xfrm>
+          <a:prstGeom prst="rect">
+            <a:avLst/>
+          </a:prstGeom>
+        </p:spPr>
+      </p:pic>
+      <p:pic>
+        <p:nvPicPr>
+          <p:cNvPr id="7" name="Picture 6">
+            <a:extLst>
+              <a:ext uri="{FF2B5EF4-FFF2-40B4-BE49-F238E27FC236}">
+                <a16:creationId xmlns:a16="http://schemas.microsoft.com/office/drawing/2014/main" id="{C3149500-180B-47C8-A74F-FBF9D977BCBB}"/>
               </a:ext>
             </a:extLst>
           </p:cNvPr>
@@ -5944,20 +5243,20 @@
         </p:blipFill>
         <p:spPr>
           <a:xfrm>
-            <a:off x="4498857" y="4446281"/>
-            <a:ext cx="3529408" cy="2102369"/>
-          </a:xfrm>
-          <a:prstGeom prst="rect">
-            <a:avLst/>
-          </a:prstGeom>
-        </p:spPr>
-      </p:pic>
-      <p:pic>
-        <p:nvPicPr>
-          <p:cNvPr id="14" name="Picture 13">
-            <a:extLst>
-              <a:ext uri="{FF2B5EF4-FFF2-40B4-BE49-F238E27FC236}">
-                <a16:creationId xmlns:a16="http://schemas.microsoft.com/office/drawing/2014/main" id="{2F1177D5-EFF5-4D6F-A3BA-BA369E261481}"/>
+            <a:off x="7478000" y="3837565"/>
+            <a:ext cx="3618367" cy="3020435"/>
+          </a:xfrm>
+          <a:prstGeom prst="rect">
+            <a:avLst/>
+          </a:prstGeom>
+        </p:spPr>
+      </p:pic>
+      <p:pic>
+        <p:nvPicPr>
+          <p:cNvPr id="10" name="Picture 9">
+            <a:extLst>
+              <a:ext uri="{FF2B5EF4-FFF2-40B4-BE49-F238E27FC236}">
+                <a16:creationId xmlns:a16="http://schemas.microsoft.com/office/drawing/2014/main" id="{9E4E04AF-F735-4770-BA7B-C452B15717EC}"/>
               </a:ext>
             </a:extLst>
           </p:cNvPr>
@@ -5974,68 +5273,8 @@
         </p:blipFill>
         <p:spPr>
           <a:xfrm>
-            <a:off x="702013" y="4446281"/>
-            <a:ext cx="3435513" cy="2046439"/>
-          </a:xfrm>
-          <a:prstGeom prst="rect">
-            <a:avLst/>
-          </a:prstGeom>
-        </p:spPr>
-      </p:pic>
-      <p:pic>
-        <p:nvPicPr>
-          <p:cNvPr id="15" name="Picture 14">
-            <a:extLst>
-              <a:ext uri="{FF2B5EF4-FFF2-40B4-BE49-F238E27FC236}">
-                <a16:creationId xmlns:a16="http://schemas.microsoft.com/office/drawing/2014/main" id="{309A6349-64A5-4646-B323-E8F8BD9DF799}"/>
-              </a:ext>
-            </a:extLst>
-          </p:cNvPr>
-          <p:cNvPicPr>
-            <a:picLocks noChangeAspect="1"/>
-          </p:cNvPicPr>
-          <p:nvPr/>
-        </p:nvPicPr>
-        <p:blipFill>
-          <a:blip r:embed="rId6"/>
-          <a:stretch>
-            <a:fillRect/>
-          </a:stretch>
-        </p:blipFill>
-        <p:spPr>
-          <a:xfrm>
-            <a:off x="576178" y="1117596"/>
-            <a:ext cx="3435512" cy="2046438"/>
-          </a:xfrm>
-          <a:prstGeom prst="rect">
-            <a:avLst/>
-          </a:prstGeom>
-        </p:spPr>
-      </p:pic>
-      <p:pic>
-        <p:nvPicPr>
-          <p:cNvPr id="6" name="Picture 5">
-            <a:extLst>
-              <a:ext uri="{FF2B5EF4-FFF2-40B4-BE49-F238E27FC236}">
-                <a16:creationId xmlns:a16="http://schemas.microsoft.com/office/drawing/2014/main" id="{CF1E913C-D8B2-4C49-BF39-4287F649BC52}"/>
-              </a:ext>
-            </a:extLst>
-          </p:cNvPr>
-          <p:cNvPicPr>
-            <a:picLocks noChangeAspect="1"/>
-          </p:cNvPicPr>
-          <p:nvPr/>
-        </p:nvPicPr>
-        <p:blipFill>
-          <a:blip r:embed="rId7"/>
-          <a:stretch>
-            <a:fillRect/>
-          </a:stretch>
-        </p:blipFill>
-        <p:spPr>
-          <a:xfrm>
-            <a:off x="8028265" y="3429000"/>
-            <a:ext cx="3811549" cy="2766984"/>
+            <a:off x="7659149" y="315142"/>
+            <a:ext cx="4163697" cy="3475651"/>
           </a:xfrm>
           <a:prstGeom prst="rect">
             <a:avLst/>
@@ -6045,7 +5284,7 @@
     </p:spTree>
     <p:extLst>
       <p:ext uri="{BB962C8B-B14F-4D97-AF65-F5344CB8AC3E}">
-        <p14:creationId xmlns:p14="http://schemas.microsoft.com/office/powerpoint/2010/main" val="1444468620"/>
+        <p14:creationId xmlns:p14="http://schemas.microsoft.com/office/powerpoint/2010/main" val="1909614860"/>
       </p:ext>
     </p:extLst>
   </p:cSld>
@@ -6077,7 +5316,7 @@
           <p:cNvPr id="2" name="Title 1">
             <a:extLst>
               <a:ext uri="{FF2B5EF4-FFF2-40B4-BE49-F238E27FC236}">
-                <a16:creationId xmlns:a16="http://schemas.microsoft.com/office/drawing/2014/main" id="{AD584A5A-8240-4177-827B-788B43A7CF95}"/>
+                <a16:creationId xmlns:a16="http://schemas.microsoft.com/office/drawing/2014/main" id="{10A8732D-C9DE-4D31-A9AD-8CDD01CE37F7}"/>
               </a:ext>
             </a:extLst>
           </p:cNvPr>
@@ -6088,279 +5327,22 @@
             <p:ph type="title"/>
           </p:nvPr>
         </p:nvSpPr>
-        <p:spPr>
-          <a:xfrm>
-            <a:off x="410362" y="180567"/>
-            <a:ext cx="11334225" cy="868057"/>
-          </a:xfrm>
-        </p:spPr>
-        <p:txBody>
-          <a:bodyPr>
-            <a:normAutofit/>
-          </a:bodyPr>
+        <p:spPr/>
+        <p:txBody>
+          <a:bodyPr/>
           <a:lstStyle/>
           <a:p>
             <a:r>
-              <a:rPr lang="en-US" sz="2400" dirty="0"/>
-              <a:t>Participants who showed downwards increasing gambling slope (n= 14)</a:t>
-            </a:r>
-          </a:p>
-        </p:txBody>
-      </p:sp>
-      <p:sp>
-        <p:nvSpPr>
-          <p:cNvPr id="4" name="TextBox 3">
-            <a:extLst>
-              <a:ext uri="{FF2B5EF4-FFF2-40B4-BE49-F238E27FC236}">
-                <a16:creationId xmlns:a16="http://schemas.microsoft.com/office/drawing/2014/main" id="{CA24A39E-E73F-46FF-A441-3EBE8FB737B9}"/>
-              </a:ext>
-            </a:extLst>
-          </p:cNvPr>
-          <p:cNvSpPr txBox="1"/>
-          <p:nvPr/>
-        </p:nvSpPr>
-        <p:spPr>
-          <a:xfrm>
-            <a:off x="5235327" y="3184669"/>
-            <a:ext cx="2509470" cy="276999"/>
-          </a:xfrm>
-          <a:prstGeom prst="rect">
-            <a:avLst/>
-          </a:prstGeom>
-          <a:noFill/>
-        </p:spPr>
-        <p:txBody>
-          <a:bodyPr wrap="none" rtlCol="0">
-            <a:spAutoFit/>
-          </a:bodyPr>
-          <a:lstStyle/>
-          <a:p>
-            <a:r>
-              <a:rPr lang="en-US" sz="1200" dirty="0"/>
-              <a:t>Blue = subgroup; red= all participants</a:t>
-            </a:r>
-          </a:p>
-        </p:txBody>
-      </p:sp>
-      <p:pic>
-        <p:nvPicPr>
-          <p:cNvPr id="8" name="Picture 7">
-            <a:extLst>
-              <a:ext uri="{FF2B5EF4-FFF2-40B4-BE49-F238E27FC236}">
-                <a16:creationId xmlns:a16="http://schemas.microsoft.com/office/drawing/2014/main" id="{258BD2CD-61A9-461D-8174-E7869F21686B}"/>
-              </a:ext>
-            </a:extLst>
-          </p:cNvPr>
-          <p:cNvPicPr>
-            <a:picLocks noChangeAspect="1"/>
-          </p:cNvPicPr>
-          <p:nvPr/>
-        </p:nvPicPr>
-        <p:blipFill>
-          <a:blip r:embed="rId2"/>
-          <a:stretch>
-            <a:fillRect/>
-          </a:stretch>
-        </p:blipFill>
-        <p:spPr>
-          <a:xfrm>
-            <a:off x="4507246" y="1048624"/>
-            <a:ext cx="3320280" cy="1977798"/>
-          </a:xfrm>
-          <a:prstGeom prst="rect">
-            <a:avLst/>
-          </a:prstGeom>
-        </p:spPr>
-      </p:pic>
-      <p:pic>
-        <p:nvPicPr>
-          <p:cNvPr id="11" name="Picture 10">
-            <a:extLst>
-              <a:ext uri="{FF2B5EF4-FFF2-40B4-BE49-F238E27FC236}">
-                <a16:creationId xmlns:a16="http://schemas.microsoft.com/office/drawing/2014/main" id="{928A1B37-E4D8-48C1-967C-8CD88005F924}"/>
-              </a:ext>
-            </a:extLst>
-          </p:cNvPr>
-          <p:cNvPicPr>
-            <a:picLocks noChangeAspect="1"/>
-          </p:cNvPicPr>
-          <p:nvPr/>
-        </p:nvPicPr>
-        <p:blipFill>
-          <a:blip r:embed="rId3"/>
-          <a:stretch>
-            <a:fillRect/>
-          </a:stretch>
-        </p:blipFill>
-        <p:spPr>
-          <a:xfrm>
-            <a:off x="8299070" y="1387503"/>
-            <a:ext cx="3235793" cy="1927471"/>
-          </a:xfrm>
-          <a:prstGeom prst="rect">
-            <a:avLst/>
-          </a:prstGeom>
-        </p:spPr>
-      </p:pic>
-      <p:pic>
-        <p:nvPicPr>
-          <p:cNvPr id="13" name="Picture 12">
-            <a:extLst>
-              <a:ext uri="{FF2B5EF4-FFF2-40B4-BE49-F238E27FC236}">
-                <a16:creationId xmlns:a16="http://schemas.microsoft.com/office/drawing/2014/main" id="{297961E3-8687-43FC-90EF-F253640B5253}"/>
-              </a:ext>
-            </a:extLst>
-          </p:cNvPr>
-          <p:cNvPicPr>
-            <a:picLocks noChangeAspect="1"/>
-          </p:cNvPicPr>
-          <p:nvPr/>
-        </p:nvPicPr>
-        <p:blipFill>
-          <a:blip r:embed="rId4"/>
-          <a:stretch>
-            <a:fillRect/>
-          </a:stretch>
-        </p:blipFill>
-        <p:spPr>
-          <a:xfrm>
-            <a:off x="447413" y="1132271"/>
-            <a:ext cx="3445518" cy="2052398"/>
-          </a:xfrm>
-          <a:prstGeom prst="rect">
-            <a:avLst/>
-          </a:prstGeom>
-        </p:spPr>
-      </p:pic>
-      <p:pic>
-        <p:nvPicPr>
-          <p:cNvPr id="14" name="Picture 13">
-            <a:extLst>
-              <a:ext uri="{FF2B5EF4-FFF2-40B4-BE49-F238E27FC236}">
-                <a16:creationId xmlns:a16="http://schemas.microsoft.com/office/drawing/2014/main" id="{6C2F5F5F-01BA-4A6D-8113-B6DBCBEEC7EA}"/>
-              </a:ext>
-            </a:extLst>
-          </p:cNvPr>
-          <p:cNvPicPr>
-            <a:picLocks noChangeAspect="1"/>
-          </p:cNvPicPr>
-          <p:nvPr/>
-        </p:nvPicPr>
-        <p:blipFill>
-          <a:blip r:embed="rId5"/>
-          <a:stretch>
-            <a:fillRect/>
-          </a:stretch>
-        </p:blipFill>
-        <p:spPr>
-          <a:xfrm>
-            <a:off x="371913" y="4336861"/>
-            <a:ext cx="3521018" cy="2097371"/>
-          </a:xfrm>
-          <a:prstGeom prst="rect">
-            <a:avLst/>
-          </a:prstGeom>
-        </p:spPr>
-      </p:pic>
-      <p:pic>
-        <p:nvPicPr>
-          <p:cNvPr id="15" name="Picture 14">
-            <a:extLst>
-              <a:ext uri="{FF2B5EF4-FFF2-40B4-BE49-F238E27FC236}">
-                <a16:creationId xmlns:a16="http://schemas.microsoft.com/office/drawing/2014/main" id="{9DCB670F-B071-45B8-8DE0-5C5D8C37EA1E}"/>
-              </a:ext>
-            </a:extLst>
-          </p:cNvPr>
-          <p:cNvPicPr>
-            <a:picLocks noChangeAspect="1"/>
-          </p:cNvPicPr>
-          <p:nvPr/>
-        </p:nvPicPr>
-        <p:blipFill>
-          <a:blip r:embed="rId6"/>
-          <a:stretch>
-            <a:fillRect/>
-          </a:stretch>
-        </p:blipFill>
-        <p:spPr>
-          <a:xfrm>
-            <a:off x="4276847" y="4374695"/>
-            <a:ext cx="3521018" cy="2097371"/>
-          </a:xfrm>
-          <a:prstGeom prst="rect">
-            <a:avLst/>
-          </a:prstGeom>
-        </p:spPr>
-      </p:pic>
-      <p:sp>
-        <p:nvSpPr>
-          <p:cNvPr id="17" name="TextBox 16">
-            <a:extLst>
-              <a:ext uri="{FF2B5EF4-FFF2-40B4-BE49-F238E27FC236}">
-                <a16:creationId xmlns:a16="http://schemas.microsoft.com/office/drawing/2014/main" id="{4012E0BB-0DEB-4556-9324-1AEA00C7F6CF}"/>
-              </a:ext>
-            </a:extLst>
-          </p:cNvPr>
-          <p:cNvSpPr txBox="1"/>
-          <p:nvPr/>
-        </p:nvSpPr>
-        <p:spPr>
-          <a:xfrm>
-            <a:off x="143455" y="6386797"/>
-            <a:ext cx="8727582" cy="369332"/>
-          </a:xfrm>
-          <a:prstGeom prst="rect">
-            <a:avLst/>
-          </a:prstGeom>
-          <a:noFill/>
-        </p:spPr>
-        <p:txBody>
-          <a:bodyPr wrap="none" rtlCol="0">
-            <a:spAutoFit/>
-          </a:bodyPr>
-          <a:lstStyle/>
-          <a:p>
-            <a:r>
               <a:rPr lang="en-US" dirty="0"/>
-              <a:t>Note: about half of the participants in this subgroup are also in the decreasing RT subgroup</a:t>
-            </a:r>
-          </a:p>
-        </p:txBody>
-      </p:sp>
-      <p:pic>
-        <p:nvPicPr>
-          <p:cNvPr id="19" name="Picture 18">
-            <a:extLst>
-              <a:ext uri="{FF2B5EF4-FFF2-40B4-BE49-F238E27FC236}">
-                <a16:creationId xmlns:a16="http://schemas.microsoft.com/office/drawing/2014/main" id="{C3243AA8-BFA2-4691-AEAA-A091F07C6DFC}"/>
-              </a:ext>
-            </a:extLst>
-          </p:cNvPr>
-          <p:cNvPicPr>
-            <a:picLocks noChangeAspect="1"/>
-          </p:cNvPicPr>
-          <p:nvPr/>
-        </p:nvPicPr>
-        <p:blipFill>
-          <a:blip r:embed="rId7"/>
-          <a:stretch>
-            <a:fillRect/>
-          </a:stretch>
-        </p:blipFill>
-        <p:spPr>
-          <a:xfrm>
-            <a:off x="8181781" y="4209471"/>
-            <a:ext cx="3655243" cy="2177326"/>
-          </a:xfrm>
-          <a:prstGeom prst="rect">
-            <a:avLst/>
-          </a:prstGeom>
-        </p:spPr>
-      </p:pic>
+              <a:t>More Analysis of participants who failed Catch (n=82)</a:t>
+            </a:r>
+          </a:p>
+        </p:txBody>
+      </p:sp>
     </p:spTree>
     <p:extLst>
       <p:ext uri="{BB962C8B-B14F-4D97-AF65-F5344CB8AC3E}">
-        <p14:creationId xmlns:p14="http://schemas.microsoft.com/office/powerpoint/2010/main" val="1416396028"/>
+        <p14:creationId xmlns:p14="http://schemas.microsoft.com/office/powerpoint/2010/main" val="3183704861"/>
       </p:ext>
     </p:extLst>
   </p:cSld>
@@ -6522,7 +5504,7 @@
           <p:cNvPr id="2" name="Title 1">
             <a:extLst>
               <a:ext uri="{FF2B5EF4-FFF2-40B4-BE49-F238E27FC236}">
-                <a16:creationId xmlns:a16="http://schemas.microsoft.com/office/drawing/2014/main" id="{AD584A5A-8240-4177-827B-788B43A7CF95}"/>
+                <a16:creationId xmlns:a16="http://schemas.microsoft.com/office/drawing/2014/main" id="{C11E44E9-3747-4CC3-BCE7-A90783974B03}"/>
               </a:ext>
             </a:extLst>
           </p:cNvPr>
@@ -6535,8 +5517,8 @@
         </p:nvSpPr>
         <p:spPr>
           <a:xfrm>
-            <a:off x="410362" y="180567"/>
-            <a:ext cx="11334225" cy="868057"/>
+            <a:off x="0" y="-227999"/>
+            <a:ext cx="1373659" cy="1031189"/>
           </a:xfrm>
         </p:spPr>
         <p:txBody>
@@ -6546,138 +5528,18 @@
           <a:lstStyle/>
           <a:p>
             <a:r>
-              <a:rPr lang="en-US" sz="2400" dirty="0"/>
-              <a:t>Participants who showed downwards decreasing RT slope (n= 15)</a:t>
-            </a:r>
-          </a:p>
-        </p:txBody>
-      </p:sp>
-      <p:pic>
-        <p:nvPicPr>
-          <p:cNvPr id="6" name="Picture 5">
-            <a:extLst>
-              <a:ext uri="{FF2B5EF4-FFF2-40B4-BE49-F238E27FC236}">
-                <a16:creationId xmlns:a16="http://schemas.microsoft.com/office/drawing/2014/main" id="{BF4D4ABC-FED1-428B-8943-A77AB2742785}"/>
-              </a:ext>
-            </a:extLst>
-          </p:cNvPr>
-          <p:cNvPicPr>
-            <a:picLocks noChangeAspect="1"/>
-          </p:cNvPicPr>
-          <p:nvPr/>
-        </p:nvPicPr>
-        <p:blipFill>
-          <a:blip r:embed="rId2"/>
-          <a:stretch>
-            <a:fillRect/>
-          </a:stretch>
-        </p:blipFill>
-        <p:spPr>
-          <a:xfrm>
-            <a:off x="866424" y="4165061"/>
-            <a:ext cx="3521020" cy="2097372"/>
-          </a:xfrm>
-          <a:prstGeom prst="rect">
-            <a:avLst/>
-          </a:prstGeom>
-        </p:spPr>
-      </p:pic>
-      <p:pic>
-        <p:nvPicPr>
-          <p:cNvPr id="7" name="Picture 6">
-            <a:extLst>
-              <a:ext uri="{FF2B5EF4-FFF2-40B4-BE49-F238E27FC236}">
-                <a16:creationId xmlns:a16="http://schemas.microsoft.com/office/drawing/2014/main" id="{69E36DAA-3AFD-4CA5-994B-6008F6F182E1}"/>
-              </a:ext>
-            </a:extLst>
-          </p:cNvPr>
-          <p:cNvPicPr>
-            <a:picLocks noChangeAspect="1"/>
-          </p:cNvPicPr>
-          <p:nvPr/>
-        </p:nvPicPr>
-        <p:blipFill>
-          <a:blip r:embed="rId3"/>
-          <a:stretch>
-            <a:fillRect/>
-          </a:stretch>
-        </p:blipFill>
-        <p:spPr>
-          <a:xfrm>
-            <a:off x="4387444" y="4165061"/>
-            <a:ext cx="3670182" cy="2186225"/>
-          </a:xfrm>
-          <a:prstGeom prst="rect">
-            <a:avLst/>
-          </a:prstGeom>
-        </p:spPr>
-      </p:pic>
-      <p:pic>
-        <p:nvPicPr>
-          <p:cNvPr id="9" name="Picture 8">
-            <a:extLst>
-              <a:ext uri="{FF2B5EF4-FFF2-40B4-BE49-F238E27FC236}">
-                <a16:creationId xmlns:a16="http://schemas.microsoft.com/office/drawing/2014/main" id="{C3EC5166-C2AB-473D-823C-3FF31E57B3A1}"/>
-              </a:ext>
-            </a:extLst>
-          </p:cNvPr>
-          <p:cNvPicPr>
-            <a:picLocks noChangeAspect="1"/>
-          </p:cNvPicPr>
-          <p:nvPr/>
-        </p:nvPicPr>
-        <p:blipFill>
-          <a:blip r:embed="rId4"/>
-          <a:stretch>
-            <a:fillRect/>
-          </a:stretch>
-        </p:blipFill>
-        <p:spPr>
-          <a:xfrm>
-            <a:off x="707032" y="1048624"/>
-            <a:ext cx="3553822" cy="2116912"/>
-          </a:xfrm>
-          <a:prstGeom prst="rect">
-            <a:avLst/>
-          </a:prstGeom>
-        </p:spPr>
-      </p:pic>
-      <p:pic>
-        <p:nvPicPr>
-          <p:cNvPr id="3" name="Picture 2">
-            <a:extLst>
-              <a:ext uri="{FF2B5EF4-FFF2-40B4-BE49-F238E27FC236}">
-                <a16:creationId xmlns:a16="http://schemas.microsoft.com/office/drawing/2014/main" id="{81CF0EB1-A475-41C0-AED2-2FD1FC2F2167}"/>
-              </a:ext>
-            </a:extLst>
-          </p:cNvPr>
-          <p:cNvPicPr>
-            <a:picLocks noChangeAspect="1"/>
-          </p:cNvPicPr>
-          <p:nvPr/>
-        </p:nvPicPr>
-        <p:blipFill>
-          <a:blip r:embed="rId5"/>
-          <a:stretch>
-            <a:fillRect/>
-          </a:stretch>
-        </p:blipFill>
-        <p:spPr>
-          <a:xfrm>
-            <a:off x="4328721" y="890992"/>
-            <a:ext cx="4083082" cy="2432177"/>
-          </a:xfrm>
-          <a:prstGeom prst="rect">
-            <a:avLst/>
-          </a:prstGeom>
-        </p:spPr>
-      </p:pic>
-      <p:sp>
-        <p:nvSpPr>
-          <p:cNvPr id="4" name="TextBox 3">
-            <a:extLst>
-              <a:ext uri="{FF2B5EF4-FFF2-40B4-BE49-F238E27FC236}">
-                <a16:creationId xmlns:a16="http://schemas.microsoft.com/office/drawing/2014/main" id="{CA24A39E-E73F-46FF-A441-3EBE8FB737B9}"/>
+              <a:rPr lang="en-US" sz="1800" dirty="0"/>
+              <a:t>Magnitude</a:t>
+            </a:r>
+          </a:p>
+        </p:txBody>
+      </p:sp>
+      <p:sp>
+        <p:nvSpPr>
+          <p:cNvPr id="6" name="TextBox 5">
+            <a:extLst>
+              <a:ext uri="{FF2B5EF4-FFF2-40B4-BE49-F238E27FC236}">
+                <a16:creationId xmlns:a16="http://schemas.microsoft.com/office/drawing/2014/main" id="{A56FCF1F-B52A-4DD3-BAAC-4A350B3468E2}"/>
               </a:ext>
             </a:extLst>
           </p:cNvPr>
@@ -6686,8 +5548,8 @@
         </p:nvSpPr>
         <p:spPr>
           <a:xfrm>
-            <a:off x="5235327" y="3184669"/>
-            <a:ext cx="2509470" cy="276999"/>
+            <a:off x="1373659" y="745826"/>
+            <a:ext cx="568489" cy="369332"/>
           </a:xfrm>
           <a:prstGeom prst="rect">
             <a:avLst/>
@@ -6701,18 +5563,208 @@
           <a:lstStyle/>
           <a:p>
             <a:r>
-              <a:rPr lang="en-US" sz="1200" dirty="0"/>
-              <a:t>Blue = subgroup; red= all participants</a:t>
-            </a:r>
-          </a:p>
-        </p:txBody>
-      </p:sp>
-      <p:pic>
-        <p:nvPicPr>
-          <p:cNvPr id="5" name="Picture 4">
-            <a:extLst>
-              <a:ext uri="{FF2B5EF4-FFF2-40B4-BE49-F238E27FC236}">
-                <a16:creationId xmlns:a16="http://schemas.microsoft.com/office/drawing/2014/main" id="{1F1665B4-5BA7-4DDB-9901-29E879B15181}"/>
+              <a:rPr lang="en-US" dirty="0"/>
+              <a:t>Low</a:t>
+            </a:r>
+          </a:p>
+        </p:txBody>
+      </p:sp>
+      <p:sp>
+        <p:nvSpPr>
+          <p:cNvPr id="7" name="TextBox 6">
+            <a:extLst>
+              <a:ext uri="{FF2B5EF4-FFF2-40B4-BE49-F238E27FC236}">
+                <a16:creationId xmlns:a16="http://schemas.microsoft.com/office/drawing/2014/main" id="{BA8D18E1-F733-4D1C-878B-EDC0E9DDF863}"/>
+              </a:ext>
+            </a:extLst>
+          </p:cNvPr>
+          <p:cNvSpPr txBox="1"/>
+          <p:nvPr/>
+        </p:nvSpPr>
+        <p:spPr>
+          <a:xfrm>
+            <a:off x="5293173" y="693104"/>
+            <a:ext cx="556563" cy="369332"/>
+          </a:xfrm>
+          <a:prstGeom prst="rect">
+            <a:avLst/>
+          </a:prstGeom>
+          <a:noFill/>
+        </p:spPr>
+        <p:txBody>
+          <a:bodyPr wrap="none" rtlCol="0">
+            <a:spAutoFit/>
+          </a:bodyPr>
+          <a:lstStyle/>
+          <a:p>
+            <a:r>
+              <a:rPr lang="en-US" dirty="0"/>
+              <a:t>Mid</a:t>
+            </a:r>
+          </a:p>
+        </p:txBody>
+      </p:sp>
+      <p:sp>
+        <p:nvSpPr>
+          <p:cNvPr id="8" name="TextBox 7">
+            <a:extLst>
+              <a:ext uri="{FF2B5EF4-FFF2-40B4-BE49-F238E27FC236}">
+                <a16:creationId xmlns:a16="http://schemas.microsoft.com/office/drawing/2014/main" id="{B13999CD-0E53-4FFA-A8A9-0F9B79A30A1D}"/>
+              </a:ext>
+            </a:extLst>
+          </p:cNvPr>
+          <p:cNvSpPr txBox="1"/>
+          <p:nvPr/>
+        </p:nvSpPr>
+        <p:spPr>
+          <a:xfrm>
+            <a:off x="8767120" y="653009"/>
+            <a:ext cx="612668" cy="369332"/>
+          </a:xfrm>
+          <a:prstGeom prst="rect">
+            <a:avLst/>
+          </a:prstGeom>
+          <a:noFill/>
+        </p:spPr>
+        <p:txBody>
+          <a:bodyPr wrap="none" rtlCol="0">
+            <a:spAutoFit/>
+          </a:bodyPr>
+          <a:lstStyle/>
+          <a:p>
+            <a:r>
+              <a:rPr lang="en-US" dirty="0"/>
+              <a:t>High</a:t>
+            </a:r>
+          </a:p>
+        </p:txBody>
+      </p:sp>
+      <p:pic>
+        <p:nvPicPr>
+          <p:cNvPr id="9" name="Picture 8">
+            <a:extLst>
+              <a:ext uri="{FF2B5EF4-FFF2-40B4-BE49-F238E27FC236}">
+                <a16:creationId xmlns:a16="http://schemas.microsoft.com/office/drawing/2014/main" id="{39DE9785-001B-406A-B28A-158F8E054880}"/>
+              </a:ext>
+            </a:extLst>
+          </p:cNvPr>
+          <p:cNvPicPr>
+            <a:picLocks noChangeAspect="1"/>
+          </p:cNvPicPr>
+          <p:nvPr/>
+        </p:nvPicPr>
+        <p:blipFill>
+          <a:blip r:embed="rId2"/>
+          <a:stretch>
+            <a:fillRect/>
+          </a:stretch>
+        </p:blipFill>
+        <p:spPr>
+          <a:xfrm>
+            <a:off x="540737" y="4293348"/>
+            <a:ext cx="2802821" cy="2339657"/>
+          </a:xfrm>
+          <a:prstGeom prst="rect">
+            <a:avLst/>
+          </a:prstGeom>
+        </p:spPr>
+      </p:pic>
+      <p:pic>
+        <p:nvPicPr>
+          <p:cNvPr id="10" name="Picture 9">
+            <a:extLst>
+              <a:ext uri="{FF2B5EF4-FFF2-40B4-BE49-F238E27FC236}">
+                <a16:creationId xmlns:a16="http://schemas.microsoft.com/office/drawing/2014/main" id="{362A0A2C-A642-4841-B3F7-A38E446298FC}"/>
+              </a:ext>
+            </a:extLst>
+          </p:cNvPr>
+          <p:cNvPicPr>
+            <a:picLocks noChangeAspect="1"/>
+          </p:cNvPicPr>
+          <p:nvPr/>
+        </p:nvPicPr>
+        <p:blipFill>
+          <a:blip r:embed="rId3"/>
+          <a:stretch>
+            <a:fillRect/>
+          </a:stretch>
+        </p:blipFill>
+        <p:spPr>
+          <a:xfrm>
+            <a:off x="225639" y="1334530"/>
+            <a:ext cx="3239547" cy="2704215"/>
+          </a:xfrm>
+          <a:prstGeom prst="rect">
+            <a:avLst/>
+          </a:prstGeom>
+        </p:spPr>
+      </p:pic>
+      <p:pic>
+        <p:nvPicPr>
+          <p:cNvPr id="11" name="Picture 10">
+            <a:extLst>
+              <a:ext uri="{FF2B5EF4-FFF2-40B4-BE49-F238E27FC236}">
+                <a16:creationId xmlns:a16="http://schemas.microsoft.com/office/drawing/2014/main" id="{2B50DEA7-33EB-4314-A5DA-9C1CA23E2546}"/>
+              </a:ext>
+            </a:extLst>
+          </p:cNvPr>
+          <p:cNvPicPr>
+            <a:picLocks noChangeAspect="1"/>
+          </p:cNvPicPr>
+          <p:nvPr/>
+        </p:nvPicPr>
+        <p:blipFill>
+          <a:blip r:embed="rId4"/>
+          <a:stretch>
+            <a:fillRect/>
+          </a:stretch>
+        </p:blipFill>
+        <p:spPr>
+          <a:xfrm>
+            <a:off x="4129320" y="4126165"/>
+            <a:ext cx="3062311" cy="2556267"/>
+          </a:xfrm>
+          <a:prstGeom prst="rect">
+            <a:avLst/>
+          </a:prstGeom>
+        </p:spPr>
+      </p:pic>
+      <p:pic>
+        <p:nvPicPr>
+          <p:cNvPr id="12" name="Picture 11">
+            <a:extLst>
+              <a:ext uri="{FF2B5EF4-FFF2-40B4-BE49-F238E27FC236}">
+                <a16:creationId xmlns:a16="http://schemas.microsoft.com/office/drawing/2014/main" id="{90102F27-229E-4432-8A4D-32C2A7FB3E0C}"/>
+              </a:ext>
+            </a:extLst>
+          </p:cNvPr>
+          <p:cNvPicPr>
+            <a:picLocks noChangeAspect="1"/>
+          </p:cNvPicPr>
+          <p:nvPr/>
+        </p:nvPicPr>
+        <p:blipFill>
+          <a:blip r:embed="rId5"/>
+          <a:stretch>
+            <a:fillRect/>
+          </a:stretch>
+        </p:blipFill>
+        <p:spPr>
+          <a:xfrm>
+            <a:off x="4170044" y="1298358"/>
+            <a:ext cx="2802822" cy="2339659"/>
+          </a:xfrm>
+          <a:prstGeom prst="rect">
+            <a:avLst/>
+          </a:prstGeom>
+        </p:spPr>
+      </p:pic>
+      <p:pic>
+        <p:nvPicPr>
+          <p:cNvPr id="13" name="Picture 12">
+            <a:extLst>
+              <a:ext uri="{FF2B5EF4-FFF2-40B4-BE49-F238E27FC236}">
+                <a16:creationId xmlns:a16="http://schemas.microsoft.com/office/drawing/2014/main" id="{5318D9F1-F53D-4B08-B4E9-9BA897DEA5F6}"/>
               </a:ext>
             </a:extLst>
           </p:cNvPr>
@@ -6729,20 +5781,20 @@
         </p:blipFill>
         <p:spPr>
           <a:xfrm>
-            <a:off x="8411803" y="1048624"/>
-            <a:ext cx="3260959" cy="1942462"/>
-          </a:xfrm>
-          <a:prstGeom prst="rect">
-            <a:avLst/>
-          </a:prstGeom>
-        </p:spPr>
-      </p:pic>
-      <p:pic>
-        <p:nvPicPr>
-          <p:cNvPr id="8" name="Picture 7">
-            <a:extLst>
-              <a:ext uri="{FF2B5EF4-FFF2-40B4-BE49-F238E27FC236}">
-                <a16:creationId xmlns:a16="http://schemas.microsoft.com/office/drawing/2014/main" id="{371A26C1-BC1A-4B1A-982D-7F957370BB28}"/>
+            <a:off x="8128218" y="4126165"/>
+            <a:ext cx="2690123" cy="2245583"/>
+          </a:xfrm>
+          <a:prstGeom prst="rect">
+            <a:avLst/>
+          </a:prstGeom>
+        </p:spPr>
+      </p:pic>
+      <p:pic>
+        <p:nvPicPr>
+          <p:cNvPr id="14" name="Picture 13">
+            <a:extLst>
+              <a:ext uri="{FF2B5EF4-FFF2-40B4-BE49-F238E27FC236}">
+                <a16:creationId xmlns:a16="http://schemas.microsoft.com/office/drawing/2014/main" id="{97FAAC46-C843-406E-A544-292924FFA5B8}"/>
               </a:ext>
             </a:extLst>
           </p:cNvPr>
@@ -6759,8 +5811,8 @@
         </p:blipFill>
         <p:spPr>
           <a:xfrm>
-            <a:off x="8071949" y="3429000"/>
-            <a:ext cx="3903083" cy="2833433"/>
+            <a:off x="7677724" y="1081749"/>
+            <a:ext cx="3062312" cy="2556268"/>
           </a:xfrm>
           <a:prstGeom prst="rect">
             <a:avLst/>
@@ -6770,7 +5822,7 @@
     </p:spTree>
     <p:extLst>
       <p:ext uri="{BB962C8B-B14F-4D97-AF65-F5344CB8AC3E}">
-        <p14:creationId xmlns:p14="http://schemas.microsoft.com/office/powerpoint/2010/main" val="669921983"/>
+        <p14:creationId xmlns:p14="http://schemas.microsoft.com/office/powerpoint/2010/main" val="556133664"/>
       </p:ext>
     </p:extLst>
   </p:cSld>
@@ -6802,7 +5854,7 @@
           <p:cNvPr id="2" name="Title 1">
             <a:extLst>
               <a:ext uri="{FF2B5EF4-FFF2-40B4-BE49-F238E27FC236}">
-                <a16:creationId xmlns:a16="http://schemas.microsoft.com/office/drawing/2014/main" id="{AD584A5A-8240-4177-827B-788B43A7CF95}"/>
+                <a16:creationId xmlns:a16="http://schemas.microsoft.com/office/drawing/2014/main" id="{C11E44E9-3747-4CC3-BCE7-A90783974B03}"/>
               </a:ext>
             </a:extLst>
           </p:cNvPr>
@@ -6815,8 +5867,8 @@
         </p:nvSpPr>
         <p:spPr>
           <a:xfrm>
-            <a:off x="410362" y="180567"/>
-            <a:ext cx="11334225" cy="868057"/>
+            <a:off x="0" y="-227999"/>
+            <a:ext cx="1373659" cy="1031189"/>
           </a:xfrm>
         </p:spPr>
         <p:txBody>
@@ -6826,18 +5878,18 @@
           <a:lstStyle/>
           <a:p>
             <a:r>
-              <a:rPr lang="en-US" sz="2400" dirty="0"/>
-              <a:t>Participants who frequently gambled &gt;60% (n=23)</a:t>
-            </a:r>
-          </a:p>
-        </p:txBody>
-      </p:sp>
-      <p:sp>
-        <p:nvSpPr>
-          <p:cNvPr id="4" name="TextBox 3">
-            <a:extLst>
-              <a:ext uri="{FF2B5EF4-FFF2-40B4-BE49-F238E27FC236}">
-                <a16:creationId xmlns:a16="http://schemas.microsoft.com/office/drawing/2014/main" id="{CA24A39E-E73F-46FF-A441-3EBE8FB737B9}"/>
+              <a:rPr lang="en-US" sz="1800" dirty="0"/>
+              <a:t>Value</a:t>
+            </a:r>
+          </a:p>
+        </p:txBody>
+      </p:sp>
+      <p:sp>
+        <p:nvSpPr>
+          <p:cNvPr id="6" name="TextBox 5">
+            <a:extLst>
+              <a:ext uri="{FF2B5EF4-FFF2-40B4-BE49-F238E27FC236}">
+                <a16:creationId xmlns:a16="http://schemas.microsoft.com/office/drawing/2014/main" id="{A56FCF1F-B52A-4DD3-BAAC-4A350B3468E2}"/>
               </a:ext>
             </a:extLst>
           </p:cNvPr>
@@ -6846,8 +5898,8 @@
         </p:nvSpPr>
         <p:spPr>
           <a:xfrm>
-            <a:off x="5235327" y="3184669"/>
-            <a:ext cx="2509470" cy="276999"/>
+            <a:off x="1373659" y="745826"/>
+            <a:ext cx="568489" cy="369332"/>
           </a:xfrm>
           <a:prstGeom prst="rect">
             <a:avLst/>
@@ -6861,18 +5913,88 @@
           <a:lstStyle/>
           <a:p>
             <a:r>
-              <a:rPr lang="en-US" sz="1200" dirty="0"/>
-              <a:t>Blue = subgroup; red= all participants</a:t>
-            </a:r>
-          </a:p>
-        </p:txBody>
-      </p:sp>
-      <p:pic>
-        <p:nvPicPr>
-          <p:cNvPr id="10" name="Picture 9">
-            <a:extLst>
-              <a:ext uri="{FF2B5EF4-FFF2-40B4-BE49-F238E27FC236}">
-                <a16:creationId xmlns:a16="http://schemas.microsoft.com/office/drawing/2014/main" id="{43DCC291-7E6E-4CB0-AB61-74D264169492}"/>
+              <a:rPr lang="en-US" dirty="0"/>
+              <a:t>Low</a:t>
+            </a:r>
+          </a:p>
+        </p:txBody>
+      </p:sp>
+      <p:sp>
+        <p:nvSpPr>
+          <p:cNvPr id="7" name="TextBox 6">
+            <a:extLst>
+              <a:ext uri="{FF2B5EF4-FFF2-40B4-BE49-F238E27FC236}">
+                <a16:creationId xmlns:a16="http://schemas.microsoft.com/office/drawing/2014/main" id="{BA8D18E1-F733-4D1C-878B-EDC0E9DDF863}"/>
+              </a:ext>
+            </a:extLst>
+          </p:cNvPr>
+          <p:cNvSpPr txBox="1"/>
+          <p:nvPr/>
+        </p:nvSpPr>
+        <p:spPr>
+          <a:xfrm>
+            <a:off x="5293173" y="693104"/>
+            <a:ext cx="556563" cy="369332"/>
+          </a:xfrm>
+          <a:prstGeom prst="rect">
+            <a:avLst/>
+          </a:prstGeom>
+          <a:noFill/>
+        </p:spPr>
+        <p:txBody>
+          <a:bodyPr wrap="none" rtlCol="0">
+            <a:spAutoFit/>
+          </a:bodyPr>
+          <a:lstStyle/>
+          <a:p>
+            <a:r>
+              <a:rPr lang="en-US" dirty="0"/>
+              <a:t>Mid</a:t>
+            </a:r>
+          </a:p>
+        </p:txBody>
+      </p:sp>
+      <p:sp>
+        <p:nvSpPr>
+          <p:cNvPr id="8" name="TextBox 7">
+            <a:extLst>
+              <a:ext uri="{FF2B5EF4-FFF2-40B4-BE49-F238E27FC236}">
+                <a16:creationId xmlns:a16="http://schemas.microsoft.com/office/drawing/2014/main" id="{B13999CD-0E53-4FFA-A8A9-0F9B79A30A1D}"/>
+              </a:ext>
+            </a:extLst>
+          </p:cNvPr>
+          <p:cNvSpPr txBox="1"/>
+          <p:nvPr/>
+        </p:nvSpPr>
+        <p:spPr>
+          <a:xfrm>
+            <a:off x="8767120" y="653009"/>
+            <a:ext cx="612668" cy="369332"/>
+          </a:xfrm>
+          <a:prstGeom prst="rect">
+            <a:avLst/>
+          </a:prstGeom>
+          <a:noFill/>
+        </p:spPr>
+        <p:txBody>
+          <a:bodyPr wrap="none" rtlCol="0">
+            <a:spAutoFit/>
+          </a:bodyPr>
+          <a:lstStyle/>
+          <a:p>
+            <a:r>
+              <a:rPr lang="en-US" dirty="0"/>
+              <a:t>High</a:t>
+            </a:r>
+          </a:p>
+        </p:txBody>
+      </p:sp>
+      <p:pic>
+        <p:nvPicPr>
+          <p:cNvPr id="3" name="Picture 2">
+            <a:extLst>
+              <a:ext uri="{FF2B5EF4-FFF2-40B4-BE49-F238E27FC236}">
+                <a16:creationId xmlns:a16="http://schemas.microsoft.com/office/drawing/2014/main" id="{64269769-80CE-4E6E-8CD6-C33E1D2D55BF}"/>
               </a:ext>
             </a:extLst>
           </p:cNvPr>
@@ -6889,20 +6011,20 @@
         </p:blipFill>
         <p:spPr>
           <a:xfrm>
-            <a:off x="248055" y="3798615"/>
-            <a:ext cx="3965600" cy="2878818"/>
-          </a:xfrm>
-          <a:prstGeom prst="rect">
-            <a:avLst/>
-          </a:prstGeom>
-        </p:spPr>
-      </p:pic>
-      <p:pic>
-        <p:nvPicPr>
-          <p:cNvPr id="11" name="Picture 10">
-            <a:extLst>
-              <a:ext uri="{FF2B5EF4-FFF2-40B4-BE49-F238E27FC236}">
-                <a16:creationId xmlns:a16="http://schemas.microsoft.com/office/drawing/2014/main" id="{2FD56273-D2C3-402D-94E7-519DCAD555BF}"/>
+            <a:off x="8046412" y="4014674"/>
+            <a:ext cx="3185880" cy="2659417"/>
+          </a:xfrm>
+          <a:prstGeom prst="rect">
+            <a:avLst/>
+          </a:prstGeom>
+        </p:spPr>
+      </p:pic>
+      <p:pic>
+        <p:nvPicPr>
+          <p:cNvPr id="4" name="Picture 3">
+            <a:extLst>
+              <a:ext uri="{FF2B5EF4-FFF2-40B4-BE49-F238E27FC236}">
+                <a16:creationId xmlns:a16="http://schemas.microsoft.com/office/drawing/2014/main" id="{3CED5F20-679A-4551-83A6-2B40888A94A2}"/>
               </a:ext>
             </a:extLst>
           </p:cNvPr>
@@ -6919,20 +6041,20 @@
         </p:blipFill>
         <p:spPr>
           <a:xfrm>
-            <a:off x="4877964" y="946348"/>
-            <a:ext cx="3224195" cy="2340597"/>
-          </a:xfrm>
-          <a:prstGeom prst="rect">
-            <a:avLst/>
-          </a:prstGeom>
-        </p:spPr>
-      </p:pic>
-      <p:pic>
-        <p:nvPicPr>
-          <p:cNvPr id="12" name="Picture 11">
-            <a:extLst>
-              <a:ext uri="{FF2B5EF4-FFF2-40B4-BE49-F238E27FC236}">
-                <a16:creationId xmlns:a16="http://schemas.microsoft.com/office/drawing/2014/main" id="{09058E86-266C-4AF1-A3CC-9E7083507237}"/>
+            <a:off x="7895580" y="1147094"/>
+            <a:ext cx="3336712" cy="2785324"/>
+          </a:xfrm>
+          <a:prstGeom prst="rect">
+            <a:avLst/>
+          </a:prstGeom>
+        </p:spPr>
+      </p:pic>
+      <p:pic>
+        <p:nvPicPr>
+          <p:cNvPr id="5" name="Picture 4">
+            <a:extLst>
+              <a:ext uri="{FF2B5EF4-FFF2-40B4-BE49-F238E27FC236}">
+                <a16:creationId xmlns:a16="http://schemas.microsoft.com/office/drawing/2014/main" id="{76778F99-4324-4647-85BE-D61DB68B9B28}"/>
               </a:ext>
             </a:extLst>
           </p:cNvPr>
@@ -6949,20 +6071,20 @@
         </p:blipFill>
         <p:spPr>
           <a:xfrm>
-            <a:off x="8520390" y="881433"/>
-            <a:ext cx="3224197" cy="2340598"/>
-          </a:xfrm>
-          <a:prstGeom prst="rect">
-            <a:avLst/>
-          </a:prstGeom>
-        </p:spPr>
-      </p:pic>
-      <p:pic>
-        <p:nvPicPr>
-          <p:cNvPr id="13" name="Picture 12">
-            <a:extLst>
-              <a:ext uri="{FF2B5EF4-FFF2-40B4-BE49-F238E27FC236}">
-                <a16:creationId xmlns:a16="http://schemas.microsoft.com/office/drawing/2014/main" id="{92C378B6-4660-4CD0-B6BF-2D654639BD0E}"/>
+            <a:off x="4484161" y="4182843"/>
+            <a:ext cx="2876962" cy="2401547"/>
+          </a:xfrm>
+          <a:prstGeom prst="rect">
+            <a:avLst/>
+          </a:prstGeom>
+        </p:spPr>
+      </p:pic>
+      <p:pic>
+        <p:nvPicPr>
+          <p:cNvPr id="15" name="Picture 14">
+            <a:extLst>
+              <a:ext uri="{FF2B5EF4-FFF2-40B4-BE49-F238E27FC236}">
+                <a16:creationId xmlns:a16="http://schemas.microsoft.com/office/drawing/2014/main" id="{734BF17A-AB7C-4833-B545-80718E426811}"/>
               </a:ext>
             </a:extLst>
           </p:cNvPr>
@@ -6979,20 +6101,20 @@
         </p:blipFill>
         <p:spPr>
           <a:xfrm>
-            <a:off x="4213655" y="3937656"/>
-            <a:ext cx="3582540" cy="2600736"/>
-          </a:xfrm>
-          <a:prstGeom prst="rect">
-            <a:avLst/>
-          </a:prstGeom>
-        </p:spPr>
-      </p:pic>
-      <p:pic>
-        <p:nvPicPr>
-          <p:cNvPr id="15" name="Picture 14">
-            <a:extLst>
-              <a:ext uri="{FF2B5EF4-FFF2-40B4-BE49-F238E27FC236}">
-                <a16:creationId xmlns:a16="http://schemas.microsoft.com/office/drawing/2014/main" id="{59986D2F-F7FE-4C79-8C7E-20D1764AF456}"/>
+            <a:off x="4340966" y="1331151"/>
+            <a:ext cx="3116219" cy="2601267"/>
+          </a:xfrm>
+          <a:prstGeom prst="rect">
+            <a:avLst/>
+          </a:prstGeom>
+        </p:spPr>
+      </p:pic>
+      <p:pic>
+        <p:nvPicPr>
+          <p:cNvPr id="16" name="Picture 15">
+            <a:extLst>
+              <a:ext uri="{FF2B5EF4-FFF2-40B4-BE49-F238E27FC236}">
+                <a16:creationId xmlns:a16="http://schemas.microsoft.com/office/drawing/2014/main" id="{FE5F3471-ED83-4BB6-B603-D4FA61DA6032}"/>
               </a:ext>
             </a:extLst>
           </p:cNvPr>
@@ -7009,20 +6131,20 @@
         </p:blipFill>
         <p:spPr>
           <a:xfrm>
-            <a:off x="447413" y="1048624"/>
-            <a:ext cx="3508400" cy="2546915"/>
-          </a:xfrm>
-          <a:prstGeom prst="rect">
-            <a:avLst/>
-          </a:prstGeom>
-        </p:spPr>
-      </p:pic>
-      <p:pic>
-        <p:nvPicPr>
-          <p:cNvPr id="16" name="Picture 15">
-            <a:extLst>
-              <a:ext uri="{FF2B5EF4-FFF2-40B4-BE49-F238E27FC236}">
-                <a16:creationId xmlns:a16="http://schemas.microsoft.com/office/drawing/2014/main" id="{4F4AE5B6-F9D0-4029-B062-E6D50BA9BA35}"/>
+            <a:off x="489424" y="3963099"/>
+            <a:ext cx="3309448" cy="2762565"/>
+          </a:xfrm>
+          <a:prstGeom prst="rect">
+            <a:avLst/>
+          </a:prstGeom>
+        </p:spPr>
+      </p:pic>
+      <p:pic>
+        <p:nvPicPr>
+          <p:cNvPr id="17" name="Picture 16">
+            <a:extLst>
+              <a:ext uri="{FF2B5EF4-FFF2-40B4-BE49-F238E27FC236}">
+                <a16:creationId xmlns:a16="http://schemas.microsoft.com/office/drawing/2014/main" id="{8C8E0C77-2BB9-4469-8718-25AB0916BD2D}"/>
               </a:ext>
             </a:extLst>
           </p:cNvPr>
@@ -7039,8 +6161,8 @@
         </p:blipFill>
         <p:spPr>
           <a:xfrm>
-            <a:off x="7909004" y="3595539"/>
-            <a:ext cx="4128074" cy="2996765"/>
+            <a:off x="429777" y="1238494"/>
+            <a:ext cx="3116221" cy="2601268"/>
           </a:xfrm>
           <a:prstGeom prst="rect">
             <a:avLst/>
@@ -7050,7 +6172,7 @@
     </p:spTree>
     <p:extLst>
       <p:ext uri="{BB962C8B-B14F-4D97-AF65-F5344CB8AC3E}">
-        <p14:creationId xmlns:p14="http://schemas.microsoft.com/office/powerpoint/2010/main" val="3551216060"/>
+        <p14:creationId xmlns:p14="http://schemas.microsoft.com/office/powerpoint/2010/main" val="1977471603"/>
       </p:ext>
     </p:extLst>
   </p:cSld>
@@ -7077,1001 +6199,12 @@
           <a:chExt cx="0" cy="0"/>
         </a:xfrm>
       </p:grpSpPr>
-      <p:sp>
-        <p:nvSpPr>
-          <p:cNvPr id="3" name="Content Placeholder 2">
-            <a:extLst>
-              <a:ext uri="{FF2B5EF4-FFF2-40B4-BE49-F238E27FC236}">
-                <a16:creationId xmlns:a16="http://schemas.microsoft.com/office/drawing/2014/main" id="{82D62C16-1976-4B7D-A52A-250E8BAE5DF7}"/>
-              </a:ext>
-            </a:extLst>
-          </p:cNvPr>
-          <p:cNvSpPr>
-            <a:spLocks noGrp="1"/>
-          </p:cNvSpPr>
-          <p:nvPr>
-            <p:ph idx="1"/>
-          </p:nvPr>
-        </p:nvSpPr>
-        <p:spPr/>
-        <p:txBody>
-          <a:bodyPr/>
-          <a:lstStyle/>
-          <a:p>
-            <a:r>
-              <a:rPr lang="en-US" dirty="0"/>
-              <a:t>Plots to do for poster</a:t>
-            </a:r>
-          </a:p>
-          <a:p>
-            <a:pPr lvl="1"/>
-            <a:r>
-              <a:rPr lang="en-US" dirty="0"/>
-              <a:t>Bar graphs of slopes for different magnitude/value trials</a:t>
-            </a:r>
-          </a:p>
-          <a:p>
-            <a:pPr lvl="1"/>
-            <a:r>
-              <a:rPr lang="en-US" dirty="0"/>
-              <a:t>Violin plots of gamble propensity graphs to indicate spread.</a:t>
-            </a:r>
-          </a:p>
-          <a:p>
-            <a:pPr lvl="1"/>
-            <a:r>
-              <a:rPr lang="en-US" dirty="0"/>
-              <a:t>Standard error of RT graphs</a:t>
-            </a:r>
-          </a:p>
-        </p:txBody>
-      </p:sp>
-      <p:sp>
-        <p:nvSpPr>
-          <p:cNvPr id="5" name="Title 4">
-            <a:extLst>
-              <a:ext uri="{FF2B5EF4-FFF2-40B4-BE49-F238E27FC236}">
-                <a16:creationId xmlns:a16="http://schemas.microsoft.com/office/drawing/2014/main" id="{A7825166-99D6-405D-8218-21C357687093}"/>
-              </a:ext>
-            </a:extLst>
-          </p:cNvPr>
-          <p:cNvSpPr>
-            <a:spLocks noGrp="1"/>
-          </p:cNvSpPr>
-          <p:nvPr>
-            <p:ph type="title"/>
-          </p:nvPr>
-        </p:nvSpPr>
-        <p:spPr/>
-        <p:txBody>
-          <a:bodyPr/>
-          <a:lstStyle/>
-          <a:p>
-            <a:endParaRPr lang="en-US"/>
-          </a:p>
-        </p:txBody>
-      </p:sp>
-    </p:spTree>
-    <p:extLst>
-      <p:ext uri="{BB962C8B-B14F-4D97-AF65-F5344CB8AC3E}">
-        <p14:creationId xmlns:p14="http://schemas.microsoft.com/office/powerpoint/2010/main" val="748721396"/>
-      </p:ext>
-    </p:extLst>
-  </p:cSld>
-  <p:clrMapOvr>
-    <a:masterClrMapping/>
-  </p:clrMapOvr>
-</p:sld>
-</file>
-
-<file path=ppt/slides/slide23.xml><?xml version="1.0" encoding="utf-8"?>
-<p:sld xmlns:a="http://schemas.openxmlformats.org/drawingml/2006/main" xmlns:r="http://schemas.openxmlformats.org/officeDocument/2006/relationships" xmlns:p="http://schemas.openxmlformats.org/presentationml/2006/main">
-  <p:cSld>
-    <p:spTree>
-      <p:nvGrpSpPr>
-        <p:cNvPr id="1" name=""/>
-        <p:cNvGrpSpPr/>
-        <p:nvPr/>
-      </p:nvGrpSpPr>
-      <p:grpSpPr>
-        <a:xfrm>
-          <a:off x="0" y="0"/>
-          <a:ext cx="0" cy="0"/>
-          <a:chOff x="0" y="0"/>
-          <a:chExt cx="0" cy="0"/>
-        </a:xfrm>
-      </p:grpSpPr>
-      <p:grpSp>
-        <p:nvGrpSpPr>
-          <p:cNvPr id="10" name="Group 9">
-            <a:extLst>
-              <a:ext uri="{FF2B5EF4-FFF2-40B4-BE49-F238E27FC236}">
-                <a16:creationId xmlns:a16="http://schemas.microsoft.com/office/drawing/2014/main" id="{04695B03-F7EF-405B-B7C2-C039EBF9AFAC}"/>
-              </a:ext>
-            </a:extLst>
-          </p:cNvPr>
-          <p:cNvGrpSpPr/>
-          <p:nvPr/>
-        </p:nvGrpSpPr>
-        <p:grpSpPr>
-          <a:xfrm>
-            <a:off x="7306752" y="2461051"/>
-            <a:ext cx="1501629" cy="968179"/>
-            <a:chOff x="5193079" y="4397282"/>
-            <a:chExt cx="1501629" cy="968179"/>
-          </a:xfrm>
-        </p:grpSpPr>
-        <p:pic>
-          <p:nvPicPr>
-            <p:cNvPr id="5" name="Picture 4">
-              <a:extLst>
-                <a:ext uri="{FF2B5EF4-FFF2-40B4-BE49-F238E27FC236}">
-                  <a16:creationId xmlns:a16="http://schemas.microsoft.com/office/drawing/2014/main" id="{97DEAB87-48D8-48FC-BC2B-9857105D04A7}"/>
-                </a:ext>
-              </a:extLst>
-            </p:cNvPr>
-            <p:cNvPicPr>
-              <a:picLocks noChangeAspect="1"/>
-            </p:cNvPicPr>
-            <p:nvPr/>
-          </p:nvPicPr>
-          <p:blipFill>
-            <a:blip r:embed="rId2"/>
-            <a:stretch>
-              <a:fillRect/>
-            </a:stretch>
-          </p:blipFill>
-          <p:spPr>
-            <a:xfrm>
-              <a:off x="5334423" y="4498019"/>
-              <a:ext cx="1280686" cy="798001"/>
-            </a:xfrm>
-            <a:prstGeom prst="rect">
-              <a:avLst/>
-            </a:prstGeom>
-          </p:spPr>
-        </p:pic>
-        <p:sp>
-          <p:nvSpPr>
-            <p:cNvPr id="12" name="Rectangle 11">
-              <a:extLst>
-                <a:ext uri="{FF2B5EF4-FFF2-40B4-BE49-F238E27FC236}">
-                  <a16:creationId xmlns:a16="http://schemas.microsoft.com/office/drawing/2014/main" id="{8EE8CC48-8183-404E-8A7E-A2D8F9622BC1}"/>
-                </a:ext>
-              </a:extLst>
-            </p:cNvPr>
-            <p:cNvSpPr/>
-            <p:nvPr/>
-          </p:nvSpPr>
-          <p:spPr>
-            <a:xfrm>
-              <a:off x="5193079" y="4397282"/>
-              <a:ext cx="1501629" cy="968179"/>
-            </a:xfrm>
-            <a:prstGeom prst="rect">
-              <a:avLst/>
-            </a:prstGeom>
-            <a:noFill/>
-          </p:spPr>
-          <p:style>
-            <a:lnRef idx="2">
-              <a:schemeClr val="dk1"/>
-            </a:lnRef>
-            <a:fillRef idx="1">
-              <a:schemeClr val="lt1"/>
-            </a:fillRef>
-            <a:effectRef idx="0">
-              <a:schemeClr val="dk1"/>
-            </a:effectRef>
-            <a:fontRef idx="minor">
-              <a:schemeClr val="dk1"/>
-            </a:fontRef>
-          </p:style>
-          <p:txBody>
-            <a:bodyPr rtlCol="0" anchor="ctr"/>
-            <a:lstStyle/>
-            <a:p>
-              <a:pPr algn="ctr"/>
-              <a:endParaRPr lang="en-US"/>
-            </a:p>
-          </p:txBody>
-        </p:sp>
-      </p:grpSp>
-      <p:grpSp>
-        <p:nvGrpSpPr>
-          <p:cNvPr id="18" name="Group 17">
-            <a:extLst>
-              <a:ext uri="{FF2B5EF4-FFF2-40B4-BE49-F238E27FC236}">
-                <a16:creationId xmlns:a16="http://schemas.microsoft.com/office/drawing/2014/main" id="{3B5E2BFA-58A7-4AB4-8451-639B1858F758}"/>
-              </a:ext>
-            </a:extLst>
-          </p:cNvPr>
-          <p:cNvGrpSpPr/>
-          <p:nvPr/>
-        </p:nvGrpSpPr>
-        <p:grpSpPr>
-          <a:xfrm>
-            <a:off x="10156161" y="1759055"/>
-            <a:ext cx="1684588" cy="1112522"/>
-            <a:chOff x="3284310" y="5592929"/>
-            <a:chExt cx="1684588" cy="1112522"/>
-          </a:xfrm>
-        </p:grpSpPr>
-        <p:pic>
-          <p:nvPicPr>
-            <p:cNvPr id="11" name="Picture 10">
-              <a:extLst>
-                <a:ext uri="{FF2B5EF4-FFF2-40B4-BE49-F238E27FC236}">
-                  <a16:creationId xmlns:a16="http://schemas.microsoft.com/office/drawing/2014/main" id="{0955F384-5AB7-478B-8DB0-14572A91BD2D}"/>
-                </a:ext>
-              </a:extLst>
-            </p:cNvPr>
-            <p:cNvPicPr>
-              <a:picLocks noChangeAspect="1"/>
-            </p:cNvPicPr>
-            <p:nvPr/>
-          </p:nvPicPr>
-          <p:blipFill>
-            <a:blip r:embed="rId3"/>
-            <a:stretch>
-              <a:fillRect/>
-            </a:stretch>
-          </p:blipFill>
-          <p:spPr>
-            <a:xfrm>
-              <a:off x="3355580" y="5677239"/>
-              <a:ext cx="1613318" cy="1028212"/>
-            </a:xfrm>
-            <a:prstGeom prst="rect">
-              <a:avLst/>
-            </a:prstGeom>
-          </p:spPr>
-        </p:pic>
-        <p:sp>
-          <p:nvSpPr>
-            <p:cNvPr id="13" name="Rectangle 12">
-              <a:extLst>
-                <a:ext uri="{FF2B5EF4-FFF2-40B4-BE49-F238E27FC236}">
-                  <a16:creationId xmlns:a16="http://schemas.microsoft.com/office/drawing/2014/main" id="{91D6BFE9-4D61-465C-ACB3-7CFFC36A6273}"/>
-                </a:ext>
-              </a:extLst>
-            </p:cNvPr>
-            <p:cNvSpPr/>
-            <p:nvPr/>
-          </p:nvSpPr>
-          <p:spPr>
-            <a:xfrm>
-              <a:off x="3284310" y="5592929"/>
-              <a:ext cx="1501629" cy="968179"/>
-            </a:xfrm>
-            <a:prstGeom prst="rect">
-              <a:avLst/>
-            </a:prstGeom>
-            <a:noFill/>
-          </p:spPr>
-          <p:style>
-            <a:lnRef idx="2">
-              <a:schemeClr val="dk1"/>
-            </a:lnRef>
-            <a:fillRef idx="1">
-              <a:schemeClr val="lt1"/>
-            </a:fillRef>
-            <a:effectRef idx="0">
-              <a:schemeClr val="dk1"/>
-            </a:effectRef>
-            <a:fontRef idx="minor">
-              <a:schemeClr val="dk1"/>
-            </a:fontRef>
-          </p:style>
-          <p:txBody>
-            <a:bodyPr rtlCol="0" anchor="ctr"/>
-            <a:lstStyle/>
-            <a:p>
-              <a:pPr algn="ctr"/>
-              <a:endParaRPr lang="en-US"/>
-            </a:p>
-          </p:txBody>
-        </p:sp>
-      </p:grpSp>
-      <p:grpSp>
-        <p:nvGrpSpPr>
-          <p:cNvPr id="22" name="Group 21">
-            <a:extLst>
-              <a:ext uri="{FF2B5EF4-FFF2-40B4-BE49-F238E27FC236}">
-                <a16:creationId xmlns:a16="http://schemas.microsoft.com/office/drawing/2014/main" id="{94E9A7F0-CEBE-48C0-94DE-C9CC20081A64}"/>
-              </a:ext>
-            </a:extLst>
-          </p:cNvPr>
-          <p:cNvGrpSpPr/>
-          <p:nvPr/>
-        </p:nvGrpSpPr>
-        <p:grpSpPr>
-          <a:xfrm>
-            <a:off x="9942374" y="3238894"/>
-            <a:ext cx="1951362" cy="1418391"/>
-            <a:chOff x="6844536" y="5592929"/>
-            <a:chExt cx="1951362" cy="1418391"/>
-          </a:xfrm>
-        </p:grpSpPr>
-        <p:pic>
-          <p:nvPicPr>
-            <p:cNvPr id="9" name="Picture 8">
-              <a:extLst>
-                <a:ext uri="{FF2B5EF4-FFF2-40B4-BE49-F238E27FC236}">
-                  <a16:creationId xmlns:a16="http://schemas.microsoft.com/office/drawing/2014/main" id="{8AFAB779-7A04-49C2-A8B5-DA09DF394475}"/>
-                </a:ext>
-              </a:extLst>
-            </p:cNvPr>
-            <p:cNvPicPr>
-              <a:picLocks noChangeAspect="1"/>
-            </p:cNvPicPr>
-            <p:nvPr/>
-          </p:nvPicPr>
-          <p:blipFill>
-            <a:blip r:embed="rId4"/>
-            <a:stretch>
-              <a:fillRect/>
-            </a:stretch>
-          </p:blipFill>
-          <p:spPr>
-            <a:xfrm>
-              <a:off x="6844536" y="5592929"/>
-              <a:ext cx="1951362" cy="1418391"/>
-            </a:xfrm>
-            <a:prstGeom prst="rect">
-              <a:avLst/>
-            </a:prstGeom>
-          </p:spPr>
-        </p:pic>
-        <p:sp>
-          <p:nvSpPr>
-            <p:cNvPr id="14" name="Rectangle 13">
-              <a:extLst>
-                <a:ext uri="{FF2B5EF4-FFF2-40B4-BE49-F238E27FC236}">
-                  <a16:creationId xmlns:a16="http://schemas.microsoft.com/office/drawing/2014/main" id="{1009163D-A13F-4B3F-90F5-A97250BF0898}"/>
-                </a:ext>
-              </a:extLst>
-            </p:cNvPr>
-            <p:cNvSpPr/>
-            <p:nvPr/>
-          </p:nvSpPr>
-          <p:spPr>
-            <a:xfrm>
-              <a:off x="7069403" y="5604993"/>
-              <a:ext cx="1501629" cy="968179"/>
-            </a:xfrm>
-            <a:prstGeom prst="rect">
-              <a:avLst/>
-            </a:prstGeom>
-            <a:noFill/>
-          </p:spPr>
-          <p:style>
-            <a:lnRef idx="2">
-              <a:schemeClr val="dk1"/>
-            </a:lnRef>
-            <a:fillRef idx="1">
-              <a:schemeClr val="lt1"/>
-            </a:fillRef>
-            <a:effectRef idx="0">
-              <a:schemeClr val="dk1"/>
-            </a:effectRef>
-            <a:fontRef idx="minor">
-              <a:schemeClr val="dk1"/>
-            </a:fontRef>
-          </p:style>
-          <p:txBody>
-            <a:bodyPr rtlCol="0" anchor="ctr"/>
-            <a:lstStyle/>
-            <a:p>
-              <a:pPr algn="ctr"/>
-              <a:endParaRPr lang="en-US"/>
-            </a:p>
-          </p:txBody>
-        </p:sp>
-      </p:grpSp>
-      <p:grpSp>
-        <p:nvGrpSpPr>
-          <p:cNvPr id="4" name="Group 3">
-            <a:extLst>
-              <a:ext uri="{FF2B5EF4-FFF2-40B4-BE49-F238E27FC236}">
-                <a16:creationId xmlns:a16="http://schemas.microsoft.com/office/drawing/2014/main" id="{157B25DC-1BFD-4BAC-A607-1AABCB1B54A1}"/>
-              </a:ext>
-            </a:extLst>
-          </p:cNvPr>
-          <p:cNvGrpSpPr/>
-          <p:nvPr/>
-        </p:nvGrpSpPr>
-        <p:grpSpPr>
-          <a:xfrm>
-            <a:off x="5114199" y="2493767"/>
-            <a:ext cx="1501629" cy="1054398"/>
-            <a:chOff x="819618" y="3498113"/>
-            <a:chExt cx="1501629" cy="1054398"/>
-          </a:xfrm>
-        </p:grpSpPr>
-        <p:pic>
-          <p:nvPicPr>
-            <p:cNvPr id="8" name="Picture 7">
-              <a:extLst>
-                <a:ext uri="{FF2B5EF4-FFF2-40B4-BE49-F238E27FC236}">
-                  <a16:creationId xmlns:a16="http://schemas.microsoft.com/office/drawing/2014/main" id="{4714E367-224B-4A53-9420-FA6D3677D1F5}"/>
-                </a:ext>
-              </a:extLst>
-            </p:cNvPr>
-            <p:cNvPicPr>
-              <a:picLocks noChangeAspect="1"/>
-            </p:cNvPicPr>
-            <p:nvPr/>
-          </p:nvPicPr>
-          <p:blipFill>
-            <a:blip r:embed="rId5"/>
-            <a:stretch>
-              <a:fillRect/>
-            </a:stretch>
-          </p:blipFill>
-          <p:spPr>
-            <a:xfrm>
-              <a:off x="904810" y="3584332"/>
-              <a:ext cx="1331246" cy="968179"/>
-            </a:xfrm>
-            <a:prstGeom prst="rect">
-              <a:avLst/>
-            </a:prstGeom>
-          </p:spPr>
-        </p:pic>
-        <p:sp>
-          <p:nvSpPr>
-            <p:cNvPr id="15" name="Rectangle 14">
-              <a:extLst>
-                <a:ext uri="{FF2B5EF4-FFF2-40B4-BE49-F238E27FC236}">
-                  <a16:creationId xmlns:a16="http://schemas.microsoft.com/office/drawing/2014/main" id="{2A21F933-56CC-4D2D-8FE8-124DFD62AFF4}"/>
-                </a:ext>
-              </a:extLst>
-            </p:cNvPr>
-            <p:cNvSpPr/>
-            <p:nvPr/>
-          </p:nvSpPr>
-          <p:spPr>
-            <a:xfrm>
-              <a:off x="819618" y="3498113"/>
-              <a:ext cx="1501629" cy="968179"/>
-            </a:xfrm>
-            <a:prstGeom prst="rect">
-              <a:avLst/>
-            </a:prstGeom>
-            <a:noFill/>
-          </p:spPr>
-          <p:style>
-            <a:lnRef idx="2">
-              <a:schemeClr val="dk1"/>
-            </a:lnRef>
-            <a:fillRef idx="1">
-              <a:schemeClr val="lt1"/>
-            </a:fillRef>
-            <a:effectRef idx="0">
-              <a:schemeClr val="dk1"/>
-            </a:effectRef>
-            <a:fontRef idx="minor">
-              <a:schemeClr val="dk1"/>
-            </a:fontRef>
-          </p:style>
-          <p:txBody>
-            <a:bodyPr rtlCol="0" anchor="ctr"/>
-            <a:lstStyle/>
-            <a:p>
-              <a:pPr algn="ctr"/>
-              <a:endParaRPr lang="en-US"/>
-            </a:p>
-          </p:txBody>
-        </p:sp>
-      </p:grpSp>
-      <p:grpSp>
-        <p:nvGrpSpPr>
-          <p:cNvPr id="3" name="Group 2">
-            <a:extLst>
-              <a:ext uri="{FF2B5EF4-FFF2-40B4-BE49-F238E27FC236}">
-                <a16:creationId xmlns:a16="http://schemas.microsoft.com/office/drawing/2014/main" id="{2FCB5F83-B8E2-4EE1-825A-0C4E75D09752}"/>
-              </a:ext>
-            </a:extLst>
-          </p:cNvPr>
-          <p:cNvGrpSpPr/>
-          <p:nvPr/>
-        </p:nvGrpSpPr>
-        <p:grpSpPr>
-          <a:xfrm>
-            <a:off x="2554550" y="2427105"/>
-            <a:ext cx="2229285" cy="1520984"/>
-            <a:chOff x="443349" y="2046570"/>
-            <a:chExt cx="2229285" cy="1520984"/>
-          </a:xfrm>
-        </p:grpSpPr>
-        <p:pic>
-          <p:nvPicPr>
-            <p:cNvPr id="7" name="Picture 6">
-              <a:extLst>
-                <a:ext uri="{FF2B5EF4-FFF2-40B4-BE49-F238E27FC236}">
-                  <a16:creationId xmlns:a16="http://schemas.microsoft.com/office/drawing/2014/main" id="{75585897-2B3F-4C34-959D-35795515FEAC}"/>
-                </a:ext>
-              </a:extLst>
-            </p:cNvPr>
-            <p:cNvPicPr>
-              <a:picLocks noChangeAspect="1"/>
-            </p:cNvPicPr>
-            <p:nvPr/>
-          </p:nvPicPr>
-          <p:blipFill>
-            <a:blip r:embed="rId6"/>
-            <a:stretch>
-              <a:fillRect/>
-            </a:stretch>
-          </p:blipFill>
-          <p:spPr>
-            <a:xfrm>
-              <a:off x="443349" y="2046570"/>
-              <a:ext cx="2229285" cy="1520984"/>
-            </a:xfrm>
-            <a:prstGeom prst="rect">
-              <a:avLst/>
-            </a:prstGeom>
-          </p:spPr>
-        </p:pic>
-        <p:sp>
-          <p:nvSpPr>
-            <p:cNvPr id="16" name="Rectangle 15">
-              <a:extLst>
-                <a:ext uri="{FF2B5EF4-FFF2-40B4-BE49-F238E27FC236}">
-                  <a16:creationId xmlns:a16="http://schemas.microsoft.com/office/drawing/2014/main" id="{5E82EE6F-7971-40D5-9D07-20A8F51CBCD8}"/>
-                </a:ext>
-              </a:extLst>
-            </p:cNvPr>
-            <p:cNvSpPr/>
-            <p:nvPr/>
-          </p:nvSpPr>
-          <p:spPr>
-            <a:xfrm>
-              <a:off x="814025" y="2127233"/>
-              <a:ext cx="1501629" cy="968179"/>
-            </a:xfrm>
-            <a:prstGeom prst="rect">
-              <a:avLst/>
-            </a:prstGeom>
-            <a:noFill/>
-          </p:spPr>
-          <p:style>
-            <a:lnRef idx="2">
-              <a:schemeClr val="dk1"/>
-            </a:lnRef>
-            <a:fillRef idx="1">
-              <a:schemeClr val="lt1"/>
-            </a:fillRef>
-            <a:effectRef idx="0">
-              <a:schemeClr val="dk1"/>
-            </a:effectRef>
-            <a:fontRef idx="minor">
-              <a:schemeClr val="dk1"/>
-            </a:fontRef>
-          </p:style>
-          <p:txBody>
-            <a:bodyPr rtlCol="0" anchor="ctr"/>
-            <a:lstStyle/>
-            <a:p>
-              <a:pPr algn="ctr"/>
-              <a:endParaRPr lang="en-US"/>
-            </a:p>
-          </p:txBody>
-        </p:sp>
-      </p:grpSp>
-      <p:grpSp>
-        <p:nvGrpSpPr>
-          <p:cNvPr id="2" name="Group 1">
-            <a:extLst>
-              <a:ext uri="{FF2B5EF4-FFF2-40B4-BE49-F238E27FC236}">
-                <a16:creationId xmlns:a16="http://schemas.microsoft.com/office/drawing/2014/main" id="{0BC4D81D-9D29-428F-85C6-25EC76765B9B}"/>
-              </a:ext>
-            </a:extLst>
-          </p:cNvPr>
-          <p:cNvGrpSpPr/>
-          <p:nvPr/>
-        </p:nvGrpSpPr>
-        <p:grpSpPr>
-          <a:xfrm>
-            <a:off x="493489" y="2318005"/>
-            <a:ext cx="2000323" cy="1276567"/>
-            <a:chOff x="564677" y="620001"/>
-            <a:chExt cx="2000323" cy="1276567"/>
-          </a:xfrm>
-        </p:grpSpPr>
-        <p:pic>
-          <p:nvPicPr>
-            <p:cNvPr id="6" name="Picture 5">
-              <a:extLst>
-                <a:ext uri="{FF2B5EF4-FFF2-40B4-BE49-F238E27FC236}">
-                  <a16:creationId xmlns:a16="http://schemas.microsoft.com/office/drawing/2014/main" id="{AA840E72-F83F-4351-AF50-669259CA4E98}"/>
-                </a:ext>
-              </a:extLst>
-            </p:cNvPr>
-            <p:cNvPicPr>
-              <a:picLocks noChangeAspect="1"/>
-            </p:cNvPicPr>
-            <p:nvPr/>
-          </p:nvPicPr>
-          <p:blipFill>
-            <a:blip r:embed="rId7"/>
-            <a:stretch>
-              <a:fillRect/>
-            </a:stretch>
-          </p:blipFill>
-          <p:spPr>
-            <a:xfrm>
-              <a:off x="564677" y="620001"/>
-              <a:ext cx="2000323" cy="1276567"/>
-            </a:xfrm>
-            <a:prstGeom prst="rect">
-              <a:avLst/>
-            </a:prstGeom>
-          </p:spPr>
-        </p:pic>
-        <p:sp>
-          <p:nvSpPr>
-            <p:cNvPr id="17" name="Rectangle 16">
-              <a:extLst>
-                <a:ext uri="{FF2B5EF4-FFF2-40B4-BE49-F238E27FC236}">
-                  <a16:creationId xmlns:a16="http://schemas.microsoft.com/office/drawing/2014/main" id="{C9A441F6-E852-43C3-B9C1-09E01A68B909}"/>
-                </a:ext>
-              </a:extLst>
-            </p:cNvPr>
-            <p:cNvSpPr/>
-            <p:nvPr/>
-          </p:nvSpPr>
-          <p:spPr>
-            <a:xfrm>
-              <a:off x="814026" y="783215"/>
-              <a:ext cx="1501629" cy="968179"/>
-            </a:xfrm>
-            <a:prstGeom prst="rect">
-              <a:avLst/>
-            </a:prstGeom>
-            <a:noFill/>
-          </p:spPr>
-          <p:style>
-            <a:lnRef idx="2">
-              <a:schemeClr val="dk1"/>
-            </a:lnRef>
-            <a:fillRef idx="1">
-              <a:schemeClr val="lt1"/>
-            </a:fillRef>
-            <a:effectRef idx="0">
-              <a:schemeClr val="dk1"/>
-            </a:effectRef>
-            <a:fontRef idx="minor">
-              <a:schemeClr val="dk1"/>
-            </a:fontRef>
-          </p:style>
-          <p:txBody>
-            <a:bodyPr rtlCol="0" anchor="ctr"/>
-            <a:lstStyle/>
-            <a:p>
-              <a:pPr algn="ctr"/>
-              <a:endParaRPr lang="en-US"/>
-            </a:p>
-          </p:txBody>
-        </p:sp>
-      </p:grpSp>
-      <p:cxnSp>
-        <p:nvCxnSpPr>
-          <p:cNvPr id="21" name="Straight Arrow Connector 20">
-            <a:extLst>
-              <a:ext uri="{FF2B5EF4-FFF2-40B4-BE49-F238E27FC236}">
-                <a16:creationId xmlns:a16="http://schemas.microsoft.com/office/drawing/2014/main" id="{B0F73E94-7F76-462A-B87E-FBC53AA5BD72}"/>
-              </a:ext>
-            </a:extLst>
-          </p:cNvPr>
-          <p:cNvCxnSpPr>
-            <a:cxnSpLocks/>
-          </p:cNvCxnSpPr>
-          <p:nvPr/>
-        </p:nvCxnSpPr>
-        <p:spPr>
-          <a:xfrm>
-            <a:off x="4427142" y="2951187"/>
-            <a:ext cx="682595" cy="10205"/>
-          </a:xfrm>
-          <a:prstGeom prst="straightConnector1">
-            <a:avLst/>
-          </a:prstGeom>
-          <a:ln>
-            <a:tailEnd type="triangle"/>
-          </a:ln>
-        </p:spPr>
-        <p:style>
-          <a:lnRef idx="1">
-            <a:schemeClr val="dk1"/>
-          </a:lnRef>
-          <a:fillRef idx="0">
-            <a:schemeClr val="dk1"/>
-          </a:fillRef>
-          <a:effectRef idx="0">
-            <a:schemeClr val="dk1"/>
-          </a:effectRef>
-          <a:fontRef idx="minor">
-            <a:schemeClr val="tx1"/>
-          </a:fontRef>
-        </p:style>
-      </p:cxnSp>
-      <p:cxnSp>
-        <p:nvCxnSpPr>
-          <p:cNvPr id="27" name="Straight Arrow Connector 26">
-            <a:extLst>
-              <a:ext uri="{FF2B5EF4-FFF2-40B4-BE49-F238E27FC236}">
-                <a16:creationId xmlns:a16="http://schemas.microsoft.com/office/drawing/2014/main" id="{324F4D78-734C-4934-8276-5DFEE448A779}"/>
-              </a:ext>
-            </a:extLst>
-          </p:cNvPr>
-          <p:cNvCxnSpPr>
-            <a:cxnSpLocks/>
-            <a:stCxn id="12" idx="3"/>
-          </p:cNvCxnSpPr>
-          <p:nvPr/>
-        </p:nvCxnSpPr>
-        <p:spPr>
-          <a:xfrm flipV="1">
-            <a:off x="8808381" y="2729505"/>
-            <a:ext cx="1339451" cy="215636"/>
-          </a:xfrm>
-          <a:prstGeom prst="straightConnector1">
-            <a:avLst/>
-          </a:prstGeom>
-          <a:ln>
-            <a:tailEnd type="triangle"/>
-          </a:ln>
-        </p:spPr>
-        <p:style>
-          <a:lnRef idx="1">
-            <a:schemeClr val="dk1"/>
-          </a:lnRef>
-          <a:fillRef idx="0">
-            <a:schemeClr val="dk1"/>
-          </a:fillRef>
-          <a:effectRef idx="0">
-            <a:schemeClr val="dk1"/>
-          </a:effectRef>
-          <a:fontRef idx="minor">
-            <a:schemeClr val="tx1"/>
-          </a:fontRef>
-        </p:style>
-      </p:cxnSp>
-      <p:cxnSp>
-        <p:nvCxnSpPr>
-          <p:cNvPr id="29" name="Straight Arrow Connector 28">
-            <a:extLst>
-              <a:ext uri="{FF2B5EF4-FFF2-40B4-BE49-F238E27FC236}">
-                <a16:creationId xmlns:a16="http://schemas.microsoft.com/office/drawing/2014/main" id="{6B8440F2-7C89-4329-9DC3-C9AE6FEBB671}"/>
-              </a:ext>
-            </a:extLst>
-          </p:cNvPr>
-          <p:cNvCxnSpPr>
-            <a:cxnSpLocks/>
-            <a:stCxn id="12" idx="3"/>
-          </p:cNvCxnSpPr>
-          <p:nvPr/>
-        </p:nvCxnSpPr>
-        <p:spPr>
-          <a:xfrm>
-            <a:off x="8808381" y="2945141"/>
-            <a:ext cx="1347780" cy="305817"/>
-          </a:xfrm>
-          <a:prstGeom prst="straightConnector1">
-            <a:avLst/>
-          </a:prstGeom>
-          <a:ln>
-            <a:tailEnd type="triangle"/>
-          </a:ln>
-        </p:spPr>
-        <p:style>
-          <a:lnRef idx="1">
-            <a:schemeClr val="dk1"/>
-          </a:lnRef>
-          <a:fillRef idx="0">
-            <a:schemeClr val="dk1"/>
-          </a:fillRef>
-          <a:effectRef idx="0">
-            <a:schemeClr val="dk1"/>
-          </a:effectRef>
-          <a:fontRef idx="minor">
-            <a:schemeClr val="tx1"/>
-          </a:fontRef>
-        </p:style>
-      </p:cxnSp>
-      <p:sp>
-        <p:nvSpPr>
-          <p:cNvPr id="33" name="TextBox 32">
-            <a:extLst>
-              <a:ext uri="{FF2B5EF4-FFF2-40B4-BE49-F238E27FC236}">
-                <a16:creationId xmlns:a16="http://schemas.microsoft.com/office/drawing/2014/main" id="{B56234AB-11C5-4629-8964-8A804F36BC14}"/>
-              </a:ext>
-            </a:extLst>
-          </p:cNvPr>
-          <p:cNvSpPr txBox="1"/>
-          <p:nvPr/>
-        </p:nvSpPr>
-        <p:spPr>
-          <a:xfrm rot="755005">
-            <a:off x="9217680" y="3029363"/>
-            <a:ext cx="584968" cy="276999"/>
-          </a:xfrm>
-          <a:prstGeom prst="rect">
-            <a:avLst/>
-          </a:prstGeom>
-          <a:noFill/>
-        </p:spPr>
-        <p:txBody>
-          <a:bodyPr wrap="none" rtlCol="0">
-            <a:spAutoFit/>
-          </a:bodyPr>
-          <a:lstStyle/>
-          <a:p>
-            <a:r>
-              <a:rPr lang="en-US" sz="1200" dirty="0"/>
-              <a:t>Ignore</a:t>
-            </a:r>
-            <a:endParaRPr lang="en-US" sz="1400" dirty="0"/>
-          </a:p>
-        </p:txBody>
-      </p:sp>
-      <p:sp>
-        <p:nvSpPr>
-          <p:cNvPr id="34" name="TextBox 33">
-            <a:extLst>
-              <a:ext uri="{FF2B5EF4-FFF2-40B4-BE49-F238E27FC236}">
-                <a16:creationId xmlns:a16="http://schemas.microsoft.com/office/drawing/2014/main" id="{565F2AB6-63F7-49B2-8E59-88D14E533943}"/>
-              </a:ext>
-            </a:extLst>
-          </p:cNvPr>
-          <p:cNvSpPr txBox="1"/>
-          <p:nvPr/>
-        </p:nvSpPr>
-        <p:spPr>
-          <a:xfrm rot="21007395">
-            <a:off x="9115205" y="2588734"/>
-            <a:ext cx="671979" cy="276999"/>
-          </a:xfrm>
-          <a:prstGeom prst="rect">
-            <a:avLst/>
-          </a:prstGeom>
-          <a:noFill/>
-        </p:spPr>
-        <p:txBody>
-          <a:bodyPr wrap="none" rtlCol="0">
-            <a:spAutoFit/>
-          </a:bodyPr>
-          <a:lstStyle/>
-          <a:p>
-            <a:r>
-              <a:rPr lang="en-US" sz="1200" dirty="0"/>
-              <a:t>Gamble</a:t>
-            </a:r>
-            <a:endParaRPr lang="en-US" sz="1400" dirty="0"/>
-          </a:p>
-        </p:txBody>
-      </p:sp>
-      <p:cxnSp>
-        <p:nvCxnSpPr>
-          <p:cNvPr id="44" name="Straight Arrow Connector 43">
-            <a:extLst>
-              <a:ext uri="{FF2B5EF4-FFF2-40B4-BE49-F238E27FC236}">
-                <a16:creationId xmlns:a16="http://schemas.microsoft.com/office/drawing/2014/main" id="{57D6068C-F722-4B6A-AE65-582A46C53A11}"/>
-              </a:ext>
-            </a:extLst>
-          </p:cNvPr>
-          <p:cNvCxnSpPr>
-            <a:cxnSpLocks/>
-          </p:cNvCxnSpPr>
-          <p:nvPr/>
-        </p:nvCxnSpPr>
-        <p:spPr>
-          <a:xfrm>
-            <a:off x="6619992" y="2958763"/>
-            <a:ext cx="682595" cy="10205"/>
-          </a:xfrm>
-          <a:prstGeom prst="straightConnector1">
-            <a:avLst/>
-          </a:prstGeom>
-          <a:ln>
-            <a:tailEnd type="triangle"/>
-          </a:ln>
-        </p:spPr>
-        <p:style>
-          <a:lnRef idx="1">
-            <a:schemeClr val="dk1"/>
-          </a:lnRef>
-          <a:fillRef idx="0">
-            <a:schemeClr val="dk1"/>
-          </a:fillRef>
-          <a:effectRef idx="0">
-            <a:schemeClr val="dk1"/>
-          </a:effectRef>
-          <a:fontRef idx="minor">
-            <a:schemeClr val="tx1"/>
-          </a:fontRef>
-        </p:style>
-      </p:cxnSp>
-      <p:cxnSp>
-        <p:nvCxnSpPr>
-          <p:cNvPr id="45" name="Straight Arrow Connector 44">
-            <a:extLst>
-              <a:ext uri="{FF2B5EF4-FFF2-40B4-BE49-F238E27FC236}">
-                <a16:creationId xmlns:a16="http://schemas.microsoft.com/office/drawing/2014/main" id="{B0D1215B-3AC8-425E-B32D-47BDC821471A}"/>
-              </a:ext>
-            </a:extLst>
-          </p:cNvPr>
-          <p:cNvCxnSpPr>
-            <a:cxnSpLocks/>
-          </p:cNvCxnSpPr>
-          <p:nvPr/>
-        </p:nvCxnSpPr>
-        <p:spPr>
-          <a:xfrm>
-            <a:off x="2238466" y="2961501"/>
-            <a:ext cx="682595" cy="10205"/>
-          </a:xfrm>
-          <a:prstGeom prst="straightConnector1">
-            <a:avLst/>
-          </a:prstGeom>
-          <a:ln>
-            <a:tailEnd type="triangle"/>
-          </a:ln>
-        </p:spPr>
-        <p:style>
-          <a:lnRef idx="1">
-            <a:schemeClr val="dk1"/>
-          </a:lnRef>
-          <a:fillRef idx="0">
-            <a:schemeClr val="dk1"/>
-          </a:fillRef>
-          <a:effectRef idx="0">
-            <a:schemeClr val="dk1"/>
-          </a:effectRef>
-          <a:fontRef idx="minor">
-            <a:schemeClr val="tx1"/>
-          </a:fontRef>
-        </p:style>
-      </p:cxnSp>
-    </p:spTree>
-    <p:extLst>
-      <p:ext uri="{BB962C8B-B14F-4D97-AF65-F5344CB8AC3E}">
-        <p14:creationId xmlns:p14="http://schemas.microsoft.com/office/powerpoint/2010/main" val="26083981"/>
-      </p:ext>
-    </p:extLst>
-  </p:cSld>
-  <p:clrMapOvr>
-    <a:masterClrMapping/>
-  </p:clrMapOvr>
-</p:sld>
-</file>
-
-<file path=ppt/slides/slide24.xml><?xml version="1.0" encoding="utf-8"?>
-<p:sld xmlns:a="http://schemas.openxmlformats.org/drawingml/2006/main" xmlns:r="http://schemas.openxmlformats.org/officeDocument/2006/relationships" xmlns:p="http://schemas.openxmlformats.org/presentationml/2006/main">
-  <p:cSld>
-    <p:spTree>
-      <p:nvGrpSpPr>
-        <p:cNvPr id="1" name=""/>
-        <p:cNvGrpSpPr/>
-        <p:nvPr/>
-      </p:nvGrpSpPr>
-      <p:grpSpPr>
-        <a:xfrm>
-          <a:off x="0" y="0"/>
-          <a:ext cx="0" cy="0"/>
-          <a:chOff x="0" y="0"/>
-          <a:chExt cx="0" cy="0"/>
-        </a:xfrm>
-      </p:grpSpPr>
       <p:pic>
         <p:nvPicPr>
           <p:cNvPr id="5" name="Picture 4">
             <a:extLst>
               <a:ext uri="{FF2B5EF4-FFF2-40B4-BE49-F238E27FC236}">
-                <a16:creationId xmlns:a16="http://schemas.microsoft.com/office/drawing/2014/main" id="{4643E5DB-12D6-4E8B-930E-3F8961F8271D}"/>
+                <a16:creationId xmlns:a16="http://schemas.microsoft.com/office/drawing/2014/main" id="{4C4CD5CA-58E3-492D-8E16-E4A9FCEAB143}"/>
               </a:ext>
             </a:extLst>
           </p:cNvPr>
@@ -8088,1274 +6221,8 @@
         </p:blipFill>
         <p:spPr>
           <a:xfrm>
-            <a:off x="5785160" y="168550"/>
-            <a:ext cx="3656143" cy="2639234"/>
-          </a:xfrm>
-          <a:prstGeom prst="rect">
-            <a:avLst/>
-          </a:prstGeom>
-        </p:spPr>
-      </p:pic>
-      <p:pic>
-        <p:nvPicPr>
-          <p:cNvPr id="6" name="Picture 5">
-            <a:extLst>
-              <a:ext uri="{FF2B5EF4-FFF2-40B4-BE49-F238E27FC236}">
-                <a16:creationId xmlns:a16="http://schemas.microsoft.com/office/drawing/2014/main" id="{023D9B60-F4EE-4DB3-BEEF-19AC477FCC25}"/>
-              </a:ext>
-            </a:extLst>
-          </p:cNvPr>
-          <p:cNvPicPr>
-            <a:picLocks noChangeAspect="1"/>
-          </p:cNvPicPr>
-          <p:nvPr/>
-        </p:nvPicPr>
-        <p:blipFill>
-          <a:blip r:embed="rId3"/>
-          <a:stretch>
-            <a:fillRect/>
-          </a:stretch>
-        </p:blipFill>
-        <p:spPr>
-          <a:xfrm>
-            <a:off x="1257550" y="168550"/>
-            <a:ext cx="3656143" cy="2639234"/>
-          </a:xfrm>
-          <a:prstGeom prst="rect">
-            <a:avLst/>
-          </a:prstGeom>
-        </p:spPr>
-      </p:pic>
-      <p:pic>
-        <p:nvPicPr>
-          <p:cNvPr id="7" name="Picture 6">
-            <a:extLst>
-              <a:ext uri="{FF2B5EF4-FFF2-40B4-BE49-F238E27FC236}">
-                <a16:creationId xmlns:a16="http://schemas.microsoft.com/office/drawing/2014/main" id="{C89170B8-3F6B-4C8B-9436-BAEB9D931C78}"/>
-              </a:ext>
-            </a:extLst>
-          </p:cNvPr>
-          <p:cNvPicPr>
-            <a:picLocks noChangeAspect="1"/>
-          </p:cNvPicPr>
-          <p:nvPr/>
-        </p:nvPicPr>
-        <p:blipFill>
-          <a:blip r:embed="rId4"/>
-          <a:stretch>
-            <a:fillRect/>
-          </a:stretch>
-        </p:blipFill>
-        <p:spPr>
-          <a:xfrm>
-            <a:off x="840268" y="2807784"/>
-            <a:ext cx="2986293" cy="2155694"/>
-          </a:xfrm>
-          <a:prstGeom prst="rect">
-            <a:avLst/>
-          </a:prstGeom>
-        </p:spPr>
-      </p:pic>
-      <p:pic>
-        <p:nvPicPr>
-          <p:cNvPr id="8" name="Picture 7">
-            <a:extLst>
-              <a:ext uri="{FF2B5EF4-FFF2-40B4-BE49-F238E27FC236}">
-                <a16:creationId xmlns:a16="http://schemas.microsoft.com/office/drawing/2014/main" id="{8242C345-E8F1-44E9-ADCF-78A245F49099}"/>
-              </a:ext>
-            </a:extLst>
-          </p:cNvPr>
-          <p:cNvPicPr>
-            <a:picLocks noChangeAspect="1"/>
-          </p:cNvPicPr>
-          <p:nvPr/>
-        </p:nvPicPr>
-        <p:blipFill>
-          <a:blip r:embed="rId5"/>
-          <a:stretch>
-            <a:fillRect/>
-          </a:stretch>
-        </p:blipFill>
-        <p:spPr>
-          <a:xfrm>
-            <a:off x="7894586" y="2807784"/>
-            <a:ext cx="2986293" cy="2155694"/>
-          </a:xfrm>
-          <a:prstGeom prst="rect">
-            <a:avLst/>
-          </a:prstGeom>
-        </p:spPr>
-      </p:pic>
-      <p:pic>
-        <p:nvPicPr>
-          <p:cNvPr id="9" name="Picture 8">
-            <a:extLst>
-              <a:ext uri="{FF2B5EF4-FFF2-40B4-BE49-F238E27FC236}">
-                <a16:creationId xmlns:a16="http://schemas.microsoft.com/office/drawing/2014/main" id="{0EAAF632-B5F3-43B4-B90F-E833BF4D2427}"/>
-              </a:ext>
-            </a:extLst>
-          </p:cNvPr>
-          <p:cNvPicPr>
-            <a:picLocks noChangeAspect="1"/>
-          </p:cNvPicPr>
-          <p:nvPr/>
-        </p:nvPicPr>
-        <p:blipFill>
-          <a:blip r:embed="rId6"/>
-          <a:stretch>
-            <a:fillRect/>
-          </a:stretch>
-        </p:blipFill>
-        <p:spPr>
-          <a:xfrm>
-            <a:off x="4169579" y="4147128"/>
-            <a:ext cx="3231161" cy="2332455"/>
-          </a:xfrm>
-          <a:prstGeom prst="rect">
-            <a:avLst/>
-          </a:prstGeom>
-        </p:spPr>
-      </p:pic>
-    </p:spTree>
-    <p:extLst>
-      <p:ext uri="{BB962C8B-B14F-4D97-AF65-F5344CB8AC3E}">
-        <p14:creationId xmlns:p14="http://schemas.microsoft.com/office/powerpoint/2010/main" val="3543163336"/>
-      </p:ext>
-    </p:extLst>
-  </p:cSld>
-  <p:clrMapOvr>
-    <a:masterClrMapping/>
-  </p:clrMapOvr>
-</p:sld>
-</file>
-
-<file path=ppt/slides/slide25.xml><?xml version="1.0" encoding="utf-8"?>
-<p:sld xmlns:a="http://schemas.openxmlformats.org/drawingml/2006/main" xmlns:r="http://schemas.openxmlformats.org/officeDocument/2006/relationships" xmlns:p="http://schemas.openxmlformats.org/presentationml/2006/main">
-  <p:cSld>
-    <p:spTree>
-      <p:nvGrpSpPr>
-        <p:cNvPr id="1" name=""/>
-        <p:cNvGrpSpPr/>
-        <p:nvPr/>
-      </p:nvGrpSpPr>
-      <p:grpSpPr>
-        <a:xfrm>
-          <a:off x="0" y="0"/>
-          <a:ext cx="0" cy="0"/>
-          <a:chOff x="0" y="0"/>
-          <a:chExt cx="0" cy="0"/>
-        </a:xfrm>
-      </p:grpSpPr>
-      <p:sp>
-        <p:nvSpPr>
-          <p:cNvPr id="5" name="TextBox 4">
-            <a:extLst>
-              <a:ext uri="{FF2B5EF4-FFF2-40B4-BE49-F238E27FC236}">
-                <a16:creationId xmlns:a16="http://schemas.microsoft.com/office/drawing/2014/main" id="{B2AEFC80-A8E7-4716-838A-99F2DC092252}"/>
-              </a:ext>
-            </a:extLst>
-          </p:cNvPr>
-          <p:cNvSpPr txBox="1"/>
-          <p:nvPr/>
-        </p:nvSpPr>
-        <p:spPr>
-          <a:xfrm flipH="1">
-            <a:off x="3774380" y="1450943"/>
-            <a:ext cx="780432" cy="369332"/>
-          </a:xfrm>
-          <a:prstGeom prst="rect">
-            <a:avLst/>
-          </a:prstGeom>
-          <a:noFill/>
-        </p:spPr>
-        <p:txBody>
-          <a:bodyPr wrap="square" rtlCol="0">
-            <a:spAutoFit/>
-          </a:bodyPr>
-          <a:lstStyle/>
-          <a:p>
-            <a:r>
-              <a:rPr lang="en-US" dirty="0"/>
-              <a:t>Low</a:t>
-            </a:r>
-          </a:p>
-        </p:txBody>
-      </p:sp>
-      <p:sp>
-        <p:nvSpPr>
-          <p:cNvPr id="6" name="TextBox 5">
-            <a:extLst>
-              <a:ext uri="{FF2B5EF4-FFF2-40B4-BE49-F238E27FC236}">
-                <a16:creationId xmlns:a16="http://schemas.microsoft.com/office/drawing/2014/main" id="{D25E95B3-038A-49C0-A169-D2789174293C}"/>
-              </a:ext>
-            </a:extLst>
-          </p:cNvPr>
-          <p:cNvSpPr txBox="1"/>
-          <p:nvPr/>
-        </p:nvSpPr>
-        <p:spPr>
-          <a:xfrm flipH="1">
-            <a:off x="3774380" y="3344935"/>
-            <a:ext cx="780432" cy="369332"/>
-          </a:xfrm>
-          <a:prstGeom prst="rect">
-            <a:avLst/>
-          </a:prstGeom>
-          <a:noFill/>
-        </p:spPr>
-        <p:txBody>
-          <a:bodyPr wrap="square" rtlCol="0">
-            <a:spAutoFit/>
-          </a:bodyPr>
-          <a:lstStyle/>
-          <a:p>
-            <a:r>
-              <a:rPr lang="en-US" dirty="0"/>
-              <a:t>Mid</a:t>
-            </a:r>
-          </a:p>
-        </p:txBody>
-      </p:sp>
-      <p:sp>
-        <p:nvSpPr>
-          <p:cNvPr id="7" name="TextBox 6">
-            <a:extLst>
-              <a:ext uri="{FF2B5EF4-FFF2-40B4-BE49-F238E27FC236}">
-                <a16:creationId xmlns:a16="http://schemas.microsoft.com/office/drawing/2014/main" id="{FBD68DEE-CC29-4C5F-9CA3-2F68FBE781C8}"/>
-              </a:ext>
-            </a:extLst>
-          </p:cNvPr>
-          <p:cNvSpPr txBox="1"/>
-          <p:nvPr/>
-        </p:nvSpPr>
-        <p:spPr>
-          <a:xfrm flipH="1">
-            <a:off x="3837447" y="5238927"/>
-            <a:ext cx="780432" cy="369332"/>
-          </a:xfrm>
-          <a:prstGeom prst="rect">
-            <a:avLst/>
-          </a:prstGeom>
-          <a:noFill/>
-        </p:spPr>
-        <p:txBody>
-          <a:bodyPr wrap="square" rtlCol="0">
-            <a:spAutoFit/>
-          </a:bodyPr>
-          <a:lstStyle/>
-          <a:p>
-            <a:r>
-              <a:rPr lang="en-US" dirty="0"/>
-              <a:t>High</a:t>
-            </a:r>
-          </a:p>
-        </p:txBody>
-      </p:sp>
-      <p:sp>
-        <p:nvSpPr>
-          <p:cNvPr id="8" name="TextBox 7">
-            <a:extLst>
-              <a:ext uri="{FF2B5EF4-FFF2-40B4-BE49-F238E27FC236}">
-                <a16:creationId xmlns:a16="http://schemas.microsoft.com/office/drawing/2014/main" id="{131F4AE3-D74F-4DB2-92C2-3995FD792572}"/>
-              </a:ext>
-            </a:extLst>
-          </p:cNvPr>
-          <p:cNvSpPr txBox="1"/>
-          <p:nvPr/>
-        </p:nvSpPr>
-        <p:spPr>
-          <a:xfrm flipH="1">
-            <a:off x="5771465" y="-13444"/>
-            <a:ext cx="780432" cy="369332"/>
-          </a:xfrm>
-          <a:prstGeom prst="rect">
-            <a:avLst/>
-          </a:prstGeom>
-          <a:noFill/>
-        </p:spPr>
-        <p:txBody>
-          <a:bodyPr wrap="square" rtlCol="0">
-            <a:spAutoFit/>
-          </a:bodyPr>
-          <a:lstStyle/>
-          <a:p>
-            <a:r>
-              <a:rPr lang="en-US" dirty="0"/>
-              <a:t>Mag</a:t>
-            </a:r>
-          </a:p>
-        </p:txBody>
-      </p:sp>
-      <p:sp>
-        <p:nvSpPr>
-          <p:cNvPr id="9" name="TextBox 8">
-            <a:extLst>
-              <a:ext uri="{FF2B5EF4-FFF2-40B4-BE49-F238E27FC236}">
-                <a16:creationId xmlns:a16="http://schemas.microsoft.com/office/drawing/2014/main" id="{6440C8A3-D846-4F76-91C1-392A37029662}"/>
-              </a:ext>
-            </a:extLst>
-          </p:cNvPr>
-          <p:cNvSpPr txBox="1"/>
-          <p:nvPr/>
-        </p:nvSpPr>
-        <p:spPr>
-          <a:xfrm flipH="1">
-            <a:off x="9122380" y="-13444"/>
-            <a:ext cx="780432" cy="369332"/>
-          </a:xfrm>
-          <a:prstGeom prst="rect">
-            <a:avLst/>
-          </a:prstGeom>
-          <a:noFill/>
-        </p:spPr>
-        <p:txBody>
-          <a:bodyPr wrap="square" rtlCol="0">
-            <a:spAutoFit/>
-          </a:bodyPr>
-          <a:lstStyle/>
-          <a:p>
-            <a:r>
-              <a:rPr lang="en-US" dirty="0"/>
-              <a:t>Value</a:t>
-            </a:r>
-          </a:p>
-        </p:txBody>
-      </p:sp>
-      <p:sp>
-        <p:nvSpPr>
-          <p:cNvPr id="11" name="TextBox 10">
-            <a:extLst>
-              <a:ext uri="{FF2B5EF4-FFF2-40B4-BE49-F238E27FC236}">
-                <a16:creationId xmlns:a16="http://schemas.microsoft.com/office/drawing/2014/main" id="{E9DD2401-8DF1-4267-AAB9-43229D05FC1B}"/>
-              </a:ext>
-            </a:extLst>
-          </p:cNvPr>
-          <p:cNvSpPr txBox="1"/>
-          <p:nvPr/>
-        </p:nvSpPr>
-        <p:spPr>
-          <a:xfrm>
-            <a:off x="1489950" y="3714267"/>
-            <a:ext cx="1088824" cy="369332"/>
-          </a:xfrm>
-          <a:prstGeom prst="rect">
-            <a:avLst/>
-          </a:prstGeom>
-          <a:noFill/>
-        </p:spPr>
-        <p:txBody>
-          <a:bodyPr wrap="none" rtlCol="0">
-            <a:spAutoFit/>
-          </a:bodyPr>
-          <a:lstStyle/>
-          <a:p>
-            <a:r>
-              <a:rPr lang="en-US" dirty="0" err="1"/>
-              <a:t>EveryTrial</a:t>
-            </a:r>
-            <a:endParaRPr lang="en-US" dirty="0"/>
-          </a:p>
-        </p:txBody>
-      </p:sp>
-      <p:pic>
-        <p:nvPicPr>
-          <p:cNvPr id="18" name="Picture 17">
-            <a:extLst>
-              <a:ext uri="{FF2B5EF4-FFF2-40B4-BE49-F238E27FC236}">
-                <a16:creationId xmlns:a16="http://schemas.microsoft.com/office/drawing/2014/main" id="{F716B065-EAE6-47C3-9ED7-757245206B52}"/>
-              </a:ext>
-            </a:extLst>
-          </p:cNvPr>
-          <p:cNvPicPr>
-            <a:picLocks noChangeAspect="1"/>
-          </p:cNvPicPr>
-          <p:nvPr/>
-        </p:nvPicPr>
-        <p:blipFill>
-          <a:blip r:embed="rId2"/>
-          <a:stretch>
-            <a:fillRect/>
-          </a:stretch>
-        </p:blipFill>
-        <p:spPr>
-          <a:xfrm>
-            <a:off x="145103" y="4095021"/>
-            <a:ext cx="3680953" cy="2657143"/>
-          </a:xfrm>
-          <a:prstGeom prst="rect">
-            <a:avLst/>
-          </a:prstGeom>
-        </p:spPr>
-      </p:pic>
-      <p:pic>
-        <p:nvPicPr>
-          <p:cNvPr id="19" name="Picture 18">
-            <a:extLst>
-              <a:ext uri="{FF2B5EF4-FFF2-40B4-BE49-F238E27FC236}">
-                <a16:creationId xmlns:a16="http://schemas.microsoft.com/office/drawing/2014/main" id="{C85DB884-D650-4732-A5BF-59F157442C0E}"/>
-              </a:ext>
-            </a:extLst>
-          </p:cNvPr>
-          <p:cNvPicPr>
-            <a:picLocks noChangeAspect="1"/>
-          </p:cNvPicPr>
-          <p:nvPr/>
-        </p:nvPicPr>
-        <p:blipFill>
-          <a:blip r:embed="rId3"/>
-          <a:stretch>
-            <a:fillRect/>
-          </a:stretch>
-        </p:blipFill>
-        <p:spPr>
-          <a:xfrm>
-            <a:off x="4500030" y="319219"/>
-            <a:ext cx="3191939" cy="2304142"/>
-          </a:xfrm>
-          <a:prstGeom prst="rect">
-            <a:avLst/>
-          </a:prstGeom>
-        </p:spPr>
-      </p:pic>
-      <p:pic>
-        <p:nvPicPr>
-          <p:cNvPr id="20" name="Picture 19">
-            <a:extLst>
-              <a:ext uri="{FF2B5EF4-FFF2-40B4-BE49-F238E27FC236}">
-                <a16:creationId xmlns:a16="http://schemas.microsoft.com/office/drawing/2014/main" id="{BC1430AA-875B-4249-96AE-5636B95366FA}"/>
-              </a:ext>
-            </a:extLst>
-          </p:cNvPr>
-          <p:cNvPicPr>
-            <a:picLocks noChangeAspect="1"/>
-          </p:cNvPicPr>
-          <p:nvPr/>
-        </p:nvPicPr>
-        <p:blipFill>
-          <a:blip r:embed="rId4"/>
-          <a:stretch>
-            <a:fillRect/>
-          </a:stretch>
-        </p:blipFill>
-        <p:spPr>
-          <a:xfrm>
-            <a:off x="4632056" y="2623361"/>
-            <a:ext cx="2943762" cy="2124993"/>
-          </a:xfrm>
-          <a:prstGeom prst="rect">
-            <a:avLst/>
-          </a:prstGeom>
-        </p:spPr>
-      </p:pic>
-      <p:pic>
-        <p:nvPicPr>
-          <p:cNvPr id="23" name="Picture 22">
-            <a:extLst>
-              <a:ext uri="{FF2B5EF4-FFF2-40B4-BE49-F238E27FC236}">
-                <a16:creationId xmlns:a16="http://schemas.microsoft.com/office/drawing/2014/main" id="{3A3834FA-D6A9-4E46-94DF-9630738EACD9}"/>
-              </a:ext>
-            </a:extLst>
-          </p:cNvPr>
-          <p:cNvPicPr>
-            <a:picLocks noChangeAspect="1"/>
-          </p:cNvPicPr>
-          <p:nvPr/>
-        </p:nvPicPr>
-        <p:blipFill>
-          <a:blip r:embed="rId5"/>
-          <a:stretch>
-            <a:fillRect/>
-          </a:stretch>
-        </p:blipFill>
-        <p:spPr>
-          <a:xfrm>
-            <a:off x="4695123" y="4748354"/>
-            <a:ext cx="2829542" cy="2042541"/>
-          </a:xfrm>
-          <a:prstGeom prst="rect">
-            <a:avLst/>
-          </a:prstGeom>
-        </p:spPr>
-      </p:pic>
-      <p:pic>
-        <p:nvPicPr>
-          <p:cNvPr id="25" name="Picture 24">
-            <a:extLst>
-              <a:ext uri="{FF2B5EF4-FFF2-40B4-BE49-F238E27FC236}">
-                <a16:creationId xmlns:a16="http://schemas.microsoft.com/office/drawing/2014/main" id="{9C198736-EA3A-48BD-A209-1A219C94F743}"/>
-              </a:ext>
-            </a:extLst>
-          </p:cNvPr>
-          <p:cNvPicPr>
-            <a:picLocks noChangeAspect="1"/>
-          </p:cNvPicPr>
-          <p:nvPr/>
-        </p:nvPicPr>
-        <p:blipFill>
-          <a:blip r:embed="rId6"/>
-          <a:stretch>
-            <a:fillRect/>
-          </a:stretch>
-        </p:blipFill>
-        <p:spPr>
-          <a:xfrm>
-            <a:off x="7918069" y="342592"/>
-            <a:ext cx="3033466" cy="2189746"/>
-          </a:xfrm>
-          <a:prstGeom prst="rect">
-            <a:avLst/>
-          </a:prstGeom>
-        </p:spPr>
-      </p:pic>
-      <p:pic>
-        <p:nvPicPr>
-          <p:cNvPr id="26" name="Picture 25">
-            <a:extLst>
-              <a:ext uri="{FF2B5EF4-FFF2-40B4-BE49-F238E27FC236}">
-                <a16:creationId xmlns:a16="http://schemas.microsoft.com/office/drawing/2014/main" id="{09F81DE1-9C55-49F0-A62A-3490D478B548}"/>
-              </a:ext>
-            </a:extLst>
-          </p:cNvPr>
-          <p:cNvPicPr>
-            <a:picLocks noChangeAspect="1"/>
-          </p:cNvPicPr>
-          <p:nvPr/>
-        </p:nvPicPr>
-        <p:blipFill>
-          <a:blip r:embed="rId7"/>
-          <a:stretch>
-            <a:fillRect/>
-          </a:stretch>
-        </p:blipFill>
-        <p:spPr>
-          <a:xfrm>
-            <a:off x="8005315" y="2623360"/>
-            <a:ext cx="2943762" cy="2124993"/>
-          </a:xfrm>
-          <a:prstGeom prst="rect">
-            <a:avLst/>
-          </a:prstGeom>
-        </p:spPr>
-      </p:pic>
-      <p:pic>
-        <p:nvPicPr>
-          <p:cNvPr id="27" name="Picture 26">
-            <a:extLst>
-              <a:ext uri="{FF2B5EF4-FFF2-40B4-BE49-F238E27FC236}">
-                <a16:creationId xmlns:a16="http://schemas.microsoft.com/office/drawing/2014/main" id="{E314216B-CC80-4067-ADED-CFDBFAD932DF}"/>
-              </a:ext>
-            </a:extLst>
-          </p:cNvPr>
-          <p:cNvPicPr>
-            <a:picLocks noChangeAspect="1"/>
-          </p:cNvPicPr>
-          <p:nvPr/>
-        </p:nvPicPr>
-        <p:blipFill>
-          <a:blip r:embed="rId8"/>
-          <a:stretch>
-            <a:fillRect/>
-          </a:stretch>
-        </p:blipFill>
-        <p:spPr>
-          <a:xfrm>
-            <a:off x="8040715" y="4692068"/>
-            <a:ext cx="2943762" cy="2124993"/>
-          </a:xfrm>
-          <a:prstGeom prst="rect">
-            <a:avLst/>
-          </a:prstGeom>
-        </p:spPr>
-      </p:pic>
-    </p:spTree>
-    <p:extLst>
-      <p:ext uri="{BB962C8B-B14F-4D97-AF65-F5344CB8AC3E}">
-        <p14:creationId xmlns:p14="http://schemas.microsoft.com/office/powerpoint/2010/main" val="2316988597"/>
-      </p:ext>
-    </p:extLst>
-  </p:cSld>
-  <p:clrMapOvr>
-    <a:masterClrMapping/>
-  </p:clrMapOvr>
-</p:sld>
-</file>
-
-<file path=ppt/slides/slide26.xml><?xml version="1.0" encoding="utf-8"?>
-<p:sld xmlns:a="http://schemas.openxmlformats.org/drawingml/2006/main" xmlns:r="http://schemas.openxmlformats.org/officeDocument/2006/relationships" xmlns:p="http://schemas.openxmlformats.org/presentationml/2006/main">
-  <p:cSld>
-    <p:spTree>
-      <p:nvGrpSpPr>
-        <p:cNvPr id="1" name=""/>
-        <p:cNvGrpSpPr/>
-        <p:nvPr/>
-      </p:nvGrpSpPr>
-      <p:grpSpPr>
-        <a:xfrm>
-          <a:off x="0" y="0"/>
-          <a:ext cx="0" cy="0"/>
-          <a:chOff x="0" y="0"/>
-          <a:chExt cx="0" cy="0"/>
-        </a:xfrm>
-      </p:grpSpPr>
-      <p:sp>
-        <p:nvSpPr>
-          <p:cNvPr id="2" name="Title 1">
-            <a:extLst>
-              <a:ext uri="{FF2B5EF4-FFF2-40B4-BE49-F238E27FC236}">
-                <a16:creationId xmlns:a16="http://schemas.microsoft.com/office/drawing/2014/main" id="{0919D036-5089-478F-84B7-18B37F0E38FA}"/>
-              </a:ext>
-            </a:extLst>
-          </p:cNvPr>
-          <p:cNvSpPr>
-            <a:spLocks noGrp="1"/>
-          </p:cNvSpPr>
-          <p:nvPr>
-            <p:ph type="title"/>
-          </p:nvPr>
-        </p:nvSpPr>
-        <p:spPr>
-          <a:xfrm>
-            <a:off x="252866" y="19992"/>
-            <a:ext cx="4547286" cy="611059"/>
-          </a:xfrm>
-        </p:spPr>
-        <p:txBody>
-          <a:bodyPr>
-            <a:normAutofit/>
-          </a:bodyPr>
-          <a:lstStyle/>
-          <a:p>
-            <a:r>
-              <a:rPr lang="en-US" sz="1200" dirty="0"/>
-              <a:t>Does the number of failed catch trials dictate gambling, RT ramps?</a:t>
-            </a:r>
-          </a:p>
-        </p:txBody>
-      </p:sp>
-      <p:sp>
-        <p:nvSpPr>
-          <p:cNvPr id="4" name="TextBox 3">
-            <a:extLst>
-              <a:ext uri="{FF2B5EF4-FFF2-40B4-BE49-F238E27FC236}">
-                <a16:creationId xmlns:a16="http://schemas.microsoft.com/office/drawing/2014/main" id="{D5B99FAA-ADE6-441A-A155-DF852E390449}"/>
-              </a:ext>
-            </a:extLst>
-          </p:cNvPr>
-          <p:cNvSpPr txBox="1"/>
-          <p:nvPr/>
-        </p:nvSpPr>
-        <p:spPr>
-          <a:xfrm>
-            <a:off x="235764" y="623889"/>
-            <a:ext cx="2370521" cy="307777"/>
-          </a:xfrm>
-          <a:prstGeom prst="rect">
-            <a:avLst/>
-          </a:prstGeom>
-          <a:noFill/>
-        </p:spPr>
-        <p:txBody>
-          <a:bodyPr wrap="none" rtlCol="0">
-            <a:spAutoFit/>
-          </a:bodyPr>
-          <a:lstStyle/>
-          <a:p>
-            <a:r>
-              <a:rPr lang="en-US" sz="1400" dirty="0"/>
-              <a:t>Fail any number of catch trials</a:t>
-            </a:r>
-          </a:p>
-        </p:txBody>
-      </p:sp>
-      <p:sp>
-        <p:nvSpPr>
-          <p:cNvPr id="5" name="TextBox 4">
-            <a:extLst>
-              <a:ext uri="{FF2B5EF4-FFF2-40B4-BE49-F238E27FC236}">
-                <a16:creationId xmlns:a16="http://schemas.microsoft.com/office/drawing/2014/main" id="{DD391983-3225-4A7D-A3A8-8B34FC921EAB}"/>
-              </a:ext>
-            </a:extLst>
-          </p:cNvPr>
-          <p:cNvSpPr txBox="1"/>
-          <p:nvPr/>
-        </p:nvSpPr>
-        <p:spPr>
-          <a:xfrm>
-            <a:off x="134960" y="2751973"/>
-            <a:ext cx="1323889" cy="307777"/>
-          </a:xfrm>
-          <a:prstGeom prst="rect">
-            <a:avLst/>
-          </a:prstGeom>
-          <a:noFill/>
-        </p:spPr>
-        <p:txBody>
-          <a:bodyPr wrap="none" rtlCol="0">
-            <a:spAutoFit/>
-          </a:bodyPr>
-          <a:lstStyle/>
-          <a:p>
-            <a:r>
-              <a:rPr lang="en-US" sz="1400" dirty="0"/>
-              <a:t>Fail 1 catch trial</a:t>
-            </a:r>
-          </a:p>
-        </p:txBody>
-      </p:sp>
-      <p:sp>
-        <p:nvSpPr>
-          <p:cNvPr id="6" name="TextBox 5">
-            <a:extLst>
-              <a:ext uri="{FF2B5EF4-FFF2-40B4-BE49-F238E27FC236}">
-                <a16:creationId xmlns:a16="http://schemas.microsoft.com/office/drawing/2014/main" id="{B89CC7EF-28EB-4D55-B4DE-3B28F0C3416B}"/>
-              </a:ext>
-            </a:extLst>
-          </p:cNvPr>
-          <p:cNvSpPr txBox="1"/>
-          <p:nvPr/>
-        </p:nvSpPr>
-        <p:spPr>
-          <a:xfrm>
-            <a:off x="235764" y="4848023"/>
-            <a:ext cx="1394421" cy="307777"/>
-          </a:xfrm>
-          <a:prstGeom prst="rect">
-            <a:avLst/>
-          </a:prstGeom>
-          <a:noFill/>
-        </p:spPr>
-        <p:txBody>
-          <a:bodyPr wrap="none" rtlCol="0">
-            <a:spAutoFit/>
-          </a:bodyPr>
-          <a:lstStyle/>
-          <a:p>
-            <a:r>
-              <a:rPr lang="en-US" sz="1400" dirty="0"/>
-              <a:t>Fail 2 catch trials</a:t>
-            </a:r>
-          </a:p>
-        </p:txBody>
-      </p:sp>
-      <p:sp>
-        <p:nvSpPr>
-          <p:cNvPr id="7" name="TextBox 6">
-            <a:extLst>
-              <a:ext uri="{FF2B5EF4-FFF2-40B4-BE49-F238E27FC236}">
-                <a16:creationId xmlns:a16="http://schemas.microsoft.com/office/drawing/2014/main" id="{205B96E4-EA70-40A7-9E54-16185CE42161}"/>
-              </a:ext>
-            </a:extLst>
-          </p:cNvPr>
-          <p:cNvSpPr txBox="1"/>
-          <p:nvPr/>
-        </p:nvSpPr>
-        <p:spPr>
-          <a:xfrm>
-            <a:off x="6141395" y="623889"/>
-            <a:ext cx="1394421" cy="307777"/>
-          </a:xfrm>
-          <a:prstGeom prst="rect">
-            <a:avLst/>
-          </a:prstGeom>
-          <a:noFill/>
-        </p:spPr>
-        <p:txBody>
-          <a:bodyPr wrap="none" rtlCol="0">
-            <a:spAutoFit/>
-          </a:bodyPr>
-          <a:lstStyle/>
-          <a:p>
-            <a:r>
-              <a:rPr lang="en-US" sz="1400" dirty="0"/>
-              <a:t>Fail 3 catch trials</a:t>
-            </a:r>
-          </a:p>
-        </p:txBody>
-      </p:sp>
-      <p:sp>
-        <p:nvSpPr>
-          <p:cNvPr id="8" name="TextBox 7">
-            <a:extLst>
-              <a:ext uri="{FF2B5EF4-FFF2-40B4-BE49-F238E27FC236}">
-                <a16:creationId xmlns:a16="http://schemas.microsoft.com/office/drawing/2014/main" id="{2E166519-48A4-4534-81EE-F96BC23D1702}"/>
-              </a:ext>
-            </a:extLst>
-          </p:cNvPr>
-          <p:cNvSpPr txBox="1"/>
-          <p:nvPr/>
-        </p:nvSpPr>
-        <p:spPr>
-          <a:xfrm>
-            <a:off x="5934125" y="2751973"/>
-            <a:ext cx="1394421" cy="307777"/>
-          </a:xfrm>
-          <a:prstGeom prst="rect">
-            <a:avLst/>
-          </a:prstGeom>
-          <a:noFill/>
-        </p:spPr>
-        <p:txBody>
-          <a:bodyPr wrap="none" rtlCol="0">
-            <a:spAutoFit/>
-          </a:bodyPr>
-          <a:lstStyle/>
-          <a:p>
-            <a:r>
-              <a:rPr lang="en-US" sz="1400" dirty="0"/>
-              <a:t>Fail 4 catch trials</a:t>
-            </a:r>
-          </a:p>
-        </p:txBody>
-      </p:sp>
-      <p:sp>
-        <p:nvSpPr>
-          <p:cNvPr id="9" name="TextBox 8">
-            <a:extLst>
-              <a:ext uri="{FF2B5EF4-FFF2-40B4-BE49-F238E27FC236}">
-                <a16:creationId xmlns:a16="http://schemas.microsoft.com/office/drawing/2014/main" id="{D1732FA4-8A89-4A9F-8468-52FB4CBF2B90}"/>
-              </a:ext>
-            </a:extLst>
-          </p:cNvPr>
-          <p:cNvSpPr txBox="1"/>
-          <p:nvPr/>
-        </p:nvSpPr>
-        <p:spPr>
-          <a:xfrm>
-            <a:off x="6096000" y="4813067"/>
-            <a:ext cx="1394421" cy="307777"/>
-          </a:xfrm>
-          <a:prstGeom prst="rect">
-            <a:avLst/>
-          </a:prstGeom>
-          <a:noFill/>
-        </p:spPr>
-        <p:txBody>
-          <a:bodyPr wrap="none" rtlCol="0">
-            <a:spAutoFit/>
-          </a:bodyPr>
-          <a:lstStyle/>
-          <a:p>
-            <a:r>
-              <a:rPr lang="en-US" sz="1400" dirty="0"/>
-              <a:t>Fail 5 catch trials</a:t>
-            </a:r>
-          </a:p>
-        </p:txBody>
-      </p:sp>
-      <p:pic>
-        <p:nvPicPr>
-          <p:cNvPr id="10" name="Picture 9">
-            <a:extLst>
-              <a:ext uri="{FF2B5EF4-FFF2-40B4-BE49-F238E27FC236}">
-                <a16:creationId xmlns:a16="http://schemas.microsoft.com/office/drawing/2014/main" id="{5BCCD836-7B7E-4BEF-8FD1-E45164AC4375}"/>
-              </a:ext>
-            </a:extLst>
-          </p:cNvPr>
-          <p:cNvPicPr>
-            <a:picLocks noChangeAspect="1"/>
-          </p:cNvPicPr>
-          <p:nvPr/>
-        </p:nvPicPr>
-        <p:blipFill>
-          <a:blip r:embed="rId2"/>
-          <a:stretch>
-            <a:fillRect/>
-          </a:stretch>
-        </p:blipFill>
-        <p:spPr>
-          <a:xfrm>
-            <a:off x="134960" y="985803"/>
-            <a:ext cx="2418898" cy="1614949"/>
-          </a:xfrm>
-          <a:prstGeom prst="rect">
-            <a:avLst/>
-          </a:prstGeom>
-        </p:spPr>
-      </p:pic>
-      <p:pic>
-        <p:nvPicPr>
-          <p:cNvPr id="11" name="Picture 10">
-            <a:extLst>
-              <a:ext uri="{FF2B5EF4-FFF2-40B4-BE49-F238E27FC236}">
-                <a16:creationId xmlns:a16="http://schemas.microsoft.com/office/drawing/2014/main" id="{ABFAB894-F8D4-426D-988E-788D87F2195F}"/>
-              </a:ext>
-            </a:extLst>
-          </p:cNvPr>
-          <p:cNvPicPr>
-            <a:picLocks noChangeAspect="1"/>
-          </p:cNvPicPr>
-          <p:nvPr/>
-        </p:nvPicPr>
-        <p:blipFill>
-          <a:blip r:embed="rId3"/>
-          <a:stretch>
-            <a:fillRect/>
-          </a:stretch>
-        </p:blipFill>
-        <p:spPr>
-          <a:xfrm>
-            <a:off x="2743200" y="940455"/>
-            <a:ext cx="2418898" cy="1614949"/>
-          </a:xfrm>
-          <a:prstGeom prst="rect">
-            <a:avLst/>
-          </a:prstGeom>
-        </p:spPr>
-      </p:pic>
-      <p:pic>
-        <p:nvPicPr>
-          <p:cNvPr id="12" name="Picture 11">
-            <a:extLst>
-              <a:ext uri="{FF2B5EF4-FFF2-40B4-BE49-F238E27FC236}">
-                <a16:creationId xmlns:a16="http://schemas.microsoft.com/office/drawing/2014/main" id="{76D9F4C3-834F-4510-874C-51FDDB652102}"/>
-              </a:ext>
-            </a:extLst>
-          </p:cNvPr>
-          <p:cNvPicPr>
-            <a:picLocks noChangeAspect="1"/>
-          </p:cNvPicPr>
-          <p:nvPr/>
-        </p:nvPicPr>
-        <p:blipFill>
-          <a:blip r:embed="rId4"/>
-          <a:stretch>
-            <a:fillRect/>
-          </a:stretch>
-        </p:blipFill>
-        <p:spPr>
-          <a:xfrm>
-            <a:off x="2658641" y="3037912"/>
-            <a:ext cx="2418897" cy="1614949"/>
-          </a:xfrm>
-          <a:prstGeom prst="rect">
-            <a:avLst/>
-          </a:prstGeom>
-        </p:spPr>
-      </p:pic>
-      <p:pic>
-        <p:nvPicPr>
-          <p:cNvPr id="13" name="Picture 12">
-            <a:extLst>
-              <a:ext uri="{FF2B5EF4-FFF2-40B4-BE49-F238E27FC236}">
-                <a16:creationId xmlns:a16="http://schemas.microsoft.com/office/drawing/2014/main" id="{44CCDD0F-E4E7-4D50-80C3-B9C7E14F48D7}"/>
-              </a:ext>
-            </a:extLst>
-          </p:cNvPr>
-          <p:cNvPicPr>
-            <a:picLocks noChangeAspect="1"/>
-          </p:cNvPicPr>
-          <p:nvPr/>
-        </p:nvPicPr>
-        <p:blipFill>
-          <a:blip r:embed="rId5"/>
-          <a:stretch>
-            <a:fillRect/>
-          </a:stretch>
-        </p:blipFill>
-        <p:spPr>
-          <a:xfrm>
-            <a:off x="281442" y="3084559"/>
-            <a:ext cx="2279163" cy="1521657"/>
-          </a:xfrm>
-          <a:prstGeom prst="rect">
-            <a:avLst/>
-          </a:prstGeom>
-        </p:spPr>
-      </p:pic>
-      <p:pic>
-        <p:nvPicPr>
-          <p:cNvPr id="14" name="Picture 13">
-            <a:extLst>
-              <a:ext uri="{FF2B5EF4-FFF2-40B4-BE49-F238E27FC236}">
-                <a16:creationId xmlns:a16="http://schemas.microsoft.com/office/drawing/2014/main" id="{A71C1592-05D8-4240-9727-ED1D83F86846}"/>
-              </a:ext>
-            </a:extLst>
-          </p:cNvPr>
-          <p:cNvPicPr>
-            <a:picLocks noChangeAspect="1"/>
-          </p:cNvPicPr>
-          <p:nvPr/>
-        </p:nvPicPr>
-        <p:blipFill>
-          <a:blip r:embed="rId6"/>
-          <a:stretch>
-            <a:fillRect/>
-          </a:stretch>
-        </p:blipFill>
-        <p:spPr>
-          <a:xfrm>
-            <a:off x="2805715" y="5249384"/>
-            <a:ext cx="2214060" cy="1478192"/>
-          </a:xfrm>
-          <a:prstGeom prst="rect">
-            <a:avLst/>
-          </a:prstGeom>
-        </p:spPr>
-      </p:pic>
-      <p:pic>
-        <p:nvPicPr>
-          <p:cNvPr id="15" name="Picture 14">
-            <a:extLst>
-              <a:ext uri="{FF2B5EF4-FFF2-40B4-BE49-F238E27FC236}">
-                <a16:creationId xmlns:a16="http://schemas.microsoft.com/office/drawing/2014/main" id="{D68FCC05-F7BB-474F-86E3-952974122462}"/>
-              </a:ext>
-            </a:extLst>
-          </p:cNvPr>
-          <p:cNvPicPr>
-            <a:picLocks noChangeAspect="1"/>
-          </p:cNvPicPr>
-          <p:nvPr/>
-        </p:nvPicPr>
-        <p:blipFill>
-          <a:blip r:embed="rId7"/>
-          <a:stretch>
-            <a:fillRect/>
-          </a:stretch>
-        </p:blipFill>
-        <p:spPr>
-          <a:xfrm>
-            <a:off x="252866" y="5210172"/>
-            <a:ext cx="2214060" cy="1478192"/>
-          </a:xfrm>
-          <a:prstGeom prst="rect">
-            <a:avLst/>
-          </a:prstGeom>
-        </p:spPr>
-      </p:pic>
-      <p:pic>
-        <p:nvPicPr>
-          <p:cNvPr id="16" name="Picture 15">
-            <a:extLst>
-              <a:ext uri="{FF2B5EF4-FFF2-40B4-BE49-F238E27FC236}">
-                <a16:creationId xmlns:a16="http://schemas.microsoft.com/office/drawing/2014/main" id="{B227D4CE-F1CA-4EFE-8026-18A43BEC6606}"/>
-              </a:ext>
-            </a:extLst>
-          </p:cNvPr>
-          <p:cNvPicPr>
-            <a:picLocks noChangeAspect="1"/>
-          </p:cNvPicPr>
-          <p:nvPr/>
-        </p:nvPicPr>
-        <p:blipFill>
-          <a:blip r:embed="rId8"/>
-          <a:stretch>
-            <a:fillRect/>
-          </a:stretch>
-        </p:blipFill>
-        <p:spPr>
-          <a:xfrm>
-            <a:off x="8697208" y="931665"/>
-            <a:ext cx="2418897" cy="1614949"/>
-          </a:xfrm>
-          <a:prstGeom prst="rect">
-            <a:avLst/>
-          </a:prstGeom>
-        </p:spPr>
-      </p:pic>
-      <p:pic>
-        <p:nvPicPr>
-          <p:cNvPr id="17" name="Picture 16">
-            <a:extLst>
-              <a:ext uri="{FF2B5EF4-FFF2-40B4-BE49-F238E27FC236}">
-                <a16:creationId xmlns:a16="http://schemas.microsoft.com/office/drawing/2014/main" id="{B2CF4576-EB03-4D2A-B215-3D041D2715BD}"/>
-              </a:ext>
-            </a:extLst>
-          </p:cNvPr>
-          <p:cNvPicPr>
-            <a:picLocks noChangeAspect="1"/>
-          </p:cNvPicPr>
-          <p:nvPr/>
-        </p:nvPicPr>
-        <p:blipFill>
-          <a:blip r:embed="rId9"/>
-          <a:stretch>
-            <a:fillRect/>
-          </a:stretch>
-        </p:blipFill>
-        <p:spPr>
-          <a:xfrm>
-            <a:off x="5934125" y="931666"/>
-            <a:ext cx="2418897" cy="1614949"/>
-          </a:xfrm>
-          <a:prstGeom prst="rect">
-            <a:avLst/>
-          </a:prstGeom>
-        </p:spPr>
-      </p:pic>
-      <p:pic>
-        <p:nvPicPr>
-          <p:cNvPr id="18" name="Picture 17">
-            <a:extLst>
-              <a:ext uri="{FF2B5EF4-FFF2-40B4-BE49-F238E27FC236}">
-                <a16:creationId xmlns:a16="http://schemas.microsoft.com/office/drawing/2014/main" id="{7F8B80BA-183F-45D8-9C77-336124286856}"/>
-              </a:ext>
-            </a:extLst>
-          </p:cNvPr>
-          <p:cNvPicPr>
-            <a:picLocks noChangeAspect="1"/>
-          </p:cNvPicPr>
-          <p:nvPr/>
-        </p:nvPicPr>
-        <p:blipFill>
-          <a:blip r:embed="rId10"/>
-          <a:stretch>
-            <a:fillRect/>
-          </a:stretch>
-        </p:blipFill>
-        <p:spPr>
-          <a:xfrm>
-            <a:off x="8700979" y="3059750"/>
-            <a:ext cx="2418898" cy="1614949"/>
-          </a:xfrm>
-          <a:prstGeom prst="rect">
-            <a:avLst/>
-          </a:prstGeom>
-        </p:spPr>
-      </p:pic>
-      <p:pic>
-        <p:nvPicPr>
-          <p:cNvPr id="19" name="Picture 18">
-            <a:extLst>
-              <a:ext uri="{FF2B5EF4-FFF2-40B4-BE49-F238E27FC236}">
-                <a16:creationId xmlns:a16="http://schemas.microsoft.com/office/drawing/2014/main" id="{DB87C6F9-8C32-4CDC-9AF6-C3B4C083FEE7}"/>
-              </a:ext>
-            </a:extLst>
-          </p:cNvPr>
-          <p:cNvPicPr>
-            <a:picLocks noChangeAspect="1"/>
-          </p:cNvPicPr>
-          <p:nvPr/>
-        </p:nvPicPr>
-        <p:blipFill>
-          <a:blip r:embed="rId11"/>
-          <a:stretch>
-            <a:fillRect/>
-          </a:stretch>
-        </p:blipFill>
-        <p:spPr>
-          <a:xfrm>
-            <a:off x="6184046" y="3121300"/>
-            <a:ext cx="2178443" cy="1454413"/>
-          </a:xfrm>
-          <a:prstGeom prst="rect">
-            <a:avLst/>
-          </a:prstGeom>
-        </p:spPr>
-      </p:pic>
-      <p:pic>
-        <p:nvPicPr>
-          <p:cNvPr id="23" name="Picture 22">
-            <a:extLst>
-              <a:ext uri="{FF2B5EF4-FFF2-40B4-BE49-F238E27FC236}">
-                <a16:creationId xmlns:a16="http://schemas.microsoft.com/office/drawing/2014/main" id="{CBC9A330-0378-4541-92A0-7F86F01B3365}"/>
-              </a:ext>
-            </a:extLst>
-          </p:cNvPr>
-          <p:cNvPicPr>
-            <a:picLocks noChangeAspect="1"/>
-          </p:cNvPicPr>
-          <p:nvPr/>
-        </p:nvPicPr>
-        <p:blipFill>
-          <a:blip r:embed="rId12"/>
-          <a:stretch>
-            <a:fillRect/>
-          </a:stretch>
-        </p:blipFill>
-        <p:spPr>
-          <a:xfrm>
-            <a:off x="8860454" y="5249384"/>
-            <a:ext cx="2092403" cy="1396969"/>
-          </a:xfrm>
-          <a:prstGeom prst="rect">
-            <a:avLst/>
-          </a:prstGeom>
-        </p:spPr>
-      </p:pic>
-      <p:pic>
-        <p:nvPicPr>
-          <p:cNvPr id="24" name="Picture 23">
-            <a:extLst>
-              <a:ext uri="{FF2B5EF4-FFF2-40B4-BE49-F238E27FC236}">
-                <a16:creationId xmlns:a16="http://schemas.microsoft.com/office/drawing/2014/main" id="{B4852B8B-0208-44E3-8258-3DF1541CE11E}"/>
-              </a:ext>
-            </a:extLst>
-          </p:cNvPr>
-          <p:cNvPicPr>
-            <a:picLocks noChangeAspect="1"/>
-          </p:cNvPicPr>
-          <p:nvPr/>
-        </p:nvPicPr>
-        <p:blipFill>
-          <a:blip r:embed="rId13"/>
-          <a:stretch>
-            <a:fillRect/>
-          </a:stretch>
-        </p:blipFill>
-        <p:spPr>
-          <a:xfrm>
-            <a:off x="6301945" y="5241645"/>
-            <a:ext cx="2051077" cy="1369378"/>
-          </a:xfrm>
-          <a:prstGeom prst="rect">
-            <a:avLst/>
-          </a:prstGeom>
-        </p:spPr>
-      </p:pic>
-    </p:spTree>
-    <p:extLst>
-      <p:ext uri="{BB962C8B-B14F-4D97-AF65-F5344CB8AC3E}">
-        <p14:creationId xmlns:p14="http://schemas.microsoft.com/office/powerpoint/2010/main" val="3250938273"/>
-      </p:ext>
-    </p:extLst>
-  </p:cSld>
-  <p:clrMapOvr>
-    <a:masterClrMapping/>
-  </p:clrMapOvr>
-</p:sld>
-</file>
-
-<file path=ppt/slides/slide27.xml><?xml version="1.0" encoding="utf-8"?>
-<p:sld xmlns:a="http://schemas.openxmlformats.org/drawingml/2006/main" xmlns:r="http://schemas.openxmlformats.org/officeDocument/2006/relationships" xmlns:p="http://schemas.openxmlformats.org/presentationml/2006/main">
-  <p:cSld>
-    <p:spTree>
-      <p:nvGrpSpPr>
-        <p:cNvPr id="1" name=""/>
-        <p:cNvGrpSpPr/>
-        <p:nvPr/>
-      </p:nvGrpSpPr>
-      <p:grpSpPr>
-        <a:xfrm>
-          <a:off x="0" y="0"/>
-          <a:ext cx="0" cy="0"/>
-          <a:chOff x="0" y="0"/>
-          <a:chExt cx="0" cy="0"/>
-        </a:xfrm>
-      </p:grpSpPr>
-      <p:pic>
-        <p:nvPicPr>
-          <p:cNvPr id="4" name="Picture 3">
-            <a:extLst>
-              <a:ext uri="{FF2B5EF4-FFF2-40B4-BE49-F238E27FC236}">
-                <a16:creationId xmlns:a16="http://schemas.microsoft.com/office/drawing/2014/main" id="{B9E8DF53-EC98-4AE0-B48C-64DF23EB16AB}"/>
-              </a:ext>
-            </a:extLst>
-          </p:cNvPr>
-          <p:cNvPicPr>
-            <a:picLocks noChangeAspect="1"/>
-          </p:cNvPicPr>
-          <p:nvPr/>
-        </p:nvPicPr>
-        <p:blipFill>
-          <a:blip r:embed="rId2"/>
-          <a:stretch>
-            <a:fillRect/>
-          </a:stretch>
-        </p:blipFill>
-        <p:spPr>
-          <a:xfrm>
-            <a:off x="1196000" y="293886"/>
-            <a:ext cx="9595825" cy="6406542"/>
+            <a:off x="2176952" y="157571"/>
+            <a:ext cx="7838095" cy="6542857"/>
           </a:xfrm>
           <a:prstGeom prst="rect">
             <a:avLst/>
@@ -9392,865 +6259,165 @@
           <a:chExt cx="0" cy="0"/>
         </a:xfrm>
       </p:grpSpPr>
-      <p:grpSp>
-        <p:nvGrpSpPr>
-          <p:cNvPr id="29" name="Group 28">
-            <a:extLst>
-              <a:ext uri="{FF2B5EF4-FFF2-40B4-BE49-F238E27FC236}">
-                <a16:creationId xmlns:a16="http://schemas.microsoft.com/office/drawing/2014/main" id="{16379474-0112-4407-A674-2AE8DC8F1833}"/>
-              </a:ext>
-            </a:extLst>
-          </p:cNvPr>
-          <p:cNvGrpSpPr/>
-          <p:nvPr/>
-        </p:nvGrpSpPr>
-        <p:grpSpPr>
-          <a:xfrm>
-            <a:off x="6893901" y="2749263"/>
-            <a:ext cx="2041691" cy="1316385"/>
-            <a:chOff x="5193079" y="4397282"/>
-            <a:chExt cx="1501629" cy="968179"/>
-          </a:xfrm>
-        </p:grpSpPr>
-        <p:pic>
-          <p:nvPicPr>
-            <p:cNvPr id="30" name="Picture 29">
-              <a:extLst>
-                <a:ext uri="{FF2B5EF4-FFF2-40B4-BE49-F238E27FC236}">
-                  <a16:creationId xmlns:a16="http://schemas.microsoft.com/office/drawing/2014/main" id="{EECA9A95-F58E-4712-BC79-EFF5F9DCBFDD}"/>
-                </a:ext>
-              </a:extLst>
-            </p:cNvPr>
-            <p:cNvPicPr>
-              <a:picLocks noChangeAspect="1"/>
-            </p:cNvPicPr>
-            <p:nvPr/>
-          </p:nvPicPr>
-          <p:blipFill>
-            <a:blip r:embed="rId2"/>
-            <a:stretch>
-              <a:fillRect/>
-            </a:stretch>
-          </p:blipFill>
-          <p:spPr>
-            <a:xfrm>
-              <a:off x="5334423" y="4498019"/>
-              <a:ext cx="1280686" cy="798001"/>
-            </a:xfrm>
-            <a:prstGeom prst="rect">
-              <a:avLst/>
-            </a:prstGeom>
-          </p:spPr>
-        </p:pic>
-        <p:sp>
-          <p:nvSpPr>
-            <p:cNvPr id="31" name="Rectangle 30">
-              <a:extLst>
-                <a:ext uri="{FF2B5EF4-FFF2-40B4-BE49-F238E27FC236}">
-                  <a16:creationId xmlns:a16="http://schemas.microsoft.com/office/drawing/2014/main" id="{F77711FD-8EC5-47A7-A13F-237EFE275F59}"/>
-                </a:ext>
-              </a:extLst>
-            </p:cNvPr>
-            <p:cNvSpPr/>
-            <p:nvPr/>
-          </p:nvSpPr>
-          <p:spPr>
-            <a:xfrm>
-              <a:off x="5193079" y="4397282"/>
-              <a:ext cx="1501629" cy="968179"/>
-            </a:xfrm>
-            <a:prstGeom prst="rect">
-              <a:avLst/>
-            </a:prstGeom>
-            <a:noFill/>
-          </p:spPr>
-          <p:style>
-            <a:lnRef idx="2">
-              <a:schemeClr val="dk1"/>
-            </a:lnRef>
-            <a:fillRef idx="1">
-              <a:schemeClr val="lt1"/>
-            </a:fillRef>
-            <a:effectRef idx="0">
-              <a:schemeClr val="dk1"/>
-            </a:effectRef>
-            <a:fontRef idx="minor">
-              <a:schemeClr val="dk1"/>
-            </a:fontRef>
-          </p:style>
-          <p:txBody>
-            <a:bodyPr rtlCol="0" anchor="ctr"/>
-            <a:lstStyle/>
-            <a:p>
-              <a:pPr algn="ctr"/>
-              <a:endParaRPr lang="en-US"/>
-            </a:p>
-          </p:txBody>
-        </p:sp>
-      </p:grpSp>
-      <p:grpSp>
-        <p:nvGrpSpPr>
-          <p:cNvPr id="32" name="Group 31">
-            <a:extLst>
-              <a:ext uri="{FF2B5EF4-FFF2-40B4-BE49-F238E27FC236}">
-                <a16:creationId xmlns:a16="http://schemas.microsoft.com/office/drawing/2014/main" id="{60ABD1BD-DE7B-447A-AE04-C057F42F1347}"/>
-              </a:ext>
-            </a:extLst>
-          </p:cNvPr>
-          <p:cNvGrpSpPr/>
-          <p:nvPr/>
-        </p:nvGrpSpPr>
-        <p:grpSpPr>
-          <a:xfrm>
-            <a:off x="10099103" y="2067309"/>
-            <a:ext cx="2290452" cy="1512642"/>
-            <a:chOff x="3284310" y="5592929"/>
-            <a:chExt cx="1684588" cy="1112522"/>
-          </a:xfrm>
-        </p:grpSpPr>
-        <p:pic>
-          <p:nvPicPr>
-            <p:cNvPr id="33" name="Picture 32">
-              <a:extLst>
-                <a:ext uri="{FF2B5EF4-FFF2-40B4-BE49-F238E27FC236}">
-                  <a16:creationId xmlns:a16="http://schemas.microsoft.com/office/drawing/2014/main" id="{CA25F835-0CB9-4F18-9DE3-042B95B4A3DD}"/>
-                </a:ext>
-              </a:extLst>
-            </p:cNvPr>
-            <p:cNvPicPr>
-              <a:picLocks noChangeAspect="1"/>
-            </p:cNvPicPr>
-            <p:nvPr/>
-          </p:nvPicPr>
-          <p:blipFill>
-            <a:blip r:embed="rId3"/>
-            <a:stretch>
-              <a:fillRect/>
-            </a:stretch>
-          </p:blipFill>
-          <p:spPr>
-            <a:xfrm>
-              <a:off x="3355580" y="5677239"/>
-              <a:ext cx="1613318" cy="1028212"/>
-            </a:xfrm>
-            <a:prstGeom prst="rect">
-              <a:avLst/>
-            </a:prstGeom>
-          </p:spPr>
-        </p:pic>
-        <p:sp>
-          <p:nvSpPr>
-            <p:cNvPr id="34" name="Rectangle 33">
-              <a:extLst>
-                <a:ext uri="{FF2B5EF4-FFF2-40B4-BE49-F238E27FC236}">
-                  <a16:creationId xmlns:a16="http://schemas.microsoft.com/office/drawing/2014/main" id="{9FDFA3AA-F382-46A3-9A15-A91FF6639429}"/>
-                </a:ext>
-              </a:extLst>
-            </p:cNvPr>
-            <p:cNvSpPr/>
-            <p:nvPr/>
-          </p:nvSpPr>
-          <p:spPr>
-            <a:xfrm>
-              <a:off x="3284310" y="5592929"/>
-              <a:ext cx="1501629" cy="968179"/>
-            </a:xfrm>
-            <a:prstGeom prst="rect">
-              <a:avLst/>
-            </a:prstGeom>
-            <a:noFill/>
-          </p:spPr>
-          <p:style>
-            <a:lnRef idx="2">
-              <a:schemeClr val="dk1"/>
-            </a:lnRef>
-            <a:fillRef idx="1">
-              <a:schemeClr val="lt1"/>
-            </a:fillRef>
-            <a:effectRef idx="0">
-              <a:schemeClr val="dk1"/>
-            </a:effectRef>
-            <a:fontRef idx="minor">
-              <a:schemeClr val="dk1"/>
-            </a:fontRef>
-          </p:style>
-          <p:txBody>
-            <a:bodyPr rtlCol="0" anchor="ctr"/>
-            <a:lstStyle/>
-            <a:p>
-              <a:pPr algn="ctr"/>
-              <a:endParaRPr lang="en-US"/>
-            </a:p>
-          </p:txBody>
-        </p:sp>
-      </p:grpSp>
-      <p:grpSp>
-        <p:nvGrpSpPr>
-          <p:cNvPr id="35" name="Group 34">
-            <a:extLst>
-              <a:ext uri="{FF2B5EF4-FFF2-40B4-BE49-F238E27FC236}">
-                <a16:creationId xmlns:a16="http://schemas.microsoft.com/office/drawing/2014/main" id="{801EDEC7-7AEF-4CF9-87A7-851C6F27F86C}"/>
-              </a:ext>
-            </a:extLst>
-          </p:cNvPr>
-          <p:cNvGrpSpPr/>
-          <p:nvPr/>
-        </p:nvGrpSpPr>
-        <p:grpSpPr>
-          <a:xfrm>
-            <a:off x="9672977" y="3703420"/>
-            <a:ext cx="2653171" cy="1928517"/>
-            <a:chOff x="6844536" y="5592929"/>
-            <a:chExt cx="1951362" cy="1418391"/>
-          </a:xfrm>
-        </p:grpSpPr>
-        <p:pic>
-          <p:nvPicPr>
-            <p:cNvPr id="36" name="Picture 35">
-              <a:extLst>
-                <a:ext uri="{FF2B5EF4-FFF2-40B4-BE49-F238E27FC236}">
-                  <a16:creationId xmlns:a16="http://schemas.microsoft.com/office/drawing/2014/main" id="{CCC9FCDE-690F-4B0B-8994-17454702F293}"/>
-                </a:ext>
-              </a:extLst>
-            </p:cNvPr>
-            <p:cNvPicPr>
-              <a:picLocks noChangeAspect="1"/>
-            </p:cNvPicPr>
-            <p:nvPr/>
-          </p:nvPicPr>
-          <p:blipFill>
-            <a:blip r:embed="rId4"/>
-            <a:stretch>
-              <a:fillRect/>
-            </a:stretch>
-          </p:blipFill>
-          <p:spPr>
-            <a:xfrm>
-              <a:off x="6844536" y="5592929"/>
-              <a:ext cx="1951362" cy="1418391"/>
-            </a:xfrm>
-            <a:prstGeom prst="rect">
-              <a:avLst/>
-            </a:prstGeom>
-          </p:spPr>
-        </p:pic>
-        <p:sp>
-          <p:nvSpPr>
-            <p:cNvPr id="37" name="Rectangle 36">
-              <a:extLst>
-                <a:ext uri="{FF2B5EF4-FFF2-40B4-BE49-F238E27FC236}">
-                  <a16:creationId xmlns:a16="http://schemas.microsoft.com/office/drawing/2014/main" id="{A78732BB-11F7-4998-BE24-0F8F6A69BC4C}"/>
-                </a:ext>
-              </a:extLst>
-            </p:cNvPr>
-            <p:cNvSpPr/>
-            <p:nvPr/>
-          </p:nvSpPr>
-          <p:spPr>
-            <a:xfrm>
-              <a:off x="7069403" y="5604993"/>
-              <a:ext cx="1501629" cy="968179"/>
-            </a:xfrm>
-            <a:prstGeom prst="rect">
-              <a:avLst/>
-            </a:prstGeom>
-            <a:noFill/>
-          </p:spPr>
-          <p:style>
-            <a:lnRef idx="2">
-              <a:schemeClr val="dk1"/>
-            </a:lnRef>
-            <a:fillRef idx="1">
-              <a:schemeClr val="lt1"/>
-            </a:fillRef>
-            <a:effectRef idx="0">
-              <a:schemeClr val="dk1"/>
-            </a:effectRef>
-            <a:fontRef idx="minor">
-              <a:schemeClr val="dk1"/>
-            </a:fontRef>
-          </p:style>
-          <p:txBody>
-            <a:bodyPr rtlCol="0" anchor="ctr"/>
-            <a:lstStyle/>
-            <a:p>
-              <a:pPr algn="ctr"/>
-              <a:endParaRPr lang="en-US"/>
-            </a:p>
-          </p:txBody>
-        </p:sp>
-      </p:grpSp>
-      <p:grpSp>
-        <p:nvGrpSpPr>
-          <p:cNvPr id="38" name="Group 37">
-            <a:extLst>
-              <a:ext uri="{FF2B5EF4-FFF2-40B4-BE49-F238E27FC236}">
-                <a16:creationId xmlns:a16="http://schemas.microsoft.com/office/drawing/2014/main" id="{F3208BFC-3E13-4F98-BF33-9FE9A3A78957}"/>
-              </a:ext>
-            </a:extLst>
-          </p:cNvPr>
-          <p:cNvGrpSpPr/>
-          <p:nvPr/>
-        </p:nvGrpSpPr>
-        <p:grpSpPr>
-          <a:xfrm>
-            <a:off x="4174624" y="2764856"/>
-            <a:ext cx="2041691" cy="1433613"/>
-            <a:chOff x="819618" y="3498113"/>
-            <a:chExt cx="1501629" cy="1054398"/>
-          </a:xfrm>
-        </p:grpSpPr>
-        <p:pic>
-          <p:nvPicPr>
-            <p:cNvPr id="39" name="Picture 38">
-              <a:extLst>
-                <a:ext uri="{FF2B5EF4-FFF2-40B4-BE49-F238E27FC236}">
-                  <a16:creationId xmlns:a16="http://schemas.microsoft.com/office/drawing/2014/main" id="{514D90C5-7F96-4473-AFAC-20D2A7C84F50}"/>
-                </a:ext>
-              </a:extLst>
-            </p:cNvPr>
-            <p:cNvPicPr>
-              <a:picLocks noChangeAspect="1"/>
-            </p:cNvPicPr>
-            <p:nvPr/>
-          </p:nvPicPr>
-          <p:blipFill>
-            <a:blip r:embed="rId5"/>
-            <a:stretch>
-              <a:fillRect/>
-            </a:stretch>
-          </p:blipFill>
-          <p:spPr>
-            <a:xfrm>
-              <a:off x="904810" y="3584332"/>
-              <a:ext cx="1331246" cy="968179"/>
-            </a:xfrm>
-            <a:prstGeom prst="rect">
-              <a:avLst/>
-            </a:prstGeom>
-          </p:spPr>
-        </p:pic>
-        <p:sp>
-          <p:nvSpPr>
-            <p:cNvPr id="40" name="Rectangle 39">
-              <a:extLst>
-                <a:ext uri="{FF2B5EF4-FFF2-40B4-BE49-F238E27FC236}">
-                  <a16:creationId xmlns:a16="http://schemas.microsoft.com/office/drawing/2014/main" id="{9AB5203E-385D-46F1-824C-E1835FD1CA0A}"/>
-                </a:ext>
-              </a:extLst>
-            </p:cNvPr>
-            <p:cNvSpPr/>
-            <p:nvPr/>
-          </p:nvSpPr>
-          <p:spPr>
-            <a:xfrm>
-              <a:off x="819618" y="3498113"/>
-              <a:ext cx="1501629" cy="968179"/>
-            </a:xfrm>
-            <a:prstGeom prst="rect">
-              <a:avLst/>
-            </a:prstGeom>
-            <a:noFill/>
-          </p:spPr>
-          <p:style>
-            <a:lnRef idx="2">
-              <a:schemeClr val="dk1"/>
-            </a:lnRef>
-            <a:fillRef idx="1">
-              <a:schemeClr val="lt1"/>
-            </a:fillRef>
-            <a:effectRef idx="0">
-              <a:schemeClr val="dk1"/>
-            </a:effectRef>
-            <a:fontRef idx="minor">
-              <a:schemeClr val="dk1"/>
-            </a:fontRef>
-          </p:style>
-          <p:txBody>
-            <a:bodyPr rtlCol="0" anchor="ctr"/>
-            <a:lstStyle/>
-            <a:p>
-              <a:pPr algn="ctr"/>
-              <a:endParaRPr lang="en-US"/>
-            </a:p>
-          </p:txBody>
-        </p:sp>
-      </p:grpSp>
-      <p:grpSp>
-        <p:nvGrpSpPr>
-          <p:cNvPr id="41" name="Group 40">
-            <a:extLst>
-              <a:ext uri="{FF2B5EF4-FFF2-40B4-BE49-F238E27FC236}">
-                <a16:creationId xmlns:a16="http://schemas.microsoft.com/office/drawing/2014/main" id="{CBA178CB-D057-445A-8A92-FDCC49AE0F86}"/>
-              </a:ext>
-            </a:extLst>
-          </p:cNvPr>
-          <p:cNvGrpSpPr/>
-          <p:nvPr/>
-        </p:nvGrpSpPr>
-        <p:grpSpPr>
-          <a:xfrm>
-            <a:off x="953665" y="2685819"/>
-            <a:ext cx="3031051" cy="2068008"/>
-            <a:chOff x="443349" y="2046570"/>
-            <a:chExt cx="2229285" cy="1520984"/>
-          </a:xfrm>
-        </p:grpSpPr>
-        <p:pic>
-          <p:nvPicPr>
-            <p:cNvPr id="42" name="Picture 41">
-              <a:extLst>
-                <a:ext uri="{FF2B5EF4-FFF2-40B4-BE49-F238E27FC236}">
-                  <a16:creationId xmlns:a16="http://schemas.microsoft.com/office/drawing/2014/main" id="{3313390C-68C9-4D4E-B93A-58DB1AE57AAB}"/>
-                </a:ext>
-              </a:extLst>
-            </p:cNvPr>
-            <p:cNvPicPr>
-              <a:picLocks noChangeAspect="1"/>
-            </p:cNvPicPr>
-            <p:nvPr/>
-          </p:nvPicPr>
-          <p:blipFill>
-            <a:blip r:embed="rId6"/>
-            <a:stretch>
-              <a:fillRect/>
-            </a:stretch>
-          </p:blipFill>
-          <p:spPr>
-            <a:xfrm>
-              <a:off x="443349" y="2046570"/>
-              <a:ext cx="2229285" cy="1520984"/>
-            </a:xfrm>
-            <a:prstGeom prst="rect">
-              <a:avLst/>
-            </a:prstGeom>
-          </p:spPr>
-        </p:pic>
-        <p:sp>
-          <p:nvSpPr>
-            <p:cNvPr id="43" name="Rectangle 42">
-              <a:extLst>
-                <a:ext uri="{FF2B5EF4-FFF2-40B4-BE49-F238E27FC236}">
-                  <a16:creationId xmlns:a16="http://schemas.microsoft.com/office/drawing/2014/main" id="{65BF7FD9-5C09-40A5-B5F8-7E162CADABE8}"/>
-                </a:ext>
-              </a:extLst>
-            </p:cNvPr>
-            <p:cNvSpPr/>
-            <p:nvPr/>
-          </p:nvSpPr>
-          <p:spPr>
-            <a:xfrm>
-              <a:off x="814025" y="2127233"/>
-              <a:ext cx="1501629" cy="968179"/>
-            </a:xfrm>
-            <a:prstGeom prst="rect">
-              <a:avLst/>
-            </a:prstGeom>
-            <a:noFill/>
-          </p:spPr>
-          <p:style>
-            <a:lnRef idx="2">
-              <a:schemeClr val="dk1"/>
-            </a:lnRef>
-            <a:fillRef idx="1">
-              <a:schemeClr val="lt1"/>
-            </a:fillRef>
-            <a:effectRef idx="0">
-              <a:schemeClr val="dk1"/>
-            </a:effectRef>
-            <a:fontRef idx="minor">
-              <a:schemeClr val="dk1"/>
-            </a:fontRef>
-          </p:style>
-          <p:txBody>
-            <a:bodyPr rtlCol="0" anchor="ctr"/>
-            <a:lstStyle/>
-            <a:p>
-              <a:pPr algn="ctr"/>
-              <a:endParaRPr lang="en-US"/>
-            </a:p>
-          </p:txBody>
-        </p:sp>
-      </p:grpSp>
-      <p:grpSp>
-        <p:nvGrpSpPr>
-          <p:cNvPr id="44" name="Group 43">
-            <a:extLst>
-              <a:ext uri="{FF2B5EF4-FFF2-40B4-BE49-F238E27FC236}">
-                <a16:creationId xmlns:a16="http://schemas.microsoft.com/office/drawing/2014/main" id="{14EFBC2D-8586-4E2D-ACFA-0BF639E21A96}"/>
-              </a:ext>
-            </a:extLst>
-          </p:cNvPr>
-          <p:cNvGrpSpPr/>
-          <p:nvPr/>
-        </p:nvGrpSpPr>
-        <p:grpSpPr>
-          <a:xfrm>
-            <a:off x="-1630547" y="2682146"/>
-            <a:ext cx="2719742" cy="1735686"/>
-            <a:chOff x="564677" y="620001"/>
-            <a:chExt cx="2000323" cy="1276567"/>
-          </a:xfrm>
-        </p:grpSpPr>
-        <p:pic>
-          <p:nvPicPr>
-            <p:cNvPr id="45" name="Picture 44">
-              <a:extLst>
-                <a:ext uri="{FF2B5EF4-FFF2-40B4-BE49-F238E27FC236}">
-                  <a16:creationId xmlns:a16="http://schemas.microsoft.com/office/drawing/2014/main" id="{40971D4B-86DC-4250-A86C-BCB57983A8C9}"/>
-                </a:ext>
-              </a:extLst>
-            </p:cNvPr>
-            <p:cNvPicPr>
-              <a:picLocks noChangeAspect="1"/>
-            </p:cNvPicPr>
-            <p:nvPr/>
-          </p:nvPicPr>
-          <p:blipFill>
-            <a:blip r:embed="rId7"/>
-            <a:stretch>
-              <a:fillRect/>
-            </a:stretch>
-          </p:blipFill>
-          <p:spPr>
-            <a:xfrm>
-              <a:off x="564677" y="620001"/>
-              <a:ext cx="2000323" cy="1276567"/>
-            </a:xfrm>
-            <a:prstGeom prst="rect">
-              <a:avLst/>
-            </a:prstGeom>
-          </p:spPr>
-        </p:pic>
-        <p:sp>
-          <p:nvSpPr>
-            <p:cNvPr id="46" name="Rectangle 45">
-              <a:extLst>
-                <a:ext uri="{FF2B5EF4-FFF2-40B4-BE49-F238E27FC236}">
-                  <a16:creationId xmlns:a16="http://schemas.microsoft.com/office/drawing/2014/main" id="{E6AABBBB-C87E-46DD-9933-C8915F04B85E}"/>
-                </a:ext>
-              </a:extLst>
-            </p:cNvPr>
-            <p:cNvSpPr/>
-            <p:nvPr/>
-          </p:nvSpPr>
-          <p:spPr>
-            <a:xfrm>
-              <a:off x="814026" y="783215"/>
-              <a:ext cx="1501629" cy="968179"/>
-            </a:xfrm>
-            <a:prstGeom prst="rect">
-              <a:avLst/>
-            </a:prstGeom>
-            <a:noFill/>
-          </p:spPr>
-          <p:style>
-            <a:lnRef idx="2">
-              <a:schemeClr val="dk1"/>
-            </a:lnRef>
-            <a:fillRef idx="1">
-              <a:schemeClr val="lt1"/>
-            </a:fillRef>
-            <a:effectRef idx="0">
-              <a:schemeClr val="dk1"/>
-            </a:effectRef>
-            <a:fontRef idx="minor">
-              <a:schemeClr val="dk1"/>
-            </a:fontRef>
-          </p:style>
-          <p:txBody>
-            <a:bodyPr rtlCol="0" anchor="ctr"/>
-            <a:lstStyle/>
-            <a:p>
-              <a:pPr algn="ctr"/>
-              <a:endParaRPr lang="en-US"/>
-            </a:p>
-          </p:txBody>
-        </p:sp>
-      </p:grpSp>
-      <p:cxnSp>
-        <p:nvCxnSpPr>
-          <p:cNvPr id="47" name="Straight Arrow Connector 46">
-            <a:extLst>
-              <a:ext uri="{FF2B5EF4-FFF2-40B4-BE49-F238E27FC236}">
-                <a16:creationId xmlns:a16="http://schemas.microsoft.com/office/drawing/2014/main" id="{FBD6E520-CBAC-4F3E-AEA8-35EBBB1BA68D}"/>
-              </a:ext>
-            </a:extLst>
-          </p:cNvPr>
-          <p:cNvCxnSpPr>
-            <a:cxnSpLocks/>
-          </p:cNvCxnSpPr>
-          <p:nvPr/>
-        </p:nvCxnSpPr>
-        <p:spPr>
-          <a:xfrm>
-            <a:off x="3491833" y="3428731"/>
-            <a:ext cx="682595" cy="10205"/>
-          </a:xfrm>
-          <a:prstGeom prst="straightConnector1">
-            <a:avLst/>
-          </a:prstGeom>
-          <a:ln>
-            <a:tailEnd type="triangle"/>
-          </a:ln>
-        </p:spPr>
-        <p:style>
-          <a:lnRef idx="1">
-            <a:schemeClr val="dk1"/>
-          </a:lnRef>
-          <a:fillRef idx="0">
-            <a:schemeClr val="dk1"/>
-          </a:fillRef>
-          <a:effectRef idx="0">
-            <a:schemeClr val="dk1"/>
-          </a:effectRef>
-          <a:fontRef idx="minor">
-            <a:schemeClr val="tx1"/>
-          </a:fontRef>
-        </p:style>
-      </p:cxnSp>
-      <p:cxnSp>
-        <p:nvCxnSpPr>
-          <p:cNvPr id="48" name="Straight Arrow Connector 47">
-            <a:extLst>
-              <a:ext uri="{FF2B5EF4-FFF2-40B4-BE49-F238E27FC236}">
-                <a16:creationId xmlns:a16="http://schemas.microsoft.com/office/drawing/2014/main" id="{71C50788-3FFB-43FC-AEB6-0B92E9D25BA4}"/>
-              </a:ext>
-            </a:extLst>
-          </p:cNvPr>
-          <p:cNvCxnSpPr>
-            <a:cxnSpLocks/>
-            <a:stCxn id="31" idx="3"/>
-          </p:cNvCxnSpPr>
-          <p:nvPr/>
-        </p:nvCxnSpPr>
-        <p:spPr>
-          <a:xfrm flipV="1">
-            <a:off x="8935592" y="3162172"/>
-            <a:ext cx="1125479" cy="245284"/>
-          </a:xfrm>
-          <a:prstGeom prst="straightConnector1">
-            <a:avLst/>
-          </a:prstGeom>
-          <a:ln>
-            <a:tailEnd type="triangle"/>
-          </a:ln>
-        </p:spPr>
-        <p:style>
-          <a:lnRef idx="1">
-            <a:schemeClr val="dk1"/>
-          </a:lnRef>
-          <a:fillRef idx="0">
-            <a:schemeClr val="dk1"/>
-          </a:fillRef>
-          <a:effectRef idx="0">
-            <a:schemeClr val="dk1"/>
-          </a:effectRef>
-          <a:fontRef idx="minor">
-            <a:schemeClr val="tx1"/>
-          </a:fontRef>
-        </p:style>
-      </p:cxnSp>
-      <p:cxnSp>
-        <p:nvCxnSpPr>
-          <p:cNvPr id="49" name="Straight Arrow Connector 48">
-            <a:extLst>
-              <a:ext uri="{FF2B5EF4-FFF2-40B4-BE49-F238E27FC236}">
-                <a16:creationId xmlns:a16="http://schemas.microsoft.com/office/drawing/2014/main" id="{F5E4A3E1-ADD0-4A3B-BC83-9A163D7D18C9}"/>
-              </a:ext>
-            </a:extLst>
-          </p:cNvPr>
-          <p:cNvCxnSpPr>
-            <a:cxnSpLocks/>
-            <a:stCxn id="31" idx="3"/>
-          </p:cNvCxnSpPr>
-          <p:nvPr/>
-        </p:nvCxnSpPr>
-        <p:spPr>
-          <a:xfrm>
-            <a:off x="8935592" y="3407456"/>
-            <a:ext cx="1178299" cy="241432"/>
-          </a:xfrm>
-          <a:prstGeom prst="straightConnector1">
-            <a:avLst/>
-          </a:prstGeom>
-          <a:ln>
-            <a:tailEnd type="triangle"/>
-          </a:ln>
-        </p:spPr>
-        <p:style>
-          <a:lnRef idx="1">
-            <a:schemeClr val="dk1"/>
-          </a:lnRef>
-          <a:fillRef idx="0">
-            <a:schemeClr val="dk1"/>
-          </a:fillRef>
-          <a:effectRef idx="0">
-            <a:schemeClr val="dk1"/>
-          </a:effectRef>
-          <a:fontRef idx="minor">
-            <a:schemeClr val="tx1"/>
-          </a:fontRef>
-        </p:style>
-      </p:cxnSp>
-      <p:sp>
-        <p:nvSpPr>
-          <p:cNvPr id="50" name="TextBox 49">
-            <a:extLst>
-              <a:ext uri="{FF2B5EF4-FFF2-40B4-BE49-F238E27FC236}">
-                <a16:creationId xmlns:a16="http://schemas.microsoft.com/office/drawing/2014/main" id="{4EEC88CD-6DFF-4EFD-ADE0-5AB54D6A6D01}"/>
-              </a:ext>
-            </a:extLst>
-          </p:cNvPr>
-          <p:cNvSpPr txBox="1"/>
-          <p:nvPr/>
-        </p:nvSpPr>
-        <p:spPr>
-          <a:xfrm rot="755005">
-            <a:off x="9235767" y="3489126"/>
-            <a:ext cx="584968" cy="276999"/>
-          </a:xfrm>
-          <a:prstGeom prst="rect">
-            <a:avLst/>
-          </a:prstGeom>
-          <a:noFill/>
-        </p:spPr>
-        <p:txBody>
-          <a:bodyPr wrap="square" rtlCol="0">
-            <a:spAutoFit/>
+      <p:sp>
+        <p:nvSpPr>
+          <p:cNvPr id="2" name="Title 1">
+            <a:extLst>
+              <a:ext uri="{FF2B5EF4-FFF2-40B4-BE49-F238E27FC236}">
+                <a16:creationId xmlns:a16="http://schemas.microsoft.com/office/drawing/2014/main" id="{D9D1376E-466F-4344-A525-3CDD0256B658}"/>
+              </a:ext>
+            </a:extLst>
+          </p:cNvPr>
+          <p:cNvSpPr>
+            <a:spLocks noGrp="1"/>
+          </p:cNvSpPr>
+          <p:nvPr>
+            <p:ph type="title"/>
+          </p:nvPr>
+        </p:nvSpPr>
+        <p:spPr>
+          <a:xfrm>
+            <a:off x="5883775" y="85541"/>
+            <a:ext cx="5786255" cy="977114"/>
+          </a:xfrm>
+        </p:spPr>
+        <p:txBody>
+          <a:bodyPr>
+            <a:normAutofit/>
           </a:bodyPr>
           <a:lstStyle/>
           <a:p>
             <a:r>
-              <a:rPr lang="en-US" sz="1200" dirty="0"/>
-              <a:t>Ignore</a:t>
-            </a:r>
-            <a:endParaRPr lang="en-US" sz="1400" dirty="0"/>
-          </a:p>
-        </p:txBody>
-      </p:sp>
-      <p:sp>
-        <p:nvSpPr>
-          <p:cNvPr id="51" name="TextBox 50">
-            <a:extLst>
-              <a:ext uri="{FF2B5EF4-FFF2-40B4-BE49-F238E27FC236}">
-                <a16:creationId xmlns:a16="http://schemas.microsoft.com/office/drawing/2014/main" id="{ADD56A3A-9B41-4DA6-BF37-8821A8DB039E}"/>
-              </a:ext>
-            </a:extLst>
-          </p:cNvPr>
-          <p:cNvSpPr txBox="1"/>
-          <p:nvPr/>
-        </p:nvSpPr>
-        <p:spPr>
-          <a:xfrm rot="20748011">
-            <a:off x="9181358" y="3041632"/>
-            <a:ext cx="671979" cy="276999"/>
-          </a:xfrm>
-          <a:prstGeom prst="rect">
-            <a:avLst/>
-          </a:prstGeom>
-          <a:noFill/>
-        </p:spPr>
-        <p:txBody>
-          <a:bodyPr wrap="square" rtlCol="0">
-            <a:spAutoFit/>
-          </a:bodyPr>
-          <a:lstStyle/>
-          <a:p>
-            <a:r>
-              <a:rPr lang="en-US" sz="1200" dirty="0"/>
-              <a:t>Gamble</a:t>
-            </a:r>
-            <a:endParaRPr lang="en-US" sz="1400" dirty="0"/>
-          </a:p>
-        </p:txBody>
-      </p:sp>
-      <p:cxnSp>
-        <p:nvCxnSpPr>
-          <p:cNvPr id="52" name="Straight Arrow Connector 51">
-            <a:extLst>
-              <a:ext uri="{FF2B5EF4-FFF2-40B4-BE49-F238E27FC236}">
-                <a16:creationId xmlns:a16="http://schemas.microsoft.com/office/drawing/2014/main" id="{D3792C42-048D-42AC-95D7-29514E403C4E}"/>
-              </a:ext>
-            </a:extLst>
-          </p:cNvPr>
-          <p:cNvCxnSpPr>
-            <a:cxnSpLocks/>
-          </p:cNvCxnSpPr>
-          <p:nvPr/>
-        </p:nvCxnSpPr>
-        <p:spPr>
-          <a:xfrm>
-            <a:off x="6200148" y="3407455"/>
-            <a:ext cx="682595" cy="10205"/>
-          </a:xfrm>
-          <a:prstGeom prst="straightConnector1">
-            <a:avLst/>
-          </a:prstGeom>
-          <a:ln>
-            <a:tailEnd type="triangle"/>
-          </a:ln>
-        </p:spPr>
-        <p:style>
-          <a:lnRef idx="1">
-            <a:schemeClr val="dk1"/>
-          </a:lnRef>
-          <a:fillRef idx="0">
-            <a:schemeClr val="dk1"/>
-          </a:fillRef>
-          <a:effectRef idx="0">
-            <a:schemeClr val="dk1"/>
-          </a:effectRef>
-          <a:fontRef idx="minor">
-            <a:schemeClr val="tx1"/>
-          </a:fontRef>
-        </p:style>
-      </p:cxnSp>
-      <p:cxnSp>
-        <p:nvCxnSpPr>
-          <p:cNvPr id="53" name="Straight Arrow Connector 52">
-            <a:extLst>
-              <a:ext uri="{FF2B5EF4-FFF2-40B4-BE49-F238E27FC236}">
-                <a16:creationId xmlns:a16="http://schemas.microsoft.com/office/drawing/2014/main" id="{AAAD99F3-15E5-446C-AE6A-013C349625B8}"/>
-              </a:ext>
-            </a:extLst>
-          </p:cNvPr>
-          <p:cNvCxnSpPr>
-            <a:cxnSpLocks/>
-          </p:cNvCxnSpPr>
-          <p:nvPr/>
-        </p:nvCxnSpPr>
-        <p:spPr>
-          <a:xfrm>
-            <a:off x="774024" y="3443481"/>
-            <a:ext cx="682595" cy="10205"/>
-          </a:xfrm>
-          <a:prstGeom prst="straightConnector1">
-            <a:avLst/>
-          </a:prstGeom>
-          <a:ln>
-            <a:tailEnd type="triangle"/>
-          </a:ln>
-        </p:spPr>
-        <p:style>
-          <a:lnRef idx="1">
-            <a:schemeClr val="dk1"/>
-          </a:lnRef>
-          <a:fillRef idx="0">
-            <a:schemeClr val="dk1"/>
-          </a:fillRef>
-          <a:effectRef idx="0">
-            <a:schemeClr val="dk1"/>
-          </a:effectRef>
-          <a:fontRef idx="minor">
-            <a:schemeClr val="tx1"/>
-          </a:fontRef>
-        </p:style>
-      </p:cxnSp>
+              <a:rPr lang="en-US" sz="2400" dirty="0"/>
+              <a:t>First order characteristics of 131 subj.</a:t>
+            </a:r>
+          </a:p>
+        </p:txBody>
+      </p:sp>
+      <p:pic>
+        <p:nvPicPr>
+          <p:cNvPr id="3" name="Picture 2">
+            <a:extLst>
+              <a:ext uri="{FF2B5EF4-FFF2-40B4-BE49-F238E27FC236}">
+                <a16:creationId xmlns:a16="http://schemas.microsoft.com/office/drawing/2014/main" id="{26A25B4D-C785-46DF-B85F-45F8B4263C1F}"/>
+              </a:ext>
+            </a:extLst>
+          </p:cNvPr>
+          <p:cNvPicPr>
+            <a:picLocks noChangeAspect="1"/>
+          </p:cNvPicPr>
+          <p:nvPr/>
+        </p:nvPicPr>
+        <p:blipFill>
+          <a:blip r:embed="rId2"/>
+          <a:stretch>
+            <a:fillRect/>
+          </a:stretch>
+        </p:blipFill>
+        <p:spPr>
+          <a:xfrm>
+            <a:off x="7431599" y="898416"/>
+            <a:ext cx="2898650" cy="3302441"/>
+          </a:xfrm>
+          <a:prstGeom prst="rect">
+            <a:avLst/>
+          </a:prstGeom>
+        </p:spPr>
+      </p:pic>
+      <p:pic>
+        <p:nvPicPr>
+          <p:cNvPr id="4" name="Picture 3">
+            <a:extLst>
+              <a:ext uri="{FF2B5EF4-FFF2-40B4-BE49-F238E27FC236}">
+                <a16:creationId xmlns:a16="http://schemas.microsoft.com/office/drawing/2014/main" id="{CCB1B809-2DE0-446D-81B3-128465B61F0C}"/>
+              </a:ext>
+            </a:extLst>
+          </p:cNvPr>
+          <p:cNvPicPr>
+            <a:picLocks noChangeAspect="1"/>
+          </p:cNvPicPr>
+          <p:nvPr/>
+        </p:nvPicPr>
+        <p:blipFill>
+          <a:blip r:embed="rId3"/>
+          <a:stretch>
+            <a:fillRect/>
+          </a:stretch>
+        </p:blipFill>
+        <p:spPr>
+          <a:xfrm>
+            <a:off x="331165" y="119858"/>
+            <a:ext cx="4429237" cy="3742039"/>
+          </a:xfrm>
+          <a:prstGeom prst="rect">
+            <a:avLst/>
+          </a:prstGeom>
+        </p:spPr>
+      </p:pic>
+      <p:pic>
+        <p:nvPicPr>
+          <p:cNvPr id="5" name="Picture 4">
+            <a:extLst>
+              <a:ext uri="{FF2B5EF4-FFF2-40B4-BE49-F238E27FC236}">
+                <a16:creationId xmlns:a16="http://schemas.microsoft.com/office/drawing/2014/main" id="{E326DB5A-A4C4-4CBA-89C1-A2B2F1000AD1}"/>
+              </a:ext>
+            </a:extLst>
+          </p:cNvPr>
+          <p:cNvPicPr>
+            <a:picLocks noChangeAspect="1"/>
+          </p:cNvPicPr>
+          <p:nvPr/>
+        </p:nvPicPr>
+        <p:blipFill>
+          <a:blip r:embed="rId4"/>
+          <a:stretch>
+            <a:fillRect/>
+          </a:stretch>
+        </p:blipFill>
+        <p:spPr>
+          <a:xfrm>
+            <a:off x="7073253" y="4306253"/>
+            <a:ext cx="3738910" cy="2466206"/>
+          </a:xfrm>
+          <a:prstGeom prst="rect">
+            <a:avLst/>
+          </a:prstGeom>
+        </p:spPr>
+      </p:pic>
+      <p:pic>
+        <p:nvPicPr>
+          <p:cNvPr id="6" name="Picture 5">
+            <a:extLst>
+              <a:ext uri="{FF2B5EF4-FFF2-40B4-BE49-F238E27FC236}">
+                <a16:creationId xmlns:a16="http://schemas.microsoft.com/office/drawing/2014/main" id="{A6189198-B597-4174-ABE7-61EA7A7E157B}"/>
+              </a:ext>
+            </a:extLst>
+          </p:cNvPr>
+          <p:cNvPicPr>
+            <a:picLocks noChangeAspect="1"/>
+          </p:cNvPicPr>
+          <p:nvPr/>
+        </p:nvPicPr>
+        <p:blipFill>
+          <a:blip r:embed="rId5"/>
+          <a:stretch>
+            <a:fillRect/>
+          </a:stretch>
+        </p:blipFill>
+        <p:spPr>
+          <a:xfrm>
+            <a:off x="1711537" y="4062686"/>
+            <a:ext cx="2348326" cy="2675456"/>
+          </a:xfrm>
+          <a:prstGeom prst="rect">
+            <a:avLst/>
+          </a:prstGeom>
+        </p:spPr>
+      </p:pic>
     </p:spTree>
     <p:extLst>
       <p:ext uri="{BB962C8B-B14F-4D97-AF65-F5344CB8AC3E}">
-        <p14:creationId xmlns:p14="http://schemas.microsoft.com/office/powerpoint/2010/main" val="2757246116"/>
+        <p14:creationId xmlns:p14="http://schemas.microsoft.com/office/powerpoint/2010/main" val="1332971253"/>
       </p:ext>
     </p:extLst>
   </p:cSld>
@@ -10279,10 +6446,10 @@
       </p:grpSpPr>
       <p:sp>
         <p:nvSpPr>
-          <p:cNvPr id="2" name="Title 1">
-            <a:extLst>
-              <a:ext uri="{FF2B5EF4-FFF2-40B4-BE49-F238E27FC236}">
-                <a16:creationId xmlns:a16="http://schemas.microsoft.com/office/drawing/2014/main" id="{D9D1376E-466F-4344-A525-3CDD0256B658}"/>
+          <p:cNvPr id="4" name="Title 1">
+            <a:extLst>
+              <a:ext uri="{FF2B5EF4-FFF2-40B4-BE49-F238E27FC236}">
+                <a16:creationId xmlns:a16="http://schemas.microsoft.com/office/drawing/2014/main" id="{F90A0724-B0F6-4615-A9A9-B38E3C20CF20}"/>
               </a:ext>
             </a:extLst>
           </p:cNvPr>
@@ -10295,8 +6462,8 @@
         </p:nvSpPr>
         <p:spPr>
           <a:xfrm>
-            <a:off x="5883775" y="85541"/>
-            <a:ext cx="5786255" cy="977114"/>
+            <a:off x="175470" y="0"/>
+            <a:ext cx="9169866" cy="977114"/>
           </a:xfrm>
         </p:spPr>
         <p:txBody>
@@ -10307,17 +6474,58 @@
           <a:p>
             <a:r>
               <a:rPr lang="en-US" sz="2400" dirty="0"/>
-              <a:t>First order characteristics of 131 subj.</a:t>
-            </a:r>
-          </a:p>
-        </p:txBody>
-      </p:sp>
-      <p:pic>
-        <p:nvPicPr>
-          <p:cNvPr id="9" name="Picture 8">
-            <a:extLst>
-              <a:ext uri="{FF2B5EF4-FFF2-40B4-BE49-F238E27FC236}">
-                <a16:creationId xmlns:a16="http://schemas.microsoft.com/office/drawing/2014/main" id="{5AC7058E-92A4-4D49-917A-26E20A535E09}"/>
+              <a:t>All data</a:t>
+            </a:r>
+          </a:p>
+        </p:txBody>
+      </p:sp>
+      <p:sp>
+        <p:nvSpPr>
+          <p:cNvPr id="11" name="TextBox 10">
+            <a:extLst>
+              <a:ext uri="{FF2B5EF4-FFF2-40B4-BE49-F238E27FC236}">
+                <a16:creationId xmlns:a16="http://schemas.microsoft.com/office/drawing/2014/main" id="{CA8DCE9D-2329-40F5-A303-1832AE7A76E3}"/>
+              </a:ext>
+            </a:extLst>
+          </p:cNvPr>
+          <p:cNvSpPr txBox="1"/>
+          <p:nvPr/>
+        </p:nvSpPr>
+        <p:spPr>
+          <a:xfrm>
+            <a:off x="8624234" y="6236872"/>
+            <a:ext cx="2346027" cy="461665"/>
+          </a:xfrm>
+          <a:prstGeom prst="rect">
+            <a:avLst/>
+          </a:prstGeom>
+          <a:noFill/>
+        </p:spPr>
+        <p:txBody>
+          <a:bodyPr wrap="none" rtlCol="0">
+            <a:spAutoFit/>
+          </a:bodyPr>
+          <a:lstStyle/>
+          <a:p>
+            <a:r>
+              <a:rPr lang="en-US" sz="1200" dirty="0"/>
+              <a:t>Note: t test of gamble slopes</a:t>
+            </a:r>
+          </a:p>
+          <a:p>
+            <a:r>
+              <a:rPr lang="en-US" sz="1200" dirty="0"/>
+              <a:t>shows sig. different than 0 (p&lt;.05).</a:t>
+            </a:r>
+          </a:p>
+        </p:txBody>
+      </p:sp>
+      <p:pic>
+        <p:nvPicPr>
+          <p:cNvPr id="5" name="Picture 4">
+            <a:extLst>
+              <a:ext uri="{FF2B5EF4-FFF2-40B4-BE49-F238E27FC236}">
+                <a16:creationId xmlns:a16="http://schemas.microsoft.com/office/drawing/2014/main" id="{47AE033E-C079-43C7-8DF3-C6EA4D17B40A}"/>
               </a:ext>
             </a:extLst>
           </p:cNvPr>
@@ -10334,20 +6542,20 @@
         </p:blipFill>
         <p:spPr>
           <a:xfrm>
-            <a:off x="805494" y="835267"/>
-            <a:ext cx="3954909" cy="2854902"/>
-          </a:xfrm>
-          <a:prstGeom prst="rect">
-            <a:avLst/>
-          </a:prstGeom>
-        </p:spPr>
-      </p:pic>
-      <p:pic>
-        <p:nvPicPr>
-          <p:cNvPr id="10" name="Picture 9">
-            <a:extLst>
-              <a:ext uri="{FF2B5EF4-FFF2-40B4-BE49-F238E27FC236}">
-                <a16:creationId xmlns:a16="http://schemas.microsoft.com/office/drawing/2014/main" id="{38D0E3E0-E4DF-4589-98EA-1BF7324AC4B8}"/>
+            <a:off x="1028442" y="739257"/>
+            <a:ext cx="2627396" cy="2993401"/>
+          </a:xfrm>
+          <a:prstGeom prst="rect">
+            <a:avLst/>
+          </a:prstGeom>
+        </p:spPr>
+      </p:pic>
+      <p:pic>
+        <p:nvPicPr>
+          <p:cNvPr id="6" name="Picture 5">
+            <a:extLst>
+              <a:ext uri="{FF2B5EF4-FFF2-40B4-BE49-F238E27FC236}">
+                <a16:creationId xmlns:a16="http://schemas.microsoft.com/office/drawing/2014/main" id="{6D6EE378-C10F-4036-81E0-7E822E7617B3}"/>
               </a:ext>
             </a:extLst>
           </p:cNvPr>
@@ -10364,20 +6572,20 @@
         </p:blipFill>
         <p:spPr>
           <a:xfrm>
-            <a:off x="6787755" y="3626759"/>
-            <a:ext cx="3680953" cy="2657143"/>
-          </a:xfrm>
-          <a:prstGeom prst="rect">
-            <a:avLst/>
-          </a:prstGeom>
-        </p:spPr>
-      </p:pic>
-      <p:pic>
-        <p:nvPicPr>
-          <p:cNvPr id="11" name="Picture 10">
-            <a:extLst>
-              <a:ext uri="{FF2B5EF4-FFF2-40B4-BE49-F238E27FC236}">
-                <a16:creationId xmlns:a16="http://schemas.microsoft.com/office/drawing/2014/main" id="{9B86B6FA-CED6-4127-AEFF-9D0FCDA48E21}"/>
+            <a:off x="3913105" y="1243954"/>
+            <a:ext cx="3414127" cy="2149426"/>
+          </a:xfrm>
+          <a:prstGeom prst="rect">
+            <a:avLst/>
+          </a:prstGeom>
+        </p:spPr>
+      </p:pic>
+      <p:pic>
+        <p:nvPicPr>
+          <p:cNvPr id="7" name="Picture 6">
+            <a:extLst>
+              <a:ext uri="{FF2B5EF4-FFF2-40B4-BE49-F238E27FC236}">
+                <a16:creationId xmlns:a16="http://schemas.microsoft.com/office/drawing/2014/main" id="{63B7FBA4-4642-4BFB-9B8C-E16CC7D2414C}"/>
               </a:ext>
             </a:extLst>
           </p:cNvPr>
@@ -10394,8 +6602,68 @@
         </p:blipFill>
         <p:spPr>
           <a:xfrm>
-            <a:off x="1349127" y="3626759"/>
-            <a:ext cx="3680953" cy="2657143"/>
+            <a:off x="3969660" y="4303348"/>
+            <a:ext cx="3301016" cy="1976949"/>
+          </a:xfrm>
+          <a:prstGeom prst="rect">
+            <a:avLst/>
+          </a:prstGeom>
+        </p:spPr>
+      </p:pic>
+      <p:pic>
+        <p:nvPicPr>
+          <p:cNvPr id="8" name="Picture 7">
+            <a:extLst>
+              <a:ext uri="{FF2B5EF4-FFF2-40B4-BE49-F238E27FC236}">
+                <a16:creationId xmlns:a16="http://schemas.microsoft.com/office/drawing/2014/main" id="{E72B42E1-D651-4389-93EE-0C647BDD98A6}"/>
+              </a:ext>
+            </a:extLst>
+          </p:cNvPr>
+          <p:cNvPicPr>
+            <a:picLocks noChangeAspect="1"/>
+          </p:cNvPicPr>
+          <p:nvPr/>
+        </p:nvPicPr>
+        <p:blipFill>
+          <a:blip r:embed="rId5"/>
+          <a:stretch>
+            <a:fillRect/>
+          </a:stretch>
+        </p:blipFill>
+        <p:spPr>
+          <a:xfrm>
+            <a:off x="854520" y="3900454"/>
+            <a:ext cx="2460574" cy="2803341"/>
+          </a:xfrm>
+          <a:prstGeom prst="rect">
+            <a:avLst/>
+          </a:prstGeom>
+        </p:spPr>
+      </p:pic>
+      <p:pic>
+        <p:nvPicPr>
+          <p:cNvPr id="15" name="Picture 14">
+            <a:extLst>
+              <a:ext uri="{FF2B5EF4-FFF2-40B4-BE49-F238E27FC236}">
+                <a16:creationId xmlns:a16="http://schemas.microsoft.com/office/drawing/2014/main" id="{95EFA610-6D36-466C-A116-5100463AD5F9}"/>
+              </a:ext>
+            </a:extLst>
+          </p:cNvPr>
+          <p:cNvPicPr>
+            <a:picLocks noChangeAspect="1"/>
+          </p:cNvPicPr>
+          <p:nvPr/>
+        </p:nvPicPr>
+        <p:blipFill>
+          <a:blip r:embed="rId6"/>
+          <a:stretch>
+            <a:fillRect/>
+          </a:stretch>
+        </p:blipFill>
+        <p:spPr>
+          <a:xfrm>
+            <a:off x="7270676" y="577703"/>
+            <a:ext cx="4833170" cy="5506447"/>
           </a:xfrm>
           <a:prstGeom prst="rect">
             <a:avLst/>
@@ -10405,7 +6673,7 @@
     </p:spTree>
     <p:extLst>
       <p:ext uri="{BB962C8B-B14F-4D97-AF65-F5344CB8AC3E}">
-        <p14:creationId xmlns:p14="http://schemas.microsoft.com/office/powerpoint/2010/main" val="1332971253"/>
+        <p14:creationId xmlns:p14="http://schemas.microsoft.com/office/powerpoint/2010/main" val="188081310"/>
       </p:ext>
     </p:extLst>
   </p:cSld>
@@ -10462,93 +6730,17 @@
           <a:p>
             <a:r>
               <a:rPr lang="en-US" sz="2400" dirty="0"/>
-              <a:t>All data</a:t>
-            </a:r>
-          </a:p>
-        </p:txBody>
-      </p:sp>
-      <p:sp>
-        <p:nvSpPr>
-          <p:cNvPr id="9" name="TextBox 8">
-            <a:extLst>
-              <a:ext uri="{FF2B5EF4-FFF2-40B4-BE49-F238E27FC236}">
-                <a16:creationId xmlns:a16="http://schemas.microsoft.com/office/drawing/2014/main" id="{F07905D9-9582-4958-AEBA-4DBC1769F77C}"/>
-              </a:ext>
-            </a:extLst>
-          </p:cNvPr>
-          <p:cNvSpPr txBox="1"/>
-          <p:nvPr/>
-        </p:nvSpPr>
-        <p:spPr>
-          <a:xfrm>
-            <a:off x="8990551" y="1866626"/>
-            <a:ext cx="2093778" cy="369332"/>
-          </a:xfrm>
-          <a:prstGeom prst="rect">
-            <a:avLst/>
-          </a:prstGeom>
-          <a:noFill/>
-        </p:spPr>
-        <p:txBody>
-          <a:bodyPr wrap="none" rtlCol="0">
-            <a:spAutoFit/>
-          </a:bodyPr>
-          <a:lstStyle/>
-          <a:p>
-            <a:r>
-              <a:rPr lang="en-US" dirty="0"/>
-              <a:t>Gamble vs RT slopes</a:t>
-            </a:r>
-          </a:p>
-        </p:txBody>
-      </p:sp>
-      <p:sp>
-        <p:nvSpPr>
-          <p:cNvPr id="11" name="TextBox 10">
-            <a:extLst>
-              <a:ext uri="{FF2B5EF4-FFF2-40B4-BE49-F238E27FC236}">
-                <a16:creationId xmlns:a16="http://schemas.microsoft.com/office/drawing/2014/main" id="{CA8DCE9D-2329-40F5-A303-1832AE7A76E3}"/>
-              </a:ext>
-            </a:extLst>
-          </p:cNvPr>
-          <p:cNvSpPr txBox="1"/>
-          <p:nvPr/>
-        </p:nvSpPr>
-        <p:spPr>
-          <a:xfrm>
-            <a:off x="8809585" y="5164117"/>
-            <a:ext cx="2346027" cy="461665"/>
-          </a:xfrm>
-          <a:prstGeom prst="rect">
-            <a:avLst/>
-          </a:prstGeom>
-          <a:noFill/>
-        </p:spPr>
-        <p:txBody>
-          <a:bodyPr wrap="none" rtlCol="0">
-            <a:spAutoFit/>
-          </a:bodyPr>
-          <a:lstStyle/>
-          <a:p>
-            <a:r>
-              <a:rPr lang="en-US" sz="1200" dirty="0"/>
-              <a:t>Note: t test of gamble slopes</a:t>
-            </a:r>
-          </a:p>
-          <a:p>
-            <a:r>
-              <a:rPr lang="en-US" sz="1200" dirty="0"/>
-              <a:t>shows sig. different than 0 (p&lt;.05).</a:t>
-            </a:r>
-          </a:p>
-        </p:txBody>
-      </p:sp>
-      <p:pic>
-        <p:nvPicPr>
-          <p:cNvPr id="2" name="Picture 1">
-            <a:extLst>
-              <a:ext uri="{FF2B5EF4-FFF2-40B4-BE49-F238E27FC236}">
-                <a16:creationId xmlns:a16="http://schemas.microsoft.com/office/drawing/2014/main" id="{A6A43AC9-3668-49D1-9CC1-483E6299A370}"/>
+              <a:t>Low Mag</a:t>
+            </a:r>
+          </a:p>
+        </p:txBody>
+      </p:sp>
+      <p:pic>
+        <p:nvPicPr>
+          <p:cNvPr id="7" name="Picture 6">
+            <a:extLst>
+              <a:ext uri="{FF2B5EF4-FFF2-40B4-BE49-F238E27FC236}">
+                <a16:creationId xmlns:a16="http://schemas.microsoft.com/office/drawing/2014/main" id="{38A03516-2418-4447-8DBF-D189F46654D2}"/>
               </a:ext>
             </a:extLst>
           </p:cNvPr>
@@ -10565,20 +6757,20 @@
         </p:blipFill>
         <p:spPr>
           <a:xfrm>
-            <a:off x="4991450" y="1058784"/>
-            <a:ext cx="2676525" cy="1809750"/>
-          </a:xfrm>
-          <a:prstGeom prst="rect">
-            <a:avLst/>
-          </a:prstGeom>
-        </p:spPr>
-      </p:pic>
-      <p:pic>
-        <p:nvPicPr>
-          <p:cNvPr id="3" name="Picture 2">
-            <a:extLst>
-              <a:ext uri="{FF2B5EF4-FFF2-40B4-BE49-F238E27FC236}">
-                <a16:creationId xmlns:a16="http://schemas.microsoft.com/office/drawing/2014/main" id="{FC0894DF-D8F4-4FDE-B5AC-F897756F32E2}"/>
+            <a:off x="1066361" y="926499"/>
+            <a:ext cx="3360673" cy="2425946"/>
+          </a:xfrm>
+          <a:prstGeom prst="rect">
+            <a:avLst/>
+          </a:prstGeom>
+        </p:spPr>
+      </p:pic>
+      <p:pic>
+        <p:nvPicPr>
+          <p:cNvPr id="8" name="Picture 7">
+            <a:extLst>
+              <a:ext uri="{FF2B5EF4-FFF2-40B4-BE49-F238E27FC236}">
+                <a16:creationId xmlns:a16="http://schemas.microsoft.com/office/drawing/2014/main" id="{6DAA56F6-71EC-4599-A824-8C64996798EB}"/>
               </a:ext>
             </a:extLst>
           </p:cNvPr>
@@ -10595,8 +6787,38 @@
         </p:blipFill>
         <p:spPr>
           <a:xfrm>
-            <a:off x="423030" y="773305"/>
-            <a:ext cx="4250862" cy="3068540"/>
+            <a:off x="7064496" y="812924"/>
+            <a:ext cx="3439342" cy="2482734"/>
+          </a:xfrm>
+          <a:prstGeom prst="rect">
+            <a:avLst/>
+          </a:prstGeom>
+        </p:spPr>
+      </p:pic>
+      <p:pic>
+        <p:nvPicPr>
+          <p:cNvPr id="9" name="Picture 8">
+            <a:extLst>
+              <a:ext uri="{FF2B5EF4-FFF2-40B4-BE49-F238E27FC236}">
+                <a16:creationId xmlns:a16="http://schemas.microsoft.com/office/drawing/2014/main" id="{4C4B028E-7048-458E-B0FF-20DBB76B506B}"/>
+              </a:ext>
+            </a:extLst>
+          </p:cNvPr>
+          <p:cNvPicPr>
+            <a:picLocks noChangeAspect="1"/>
+          </p:cNvPicPr>
+          <p:nvPr/>
+        </p:nvPicPr>
+        <p:blipFill>
+          <a:blip r:embed="rId4"/>
+          <a:stretch>
+            <a:fillRect/>
+          </a:stretch>
+        </p:blipFill>
+        <p:spPr>
+          <a:xfrm>
+            <a:off x="618533" y="3631539"/>
+            <a:ext cx="4141870" cy="2989862"/>
           </a:xfrm>
           <a:prstGeom prst="rect">
             <a:avLst/>
@@ -10608,37 +6830,7 @@
           <p:cNvPr id="10" name="Picture 9">
             <a:extLst>
               <a:ext uri="{FF2B5EF4-FFF2-40B4-BE49-F238E27FC236}">
-                <a16:creationId xmlns:a16="http://schemas.microsoft.com/office/drawing/2014/main" id="{6D7098B2-B9A5-4386-88ED-DB3F23DE9F03}"/>
-              </a:ext>
-            </a:extLst>
-          </p:cNvPr>
-          <p:cNvPicPr>
-            <a:picLocks noChangeAspect="1"/>
-          </p:cNvPicPr>
-          <p:nvPr/>
-        </p:nvPicPr>
-        <p:blipFill>
-          <a:blip r:embed="rId4"/>
-          <a:stretch>
-            <a:fillRect/>
-          </a:stretch>
-        </p:blipFill>
-        <p:spPr>
-          <a:xfrm>
-            <a:off x="300154" y="3848766"/>
-            <a:ext cx="3809907" cy="2750230"/>
-          </a:xfrm>
-          <a:prstGeom prst="rect">
-            <a:avLst/>
-          </a:prstGeom>
-        </p:spPr>
-      </p:pic>
-      <p:pic>
-        <p:nvPicPr>
-          <p:cNvPr id="12" name="Picture 11">
-            <a:extLst>
-              <a:ext uri="{FF2B5EF4-FFF2-40B4-BE49-F238E27FC236}">
-                <a16:creationId xmlns:a16="http://schemas.microsoft.com/office/drawing/2014/main" id="{2D80EC75-437F-4A62-BF61-76E6089EA950}"/>
+                <a16:creationId xmlns:a16="http://schemas.microsoft.com/office/drawing/2014/main" id="{62DF9C18-028A-4EC3-9AA7-BA7774D1E5B2}"/>
               </a:ext>
             </a:extLst>
           </p:cNvPr>
@@ -10655,38 +6847,8 @@
         </p:blipFill>
         <p:spPr>
           <a:xfrm>
-            <a:off x="4253849" y="4185329"/>
-            <a:ext cx="3414126" cy="2042153"/>
-          </a:xfrm>
-          <a:prstGeom prst="rect">
-            <a:avLst/>
-          </a:prstGeom>
-        </p:spPr>
-      </p:pic>
-      <p:pic>
-        <p:nvPicPr>
-          <p:cNvPr id="14" name="Picture 13">
-            <a:extLst>
-              <a:ext uri="{FF2B5EF4-FFF2-40B4-BE49-F238E27FC236}">
-                <a16:creationId xmlns:a16="http://schemas.microsoft.com/office/drawing/2014/main" id="{5FB75865-8D52-4387-9C83-8A70B9FE4497}"/>
-              </a:ext>
-            </a:extLst>
-          </p:cNvPr>
-          <p:cNvPicPr>
-            <a:picLocks noChangeAspect="1"/>
-          </p:cNvPicPr>
-          <p:nvPr/>
-        </p:nvPicPr>
-        <p:blipFill>
-          <a:blip r:embed="rId6"/>
-          <a:stretch>
-            <a:fillRect/>
-          </a:stretch>
-        </p:blipFill>
-        <p:spPr>
-          <a:xfrm>
-            <a:off x="7925242" y="2307456"/>
-            <a:ext cx="3528553" cy="2547131"/>
+            <a:off x="7064496" y="3810504"/>
+            <a:ext cx="3651216" cy="2635677"/>
           </a:xfrm>
           <a:prstGeom prst="rect">
             <a:avLst/>
@@ -10696,7 +6858,7 @@
     </p:spTree>
     <p:extLst>
       <p:ext uri="{BB962C8B-B14F-4D97-AF65-F5344CB8AC3E}">
-        <p14:creationId xmlns:p14="http://schemas.microsoft.com/office/powerpoint/2010/main" val="188081310"/>
+        <p14:creationId xmlns:p14="http://schemas.microsoft.com/office/powerpoint/2010/main" val="1556551016"/>
       </p:ext>
     </p:extLst>
   </p:cSld>
@@ -10753,7 +6915,7 @@
           <a:p>
             <a:r>
               <a:rPr lang="en-US" sz="2400" dirty="0"/>
-              <a:t>Low Mag</a:t>
+              <a:t>Mid Mag</a:t>
             </a:r>
           </a:p>
         </p:txBody>
@@ -10763,7 +6925,7 @@
           <p:cNvPr id="7" name="Picture 6">
             <a:extLst>
               <a:ext uri="{FF2B5EF4-FFF2-40B4-BE49-F238E27FC236}">
-                <a16:creationId xmlns:a16="http://schemas.microsoft.com/office/drawing/2014/main" id="{38A03516-2418-4447-8DBF-D189F46654D2}"/>
+                <a16:creationId xmlns:a16="http://schemas.microsoft.com/office/drawing/2014/main" id="{6B72BD26-86E7-479A-8A48-32C62023E55E}"/>
               </a:ext>
             </a:extLst>
           </p:cNvPr>
@@ -10780,8 +6942,8 @@
         </p:blipFill>
         <p:spPr>
           <a:xfrm>
-            <a:off x="1066361" y="926499"/>
-            <a:ext cx="3360673" cy="2425946"/>
+            <a:off x="541643" y="721446"/>
+            <a:ext cx="3461646" cy="2498834"/>
           </a:xfrm>
           <a:prstGeom prst="rect">
             <a:avLst/>
@@ -10793,7 +6955,7 @@
           <p:cNvPr id="8" name="Picture 7">
             <a:extLst>
               <a:ext uri="{FF2B5EF4-FFF2-40B4-BE49-F238E27FC236}">
-                <a16:creationId xmlns:a16="http://schemas.microsoft.com/office/drawing/2014/main" id="{6DAA56F6-71EC-4599-A824-8C64996798EB}"/>
+                <a16:creationId xmlns:a16="http://schemas.microsoft.com/office/drawing/2014/main" id="{CDC0A11E-5F98-48D9-97E1-40C90767226E}"/>
               </a:ext>
             </a:extLst>
           </p:cNvPr>
@@ -10810,8 +6972,8 @@
         </p:blipFill>
         <p:spPr>
           <a:xfrm>
-            <a:off x="7064496" y="812924"/>
-            <a:ext cx="3439342" cy="2482734"/>
+            <a:off x="6674813" y="592081"/>
+            <a:ext cx="3929997" cy="2836919"/>
           </a:xfrm>
           <a:prstGeom prst="rect">
             <a:avLst/>
@@ -10823,7 +6985,7 @@
           <p:cNvPr id="9" name="Picture 8">
             <a:extLst>
               <a:ext uri="{FF2B5EF4-FFF2-40B4-BE49-F238E27FC236}">
-                <a16:creationId xmlns:a16="http://schemas.microsoft.com/office/drawing/2014/main" id="{4C4B028E-7048-458E-B0FF-20DBB76B506B}"/>
+                <a16:creationId xmlns:a16="http://schemas.microsoft.com/office/drawing/2014/main" id="{6144FC08-2B4B-4C83-B67A-45E438116DC1}"/>
               </a:ext>
             </a:extLst>
           </p:cNvPr>
@@ -10840,8 +7002,8 @@
         </p:blipFill>
         <p:spPr>
           <a:xfrm>
-            <a:off x="618533" y="3631539"/>
-            <a:ext cx="4141870" cy="2989862"/>
+            <a:off x="431989" y="3941726"/>
+            <a:ext cx="3680953" cy="2657143"/>
           </a:xfrm>
           <a:prstGeom prst="rect">
             <a:avLst/>
@@ -10853,7 +7015,7 @@
           <p:cNvPr id="10" name="Picture 9">
             <a:extLst>
               <a:ext uri="{FF2B5EF4-FFF2-40B4-BE49-F238E27FC236}">
-                <a16:creationId xmlns:a16="http://schemas.microsoft.com/office/drawing/2014/main" id="{62DF9C18-028A-4EC3-9AA7-BA7774D1E5B2}"/>
+                <a16:creationId xmlns:a16="http://schemas.microsoft.com/office/drawing/2014/main" id="{BE44261A-7066-4C7E-B105-069F126D3B6D}"/>
               </a:ext>
             </a:extLst>
           </p:cNvPr>
@@ -10870,8 +7032,8 @@
         </p:blipFill>
         <p:spPr>
           <a:xfrm>
-            <a:off x="7064496" y="3810504"/>
-            <a:ext cx="3651216" cy="2635677"/>
+            <a:off x="6674813" y="4021081"/>
+            <a:ext cx="3680953" cy="2657143"/>
           </a:xfrm>
           <a:prstGeom prst="rect">
             <a:avLst/>
@@ -10881,7 +7043,7 @@
     </p:spTree>
     <p:extLst>
       <p:ext uri="{BB962C8B-B14F-4D97-AF65-F5344CB8AC3E}">
-        <p14:creationId xmlns:p14="http://schemas.microsoft.com/office/powerpoint/2010/main" val="1556551016"/>
+        <p14:creationId xmlns:p14="http://schemas.microsoft.com/office/powerpoint/2010/main" val="111594888"/>
       </p:ext>
     </p:extLst>
   </p:cSld>
@@ -10938,7 +7100,7 @@
           <a:p>
             <a:r>
               <a:rPr lang="en-US" sz="2400" dirty="0"/>
-              <a:t>Mid Mag</a:t>
+              <a:t>High Mag</a:t>
             </a:r>
           </a:p>
         </p:txBody>
@@ -10948,7 +7110,7 @@
           <p:cNvPr id="7" name="Picture 6">
             <a:extLst>
               <a:ext uri="{FF2B5EF4-FFF2-40B4-BE49-F238E27FC236}">
-                <a16:creationId xmlns:a16="http://schemas.microsoft.com/office/drawing/2014/main" id="{6B72BD26-86E7-479A-8A48-32C62023E55E}"/>
+                <a16:creationId xmlns:a16="http://schemas.microsoft.com/office/drawing/2014/main" id="{07429A77-84AB-4A6E-AB05-2671FDC57EC8}"/>
               </a:ext>
             </a:extLst>
           </p:cNvPr>
@@ -10965,8 +7127,8 @@
         </p:blipFill>
         <p:spPr>
           <a:xfrm>
-            <a:off x="541643" y="721446"/>
-            <a:ext cx="3461646" cy="2498834"/>
+            <a:off x="530491" y="796099"/>
+            <a:ext cx="4331441" cy="3126707"/>
           </a:xfrm>
           <a:prstGeom prst="rect">
             <a:avLst/>
@@ -10978,7 +7140,7 @@
           <p:cNvPr id="8" name="Picture 7">
             <a:extLst>
               <a:ext uri="{FF2B5EF4-FFF2-40B4-BE49-F238E27FC236}">
-                <a16:creationId xmlns:a16="http://schemas.microsoft.com/office/drawing/2014/main" id="{CDC0A11E-5F98-48D9-97E1-40C90767226E}"/>
+                <a16:creationId xmlns:a16="http://schemas.microsoft.com/office/drawing/2014/main" id="{BEB71185-BF77-4A3D-8838-2FF75E2C5783}"/>
               </a:ext>
             </a:extLst>
           </p:cNvPr>
@@ -10995,8 +7157,8 @@
         </p:blipFill>
         <p:spPr>
           <a:xfrm>
-            <a:off x="6674813" y="592081"/>
-            <a:ext cx="3929997" cy="2836919"/>
+            <a:off x="6563301" y="936703"/>
+            <a:ext cx="4059425" cy="2930348"/>
           </a:xfrm>
           <a:prstGeom prst="rect">
             <a:avLst/>
@@ -11008,7 +7170,7 @@
           <p:cNvPr id="9" name="Picture 8">
             <a:extLst>
               <a:ext uri="{FF2B5EF4-FFF2-40B4-BE49-F238E27FC236}">
-                <a16:creationId xmlns:a16="http://schemas.microsoft.com/office/drawing/2014/main" id="{6144FC08-2B4B-4C83-B67A-45E438116DC1}"/>
+                <a16:creationId xmlns:a16="http://schemas.microsoft.com/office/drawing/2014/main" id="{7DE92401-21B0-4818-8B02-2860BA8B07DC}"/>
               </a:ext>
             </a:extLst>
           </p:cNvPr>
@@ -11025,8 +7187,8 @@
         </p:blipFill>
         <p:spPr>
           <a:xfrm>
-            <a:off x="431989" y="3941726"/>
-            <a:ext cx="3680953" cy="2657143"/>
+            <a:off x="709462" y="3927651"/>
+            <a:ext cx="4059426" cy="2930349"/>
           </a:xfrm>
           <a:prstGeom prst="rect">
             <a:avLst/>
@@ -11038,7 +7200,7 @@
           <p:cNvPr id="10" name="Picture 9">
             <a:extLst>
               <a:ext uri="{FF2B5EF4-FFF2-40B4-BE49-F238E27FC236}">
-                <a16:creationId xmlns:a16="http://schemas.microsoft.com/office/drawing/2014/main" id="{BE44261A-7066-4C7E-B105-069F126D3B6D}"/>
+                <a16:creationId xmlns:a16="http://schemas.microsoft.com/office/drawing/2014/main" id="{4F161B5D-8F37-40B3-949B-8C1AAEC2F460}"/>
               </a:ext>
             </a:extLst>
           </p:cNvPr>
@@ -11055,7 +7217,7 @@
         </p:blipFill>
         <p:spPr>
           <a:xfrm>
-            <a:off x="6674813" y="4021081"/>
+            <a:off x="6941773" y="4064253"/>
             <a:ext cx="3680953" cy="2657143"/>
           </a:xfrm>
           <a:prstGeom prst="rect">
@@ -11066,7 +7228,7 @@
     </p:spTree>
     <p:extLst>
       <p:ext uri="{BB962C8B-B14F-4D97-AF65-F5344CB8AC3E}">
-        <p14:creationId xmlns:p14="http://schemas.microsoft.com/office/powerpoint/2010/main" val="111594888"/>
+        <p14:creationId xmlns:p14="http://schemas.microsoft.com/office/powerpoint/2010/main" val="864770650"/>
       </p:ext>
     </p:extLst>
   </p:cSld>
@@ -11123,7 +7285,7 @@
           <a:p>
             <a:r>
               <a:rPr lang="en-US" sz="2400" dirty="0"/>
-              <a:t>High Mag</a:t>
+              <a:t>Low value (previously called odds)</a:t>
             </a:r>
           </a:p>
         </p:txBody>
@@ -11133,7 +7295,7 @@
           <p:cNvPr id="7" name="Picture 6">
             <a:extLst>
               <a:ext uri="{FF2B5EF4-FFF2-40B4-BE49-F238E27FC236}">
-                <a16:creationId xmlns:a16="http://schemas.microsoft.com/office/drawing/2014/main" id="{07429A77-84AB-4A6E-AB05-2671FDC57EC8}"/>
+                <a16:creationId xmlns:a16="http://schemas.microsoft.com/office/drawing/2014/main" id="{358139DC-364B-49FE-A3E0-C96A73CA6754}"/>
               </a:ext>
             </a:extLst>
           </p:cNvPr>
@@ -11150,8 +7312,8 @@
         </p:blipFill>
         <p:spPr>
           <a:xfrm>
-            <a:off x="530491" y="796099"/>
-            <a:ext cx="4331441" cy="3126707"/>
+            <a:off x="809271" y="1065878"/>
+            <a:ext cx="3417041" cy="2466635"/>
           </a:xfrm>
           <a:prstGeom prst="rect">
             <a:avLst/>
@@ -11163,7 +7325,7 @@
           <p:cNvPr id="8" name="Picture 7">
             <a:extLst>
               <a:ext uri="{FF2B5EF4-FFF2-40B4-BE49-F238E27FC236}">
-                <a16:creationId xmlns:a16="http://schemas.microsoft.com/office/drawing/2014/main" id="{BEB71185-BF77-4A3D-8838-2FF75E2C5783}"/>
+                <a16:creationId xmlns:a16="http://schemas.microsoft.com/office/drawing/2014/main" id="{74C8A2DA-6E49-4A49-9269-A7DEBCD8CCBB}"/>
               </a:ext>
             </a:extLst>
           </p:cNvPr>
@@ -11180,8 +7342,8 @@
         </p:blipFill>
         <p:spPr>
           <a:xfrm>
-            <a:off x="6563301" y="936703"/>
-            <a:ext cx="4059425" cy="2930348"/>
+            <a:off x="7132013" y="933058"/>
+            <a:ext cx="3785031" cy="2732273"/>
           </a:xfrm>
           <a:prstGeom prst="rect">
             <a:avLst/>
@@ -11193,7 +7355,7 @@
           <p:cNvPr id="9" name="Picture 8">
             <a:extLst>
               <a:ext uri="{FF2B5EF4-FFF2-40B4-BE49-F238E27FC236}">
-                <a16:creationId xmlns:a16="http://schemas.microsoft.com/office/drawing/2014/main" id="{7DE92401-21B0-4818-8B02-2860BA8B07DC}"/>
+                <a16:creationId xmlns:a16="http://schemas.microsoft.com/office/drawing/2014/main" id="{2BED8C28-BE10-467E-804A-38272FDAA364}"/>
               </a:ext>
             </a:extLst>
           </p:cNvPr>
@@ -11210,8 +7372,8 @@
         </p:blipFill>
         <p:spPr>
           <a:xfrm>
-            <a:off x="709462" y="3927651"/>
-            <a:ext cx="4059426" cy="2930349"/>
+            <a:off x="524914" y="3777688"/>
+            <a:ext cx="3985753" cy="2877167"/>
           </a:xfrm>
           <a:prstGeom prst="rect">
             <a:avLst/>
@@ -11223,7 +7385,7 @@
           <p:cNvPr id="10" name="Picture 9">
             <a:extLst>
               <a:ext uri="{FF2B5EF4-FFF2-40B4-BE49-F238E27FC236}">
-                <a16:creationId xmlns:a16="http://schemas.microsoft.com/office/drawing/2014/main" id="{4F161B5D-8F37-40B3-949B-8C1AAEC2F460}"/>
+                <a16:creationId xmlns:a16="http://schemas.microsoft.com/office/drawing/2014/main" id="{DC2F3777-822A-42F0-859C-949753CD2544}"/>
               </a:ext>
             </a:extLst>
           </p:cNvPr>
@@ -11240,8 +7402,8 @@
         </p:blipFill>
         <p:spPr>
           <a:xfrm>
-            <a:off x="6941773" y="4064253"/>
-            <a:ext cx="3680953" cy="2657143"/>
+            <a:off x="6931291" y="3777688"/>
+            <a:ext cx="3985753" cy="2877167"/>
           </a:xfrm>
           <a:prstGeom prst="rect">
             <a:avLst/>
@@ -11251,7 +7413,7 @@
     </p:spTree>
     <p:extLst>
       <p:ext uri="{BB962C8B-B14F-4D97-AF65-F5344CB8AC3E}">
-        <p14:creationId xmlns:p14="http://schemas.microsoft.com/office/powerpoint/2010/main" val="864770650"/>
+        <p14:creationId xmlns:p14="http://schemas.microsoft.com/office/powerpoint/2010/main" val="4138266969"/>
       </p:ext>
     </p:extLst>
   </p:cSld>
@@ -11308,7 +7470,7 @@
           <a:p>
             <a:r>
               <a:rPr lang="en-US" sz="2400" dirty="0"/>
-              <a:t>Low value (previously called odds)</a:t>
+              <a:t>Mid value (odds)</a:t>
             </a:r>
           </a:p>
         </p:txBody>
@@ -11318,7 +7480,7 @@
           <p:cNvPr id="7" name="Picture 6">
             <a:extLst>
               <a:ext uri="{FF2B5EF4-FFF2-40B4-BE49-F238E27FC236}">
-                <a16:creationId xmlns:a16="http://schemas.microsoft.com/office/drawing/2014/main" id="{358139DC-364B-49FE-A3E0-C96A73CA6754}"/>
+                <a16:creationId xmlns:a16="http://schemas.microsoft.com/office/drawing/2014/main" id="{1BA46DF3-EE19-4A60-8A55-648C88AB2015}"/>
               </a:ext>
             </a:extLst>
           </p:cNvPr>
@@ -11335,8 +7497,8 @@
         </p:blipFill>
         <p:spPr>
           <a:xfrm>
-            <a:off x="809271" y="1065878"/>
-            <a:ext cx="3417041" cy="2466635"/>
+            <a:off x="809271" y="1098394"/>
+            <a:ext cx="3680953" cy="2657143"/>
           </a:xfrm>
           <a:prstGeom prst="rect">
             <a:avLst/>
@@ -11348,7 +7510,7 @@
           <p:cNvPr id="8" name="Picture 7">
             <a:extLst>
               <a:ext uri="{FF2B5EF4-FFF2-40B4-BE49-F238E27FC236}">
-                <a16:creationId xmlns:a16="http://schemas.microsoft.com/office/drawing/2014/main" id="{74C8A2DA-6E49-4A49-9269-A7DEBCD8CCBB}"/>
+                <a16:creationId xmlns:a16="http://schemas.microsoft.com/office/drawing/2014/main" id="{5D61FE8E-FDB7-472B-A53F-844C623A9CE6}"/>
               </a:ext>
             </a:extLst>
           </p:cNvPr>
@@ -11365,8 +7527,8 @@
         </p:blipFill>
         <p:spPr>
           <a:xfrm>
-            <a:off x="7132013" y="933058"/>
-            <a:ext cx="3785031" cy="2732273"/>
+            <a:off x="6719418" y="956182"/>
+            <a:ext cx="4074963" cy="2941565"/>
           </a:xfrm>
           <a:prstGeom prst="rect">
             <a:avLst/>
@@ -11378,7 +7540,7 @@
           <p:cNvPr id="9" name="Picture 8">
             <a:extLst>
               <a:ext uri="{FF2B5EF4-FFF2-40B4-BE49-F238E27FC236}">
-                <a16:creationId xmlns:a16="http://schemas.microsoft.com/office/drawing/2014/main" id="{2BED8C28-BE10-467E-804A-38272FDAA364}"/>
+                <a16:creationId xmlns:a16="http://schemas.microsoft.com/office/drawing/2014/main" id="{740C46CB-5619-425D-BCAB-CFB779DB453A}"/>
               </a:ext>
             </a:extLst>
           </p:cNvPr>
@@ -11395,8 +7557,8 @@
         </p:blipFill>
         <p:spPr>
           <a:xfrm>
-            <a:off x="524914" y="3777688"/>
-            <a:ext cx="3985753" cy="2877167"/>
+            <a:off x="508190" y="3897747"/>
+            <a:ext cx="3863090" cy="2788621"/>
           </a:xfrm>
           <a:prstGeom prst="rect">
             <a:avLst/>
@@ -11408,7 +7570,7 @@
           <p:cNvPr id="10" name="Picture 9">
             <a:extLst>
               <a:ext uri="{FF2B5EF4-FFF2-40B4-BE49-F238E27FC236}">
-                <a16:creationId xmlns:a16="http://schemas.microsoft.com/office/drawing/2014/main" id="{DC2F3777-822A-42F0-859C-949753CD2544}"/>
+                <a16:creationId xmlns:a16="http://schemas.microsoft.com/office/drawing/2014/main" id="{0CDD72B6-C879-4C0F-8474-80A65A7D71BC}"/>
               </a:ext>
             </a:extLst>
           </p:cNvPr>
@@ -11425,8 +7587,8 @@
         </p:blipFill>
         <p:spPr>
           <a:xfrm>
-            <a:off x="6931291" y="3777688"/>
-            <a:ext cx="3985753" cy="2877167"/>
+            <a:off x="6719417" y="3897747"/>
+            <a:ext cx="3796183" cy="2740324"/>
           </a:xfrm>
           <a:prstGeom prst="rect">
             <a:avLst/>
@@ -11436,7 +7598,7 @@
     </p:spTree>
     <p:extLst>
       <p:ext uri="{BB962C8B-B14F-4D97-AF65-F5344CB8AC3E}">
-        <p14:creationId xmlns:p14="http://schemas.microsoft.com/office/powerpoint/2010/main" val="4138266969"/>
+        <p14:creationId xmlns:p14="http://schemas.microsoft.com/office/powerpoint/2010/main" val="2130673036"/>
       </p:ext>
     </p:extLst>
   </p:cSld>

--- a/RampV04Presentation.pptx
+++ b/RampV04Presentation.pptx
@@ -280,7 +280,7 @@
           <a:p>
             <a:fld id="{F1EB54BA-186C-4A9E-B622-D29CC351A41F}" type="datetimeFigureOut">
               <a:rPr lang="en-US" smtClean="0"/>
-              <a:t>10/22/2018</a:t>
+              <a:t>10/29/2018</a:t>
             </a:fld>
             <a:endParaRPr lang="en-US"/>
           </a:p>
@@ -478,7 +478,7 @@
           <a:p>
             <a:fld id="{F1EB54BA-186C-4A9E-B622-D29CC351A41F}" type="datetimeFigureOut">
               <a:rPr lang="en-US" smtClean="0"/>
-              <a:t>10/22/2018</a:t>
+              <a:t>10/29/2018</a:t>
             </a:fld>
             <a:endParaRPr lang="en-US"/>
           </a:p>
@@ -686,7 +686,7 @@
           <a:p>
             <a:fld id="{F1EB54BA-186C-4A9E-B622-D29CC351A41F}" type="datetimeFigureOut">
               <a:rPr lang="en-US" smtClean="0"/>
-              <a:t>10/22/2018</a:t>
+              <a:t>10/29/2018</a:t>
             </a:fld>
             <a:endParaRPr lang="en-US"/>
           </a:p>
@@ -884,7 +884,7 @@
           <a:p>
             <a:fld id="{F1EB54BA-186C-4A9E-B622-D29CC351A41F}" type="datetimeFigureOut">
               <a:rPr lang="en-US" smtClean="0"/>
-              <a:t>10/22/2018</a:t>
+              <a:t>10/29/2018</a:t>
             </a:fld>
             <a:endParaRPr lang="en-US"/>
           </a:p>
@@ -1159,7 +1159,7 @@
           <a:p>
             <a:fld id="{F1EB54BA-186C-4A9E-B622-D29CC351A41F}" type="datetimeFigureOut">
               <a:rPr lang="en-US" smtClean="0"/>
-              <a:t>10/22/2018</a:t>
+              <a:t>10/29/2018</a:t>
             </a:fld>
             <a:endParaRPr lang="en-US"/>
           </a:p>
@@ -1424,7 +1424,7 @@
           <a:p>
             <a:fld id="{F1EB54BA-186C-4A9E-B622-D29CC351A41F}" type="datetimeFigureOut">
               <a:rPr lang="en-US" smtClean="0"/>
-              <a:t>10/22/2018</a:t>
+              <a:t>10/29/2018</a:t>
             </a:fld>
             <a:endParaRPr lang="en-US"/>
           </a:p>
@@ -1836,7 +1836,7 @@
           <a:p>
             <a:fld id="{F1EB54BA-186C-4A9E-B622-D29CC351A41F}" type="datetimeFigureOut">
               <a:rPr lang="en-US" smtClean="0"/>
-              <a:t>10/22/2018</a:t>
+              <a:t>10/29/2018</a:t>
             </a:fld>
             <a:endParaRPr lang="en-US"/>
           </a:p>
@@ -1977,7 +1977,7 @@
           <a:p>
             <a:fld id="{F1EB54BA-186C-4A9E-B622-D29CC351A41F}" type="datetimeFigureOut">
               <a:rPr lang="en-US" smtClean="0"/>
-              <a:t>10/22/2018</a:t>
+              <a:t>10/29/2018</a:t>
             </a:fld>
             <a:endParaRPr lang="en-US"/>
           </a:p>
@@ -2090,7 +2090,7 @@
           <a:p>
             <a:fld id="{F1EB54BA-186C-4A9E-B622-D29CC351A41F}" type="datetimeFigureOut">
               <a:rPr lang="en-US" smtClean="0"/>
-              <a:t>10/22/2018</a:t>
+              <a:t>10/29/2018</a:t>
             </a:fld>
             <a:endParaRPr lang="en-US"/>
           </a:p>
@@ -2401,7 +2401,7 @@
           <a:p>
             <a:fld id="{F1EB54BA-186C-4A9E-B622-D29CC351A41F}" type="datetimeFigureOut">
               <a:rPr lang="en-US" smtClean="0"/>
-              <a:t>10/22/2018</a:t>
+              <a:t>10/29/2018</a:t>
             </a:fld>
             <a:endParaRPr lang="en-US"/>
           </a:p>
@@ -2689,7 +2689,7 @@
           <a:p>
             <a:fld id="{F1EB54BA-186C-4A9E-B622-D29CC351A41F}" type="datetimeFigureOut">
               <a:rPr lang="en-US" smtClean="0"/>
-              <a:t>10/22/2018</a:t>
+              <a:t>10/29/2018</a:t>
             </a:fld>
             <a:endParaRPr lang="en-US"/>
           </a:p>
@@ -2930,7 +2930,7 @@
           <a:p>
             <a:fld id="{F1EB54BA-186C-4A9E-B622-D29CC351A41F}" type="datetimeFigureOut">
               <a:rPr lang="en-US" smtClean="0"/>
-              <a:t>10/22/2018</a:t>
+              <a:t>10/29/2018</a:t>
             </a:fld>
             <a:endParaRPr lang="en-US"/>
           </a:p>
@@ -5548,7 +5548,7 @@
         </p:nvSpPr>
         <p:spPr>
           <a:xfrm>
-            <a:off x="1373659" y="745826"/>
+            <a:off x="1452055" y="710595"/>
             <a:ext cx="568489" cy="369332"/>
           </a:xfrm>
           <a:prstGeom prst="rect">
@@ -5583,7 +5583,7 @@
         </p:nvSpPr>
         <p:spPr>
           <a:xfrm>
-            <a:off x="5293173" y="693104"/>
+            <a:off x="5382193" y="710595"/>
             <a:ext cx="556563" cy="369332"/>
           </a:xfrm>
           <a:prstGeom prst="rect">
@@ -5618,7 +5618,7 @@
         </p:nvSpPr>
         <p:spPr>
           <a:xfrm>
-            <a:off x="8767120" y="653009"/>
+            <a:off x="8994071" y="710595"/>
             <a:ext cx="612668" cy="369332"/>
           </a:xfrm>
           <a:prstGeom prst="rect">
@@ -5641,10 +5641,10 @@
       </p:sp>
       <p:pic>
         <p:nvPicPr>
-          <p:cNvPr id="9" name="Picture 8">
-            <a:extLst>
-              <a:ext uri="{FF2B5EF4-FFF2-40B4-BE49-F238E27FC236}">
-                <a16:creationId xmlns:a16="http://schemas.microsoft.com/office/drawing/2014/main" id="{39DE9785-001B-406A-B28A-158F8E054880}"/>
+          <p:cNvPr id="3" name="Picture 2">
+            <a:extLst>
+              <a:ext uri="{FF2B5EF4-FFF2-40B4-BE49-F238E27FC236}">
+                <a16:creationId xmlns:a16="http://schemas.microsoft.com/office/drawing/2014/main" id="{0F32F586-AAD4-4248-9817-42F0F3C4BFA8}"/>
               </a:ext>
             </a:extLst>
           </p:cNvPr>
@@ -5661,20 +5661,20 @@
         </p:blipFill>
         <p:spPr>
           <a:xfrm>
-            <a:off x="540737" y="4293348"/>
-            <a:ext cx="2802821" cy="2339657"/>
-          </a:xfrm>
-          <a:prstGeom prst="rect">
-            <a:avLst/>
-          </a:prstGeom>
-        </p:spPr>
-      </p:pic>
-      <p:pic>
-        <p:nvPicPr>
-          <p:cNvPr id="10" name="Picture 9">
-            <a:extLst>
-              <a:ext uri="{FF2B5EF4-FFF2-40B4-BE49-F238E27FC236}">
-                <a16:creationId xmlns:a16="http://schemas.microsoft.com/office/drawing/2014/main" id="{362A0A2C-A642-4841-B3F7-A38E446298FC}"/>
+            <a:off x="206378" y="4062618"/>
+            <a:ext cx="3239547" cy="2372675"/>
+          </a:xfrm>
+          <a:prstGeom prst="rect">
+            <a:avLst/>
+          </a:prstGeom>
+        </p:spPr>
+      </p:pic>
+      <p:pic>
+        <p:nvPicPr>
+          <p:cNvPr id="4" name="Picture 3">
+            <a:extLst>
+              <a:ext uri="{FF2B5EF4-FFF2-40B4-BE49-F238E27FC236}">
+                <a16:creationId xmlns:a16="http://schemas.microsoft.com/office/drawing/2014/main" id="{DA1C2531-3EED-4DE5-9B6C-612D8984C26B}"/>
               </a:ext>
             </a:extLst>
           </p:cNvPr>
@@ -5691,20 +5691,20 @@
         </p:blipFill>
         <p:spPr>
           <a:xfrm>
-            <a:off x="225639" y="1334530"/>
-            <a:ext cx="3239547" cy="2704215"/>
-          </a:xfrm>
-          <a:prstGeom prst="rect">
-            <a:avLst/>
-          </a:prstGeom>
-        </p:spPr>
-      </p:pic>
-      <p:pic>
-        <p:nvPicPr>
-          <p:cNvPr id="11" name="Picture 10">
-            <a:extLst>
-              <a:ext uri="{FF2B5EF4-FFF2-40B4-BE49-F238E27FC236}">
-                <a16:creationId xmlns:a16="http://schemas.microsoft.com/office/drawing/2014/main" id="{2B50DEA7-33EB-4314-A5DA-9C1CA23E2546}"/>
+            <a:off x="132397" y="1319295"/>
+            <a:ext cx="3387510" cy="2481044"/>
+          </a:xfrm>
+          <a:prstGeom prst="rect">
+            <a:avLst/>
+          </a:prstGeom>
+        </p:spPr>
+      </p:pic>
+      <p:pic>
+        <p:nvPicPr>
+          <p:cNvPr id="5" name="Picture 4">
+            <a:extLst>
+              <a:ext uri="{FF2B5EF4-FFF2-40B4-BE49-F238E27FC236}">
+                <a16:creationId xmlns:a16="http://schemas.microsoft.com/office/drawing/2014/main" id="{BBF4E85D-C5DF-4CB0-A3D2-AE851888B042}"/>
               </a:ext>
             </a:extLst>
           </p:cNvPr>
@@ -5721,20 +5721,20 @@
         </p:blipFill>
         <p:spPr>
           <a:xfrm>
-            <a:off x="4129320" y="4126165"/>
-            <a:ext cx="3062311" cy="2556267"/>
-          </a:xfrm>
-          <a:prstGeom prst="rect">
-            <a:avLst/>
-          </a:prstGeom>
-        </p:spPr>
-      </p:pic>
-      <p:pic>
-        <p:nvPicPr>
-          <p:cNvPr id="12" name="Picture 11">
-            <a:extLst>
-              <a:ext uri="{FF2B5EF4-FFF2-40B4-BE49-F238E27FC236}">
-                <a16:creationId xmlns:a16="http://schemas.microsoft.com/office/drawing/2014/main" id="{90102F27-229E-4432-8A4D-32C2A7FB3E0C}"/>
+            <a:off x="3966718" y="1398876"/>
+            <a:ext cx="3387511" cy="2481045"/>
+          </a:xfrm>
+          <a:prstGeom prst="rect">
+            <a:avLst/>
+          </a:prstGeom>
+        </p:spPr>
+      </p:pic>
+      <p:pic>
+        <p:nvPicPr>
+          <p:cNvPr id="15" name="Picture 14">
+            <a:extLst>
+              <a:ext uri="{FF2B5EF4-FFF2-40B4-BE49-F238E27FC236}">
+                <a16:creationId xmlns:a16="http://schemas.microsoft.com/office/drawing/2014/main" id="{2773BFFA-90CF-49DD-8C5C-2FAACEC97AC0}"/>
               </a:ext>
             </a:extLst>
           </p:cNvPr>
@@ -5751,20 +5751,20 @@
         </p:blipFill>
         <p:spPr>
           <a:xfrm>
-            <a:off x="4170044" y="1298358"/>
-            <a:ext cx="2802822" cy="2339659"/>
-          </a:xfrm>
-          <a:prstGeom prst="rect">
-            <a:avLst/>
-          </a:prstGeom>
-        </p:spPr>
-      </p:pic>
-      <p:pic>
-        <p:nvPicPr>
-          <p:cNvPr id="13" name="Picture 12">
-            <a:extLst>
-              <a:ext uri="{FF2B5EF4-FFF2-40B4-BE49-F238E27FC236}">
-                <a16:creationId xmlns:a16="http://schemas.microsoft.com/office/drawing/2014/main" id="{5318D9F1-F53D-4B08-B4E9-9BA897DEA5F6}"/>
+            <a:off x="3933412" y="3991507"/>
+            <a:ext cx="3623709" cy="2654038"/>
+          </a:xfrm>
+          <a:prstGeom prst="rect">
+            <a:avLst/>
+          </a:prstGeom>
+        </p:spPr>
+      </p:pic>
+      <p:pic>
+        <p:nvPicPr>
+          <p:cNvPr id="16" name="Picture 15">
+            <a:extLst>
+              <a:ext uri="{FF2B5EF4-FFF2-40B4-BE49-F238E27FC236}">
+                <a16:creationId xmlns:a16="http://schemas.microsoft.com/office/drawing/2014/main" id="{451DDC94-15DC-47BA-AA81-844285B4372F}"/>
               </a:ext>
             </a:extLst>
           </p:cNvPr>
@@ -5781,20 +5781,20 @@
         </p:blipFill>
         <p:spPr>
           <a:xfrm>
-            <a:off x="8128218" y="4126165"/>
-            <a:ext cx="2690123" cy="2245583"/>
-          </a:xfrm>
-          <a:prstGeom prst="rect">
-            <a:avLst/>
-          </a:prstGeom>
-        </p:spPr>
-      </p:pic>
-      <p:pic>
-        <p:nvPicPr>
-          <p:cNvPr id="14" name="Picture 13">
-            <a:extLst>
-              <a:ext uri="{FF2B5EF4-FFF2-40B4-BE49-F238E27FC236}">
-                <a16:creationId xmlns:a16="http://schemas.microsoft.com/office/drawing/2014/main" id="{97FAAC46-C843-406E-A544-292924FFA5B8}"/>
+            <a:off x="8067443" y="1437124"/>
+            <a:ext cx="3226633" cy="2363216"/>
+          </a:xfrm>
+          <a:prstGeom prst="rect">
+            <a:avLst/>
+          </a:prstGeom>
+        </p:spPr>
+      </p:pic>
+      <p:pic>
+        <p:nvPicPr>
+          <p:cNvPr id="17" name="Picture 16">
+            <a:extLst>
+              <a:ext uri="{FF2B5EF4-FFF2-40B4-BE49-F238E27FC236}">
+                <a16:creationId xmlns:a16="http://schemas.microsoft.com/office/drawing/2014/main" id="{7BA84C98-F530-4467-825A-3529A50C4D39}"/>
               </a:ext>
             </a:extLst>
           </p:cNvPr>
@@ -5811,8 +5811,8 @@
         </p:blipFill>
         <p:spPr>
           <a:xfrm>
-            <a:off x="7677724" y="1081749"/>
-            <a:ext cx="3062312" cy="2556268"/>
+            <a:off x="8067443" y="4072077"/>
+            <a:ext cx="3226633" cy="2363216"/>
           </a:xfrm>
           <a:prstGeom prst="rect">
             <a:avLst/>

--- a/RampV04Presentation.pptx
+++ b/RampV04Presentation.pptx
@@ -27,6 +27,7 @@
     <p:sldId id="288" r:id="rId21"/>
     <p:sldId id="291" r:id="rId22"/>
     <p:sldId id="279" r:id="rId23"/>
+    <p:sldId id="292" r:id="rId24"/>
   </p:sldIdLst>
   <p:sldSz cx="12192000" cy="6858000"/>
   <p:notesSz cx="6858000" cy="9144000"/>
@@ -280,7 +281,7 @@
           <a:p>
             <a:fld id="{F1EB54BA-186C-4A9E-B622-D29CC351A41F}" type="datetimeFigureOut">
               <a:rPr lang="en-US" smtClean="0"/>
-              <a:t>10/29/2018</a:t>
+              <a:t>10/30/2018</a:t>
             </a:fld>
             <a:endParaRPr lang="en-US"/>
           </a:p>
@@ -478,7 +479,7 @@
           <a:p>
             <a:fld id="{F1EB54BA-186C-4A9E-B622-D29CC351A41F}" type="datetimeFigureOut">
               <a:rPr lang="en-US" smtClean="0"/>
-              <a:t>10/29/2018</a:t>
+              <a:t>10/30/2018</a:t>
             </a:fld>
             <a:endParaRPr lang="en-US"/>
           </a:p>
@@ -686,7 +687,7 @@
           <a:p>
             <a:fld id="{F1EB54BA-186C-4A9E-B622-D29CC351A41F}" type="datetimeFigureOut">
               <a:rPr lang="en-US" smtClean="0"/>
-              <a:t>10/29/2018</a:t>
+              <a:t>10/30/2018</a:t>
             </a:fld>
             <a:endParaRPr lang="en-US"/>
           </a:p>
@@ -884,7 +885,7 @@
           <a:p>
             <a:fld id="{F1EB54BA-186C-4A9E-B622-D29CC351A41F}" type="datetimeFigureOut">
               <a:rPr lang="en-US" smtClean="0"/>
-              <a:t>10/29/2018</a:t>
+              <a:t>10/30/2018</a:t>
             </a:fld>
             <a:endParaRPr lang="en-US"/>
           </a:p>
@@ -1159,7 +1160,7 @@
           <a:p>
             <a:fld id="{F1EB54BA-186C-4A9E-B622-D29CC351A41F}" type="datetimeFigureOut">
               <a:rPr lang="en-US" smtClean="0"/>
-              <a:t>10/29/2018</a:t>
+              <a:t>10/30/2018</a:t>
             </a:fld>
             <a:endParaRPr lang="en-US"/>
           </a:p>
@@ -1424,7 +1425,7 @@
           <a:p>
             <a:fld id="{F1EB54BA-186C-4A9E-B622-D29CC351A41F}" type="datetimeFigureOut">
               <a:rPr lang="en-US" smtClean="0"/>
-              <a:t>10/29/2018</a:t>
+              <a:t>10/30/2018</a:t>
             </a:fld>
             <a:endParaRPr lang="en-US"/>
           </a:p>
@@ -1836,7 +1837,7 @@
           <a:p>
             <a:fld id="{F1EB54BA-186C-4A9E-B622-D29CC351A41F}" type="datetimeFigureOut">
               <a:rPr lang="en-US" smtClean="0"/>
-              <a:t>10/29/2018</a:t>
+              <a:t>10/30/2018</a:t>
             </a:fld>
             <a:endParaRPr lang="en-US"/>
           </a:p>
@@ -1977,7 +1978,7 @@
           <a:p>
             <a:fld id="{F1EB54BA-186C-4A9E-B622-D29CC351A41F}" type="datetimeFigureOut">
               <a:rPr lang="en-US" smtClean="0"/>
-              <a:t>10/29/2018</a:t>
+              <a:t>10/30/2018</a:t>
             </a:fld>
             <a:endParaRPr lang="en-US"/>
           </a:p>
@@ -2090,7 +2091,7 @@
           <a:p>
             <a:fld id="{F1EB54BA-186C-4A9E-B622-D29CC351A41F}" type="datetimeFigureOut">
               <a:rPr lang="en-US" smtClean="0"/>
-              <a:t>10/29/2018</a:t>
+              <a:t>10/30/2018</a:t>
             </a:fld>
             <a:endParaRPr lang="en-US"/>
           </a:p>
@@ -2401,7 +2402,7 @@
           <a:p>
             <a:fld id="{F1EB54BA-186C-4A9E-B622-D29CC351A41F}" type="datetimeFigureOut">
               <a:rPr lang="en-US" smtClean="0"/>
-              <a:t>10/29/2018</a:t>
+              <a:t>10/30/2018</a:t>
             </a:fld>
             <a:endParaRPr lang="en-US"/>
           </a:p>
@@ -2689,7 +2690,7 @@
           <a:p>
             <a:fld id="{F1EB54BA-186C-4A9E-B622-D29CC351A41F}" type="datetimeFigureOut">
               <a:rPr lang="en-US" smtClean="0"/>
-              <a:t>10/29/2018</a:t>
+              <a:t>10/30/2018</a:t>
             </a:fld>
             <a:endParaRPr lang="en-US"/>
           </a:p>
@@ -2930,7 +2931,7 @@
           <a:p>
             <a:fld id="{F1EB54BA-186C-4A9E-B622-D29CC351A41F}" type="datetimeFigureOut">
               <a:rPr lang="en-US" smtClean="0"/>
-              <a:t>10/29/2018</a:t>
+              <a:t>10/30/2018</a:t>
             </a:fld>
             <a:endParaRPr lang="en-US"/>
           </a:p>
@@ -6242,6 +6243,342 @@
 </p:sld>
 </file>
 
+<file path=ppt/slides/slide23.xml><?xml version="1.0" encoding="utf-8"?>
+<p:sld xmlns:a="http://schemas.openxmlformats.org/drawingml/2006/main" xmlns:r="http://schemas.openxmlformats.org/officeDocument/2006/relationships" xmlns:p="http://schemas.openxmlformats.org/presentationml/2006/main">
+  <p:cSld>
+    <p:spTree>
+      <p:nvGrpSpPr>
+        <p:cNvPr id="1" name=""/>
+        <p:cNvGrpSpPr/>
+        <p:nvPr/>
+      </p:nvGrpSpPr>
+      <p:grpSpPr>
+        <a:xfrm>
+          <a:off x="0" y="0"/>
+          <a:ext cx="0" cy="0"/>
+          <a:chOff x="0" y="0"/>
+          <a:chExt cx="0" cy="0"/>
+        </a:xfrm>
+      </p:grpSpPr>
+      <p:sp>
+        <p:nvSpPr>
+          <p:cNvPr id="2" name="Title 1">
+            <a:extLst>
+              <a:ext uri="{FF2B5EF4-FFF2-40B4-BE49-F238E27FC236}">
+                <a16:creationId xmlns:a16="http://schemas.microsoft.com/office/drawing/2014/main" id="{F38AF15A-D985-412C-80A7-EEC036E0557B}"/>
+              </a:ext>
+            </a:extLst>
+          </p:cNvPr>
+          <p:cNvSpPr>
+            <a:spLocks noGrp="1"/>
+          </p:cNvSpPr>
+          <p:nvPr>
+            <p:ph type="title"/>
+          </p:nvPr>
+        </p:nvSpPr>
+        <p:spPr>
+          <a:xfrm>
+            <a:off x="3693669" y="107321"/>
+            <a:ext cx="1798673" cy="510474"/>
+          </a:xfrm>
+        </p:spPr>
+        <p:txBody>
+          <a:bodyPr>
+            <a:normAutofit fontScale="90000"/>
+          </a:bodyPr>
+          <a:lstStyle/>
+          <a:p>
+            <a:r>
+              <a:rPr lang="en-US" sz="1800" dirty="0"/>
+              <a:t>Risk averse (n=62) </a:t>
+            </a:r>
+            <a:br>
+              <a:rPr lang="en-US" sz="1800" dirty="0"/>
+            </a:br>
+            <a:r>
+              <a:rPr lang="en-US" sz="1800" dirty="0" err="1"/>
+              <a:t>failCatch</a:t>
+            </a:r>
+            <a:endParaRPr lang="en-US" sz="1800" dirty="0"/>
+          </a:p>
+        </p:txBody>
+      </p:sp>
+      <p:pic>
+        <p:nvPicPr>
+          <p:cNvPr id="4" name="Picture 3">
+            <a:extLst>
+              <a:ext uri="{FF2B5EF4-FFF2-40B4-BE49-F238E27FC236}">
+                <a16:creationId xmlns:a16="http://schemas.microsoft.com/office/drawing/2014/main" id="{D6A37C0C-F653-4EB3-B83A-E99BD275A799}"/>
+              </a:ext>
+            </a:extLst>
+          </p:cNvPr>
+          <p:cNvPicPr>
+            <a:picLocks noChangeAspect="1"/>
+          </p:cNvPicPr>
+          <p:nvPr/>
+        </p:nvPicPr>
+        <p:blipFill>
+          <a:blip r:embed="rId2"/>
+          <a:stretch>
+            <a:fillRect/>
+          </a:stretch>
+        </p:blipFill>
+        <p:spPr>
+          <a:xfrm>
+            <a:off x="2716490" y="723366"/>
+            <a:ext cx="3753033" cy="1998104"/>
+          </a:xfrm>
+          <a:prstGeom prst="rect">
+            <a:avLst/>
+          </a:prstGeom>
+        </p:spPr>
+      </p:pic>
+      <p:pic>
+        <p:nvPicPr>
+          <p:cNvPr id="5" name="Picture 4">
+            <a:extLst>
+              <a:ext uri="{FF2B5EF4-FFF2-40B4-BE49-F238E27FC236}">
+                <a16:creationId xmlns:a16="http://schemas.microsoft.com/office/drawing/2014/main" id="{3B4D977F-6BDC-4921-BB07-9A6926F8C74A}"/>
+              </a:ext>
+            </a:extLst>
+          </p:cNvPr>
+          <p:cNvPicPr>
+            <a:picLocks noChangeAspect="1"/>
+          </p:cNvPicPr>
+          <p:nvPr/>
+        </p:nvPicPr>
+        <p:blipFill>
+          <a:blip r:embed="rId3"/>
+          <a:stretch>
+            <a:fillRect/>
+          </a:stretch>
+        </p:blipFill>
+        <p:spPr>
+          <a:xfrm>
+            <a:off x="2832735" y="2818496"/>
+            <a:ext cx="3572631" cy="1902060"/>
+          </a:xfrm>
+          <a:prstGeom prst="rect">
+            <a:avLst/>
+          </a:prstGeom>
+        </p:spPr>
+      </p:pic>
+      <p:pic>
+        <p:nvPicPr>
+          <p:cNvPr id="6" name="Picture 5">
+            <a:extLst>
+              <a:ext uri="{FF2B5EF4-FFF2-40B4-BE49-F238E27FC236}">
+                <a16:creationId xmlns:a16="http://schemas.microsoft.com/office/drawing/2014/main" id="{6C329106-52D9-4615-B550-414E5C03A2B5}"/>
+              </a:ext>
+            </a:extLst>
+          </p:cNvPr>
+          <p:cNvPicPr>
+            <a:picLocks noChangeAspect="1"/>
+          </p:cNvPicPr>
+          <p:nvPr/>
+        </p:nvPicPr>
+        <p:blipFill>
+          <a:blip r:embed="rId4"/>
+          <a:stretch>
+            <a:fillRect/>
+          </a:stretch>
+        </p:blipFill>
+        <p:spPr>
+          <a:xfrm>
+            <a:off x="2832735" y="4752575"/>
+            <a:ext cx="3753032" cy="1998104"/>
+          </a:xfrm>
+          <a:prstGeom prst="rect">
+            <a:avLst/>
+          </a:prstGeom>
+        </p:spPr>
+      </p:pic>
+      <p:sp>
+        <p:nvSpPr>
+          <p:cNvPr id="7" name="Rectangle 6">
+            <a:extLst>
+              <a:ext uri="{FF2B5EF4-FFF2-40B4-BE49-F238E27FC236}">
+                <a16:creationId xmlns:a16="http://schemas.microsoft.com/office/drawing/2014/main" id="{8218B689-4D85-45DF-9B14-BD57DE878364}"/>
+              </a:ext>
+            </a:extLst>
+          </p:cNvPr>
+          <p:cNvSpPr/>
+          <p:nvPr/>
+        </p:nvSpPr>
+        <p:spPr>
+          <a:xfrm>
+            <a:off x="7544670" y="54637"/>
+            <a:ext cx="1827744" cy="584775"/>
+          </a:xfrm>
+          <a:prstGeom prst="rect">
+            <a:avLst/>
+          </a:prstGeom>
+        </p:spPr>
+        <p:txBody>
+          <a:bodyPr wrap="none">
+            <a:spAutoFit/>
+          </a:bodyPr>
+          <a:lstStyle/>
+          <a:p>
+            <a:r>
+              <a:rPr lang="en-US" sz="1600" dirty="0"/>
+              <a:t>Risk seeking (n=49) </a:t>
+            </a:r>
+          </a:p>
+          <a:p>
+            <a:r>
+              <a:rPr lang="en-US" sz="1600" dirty="0" err="1"/>
+              <a:t>failCatch</a:t>
+            </a:r>
+            <a:endParaRPr lang="en-US" sz="1600" dirty="0"/>
+          </a:p>
+        </p:txBody>
+      </p:sp>
+      <p:pic>
+        <p:nvPicPr>
+          <p:cNvPr id="9" name="Picture 8">
+            <a:extLst>
+              <a:ext uri="{FF2B5EF4-FFF2-40B4-BE49-F238E27FC236}">
+                <a16:creationId xmlns:a16="http://schemas.microsoft.com/office/drawing/2014/main" id="{77E5CCD3-B52B-46F9-8208-BB9674696BF6}"/>
+              </a:ext>
+            </a:extLst>
+          </p:cNvPr>
+          <p:cNvPicPr>
+            <a:picLocks noChangeAspect="1"/>
+          </p:cNvPicPr>
+          <p:nvPr/>
+        </p:nvPicPr>
+        <p:blipFill>
+          <a:blip r:embed="rId5"/>
+          <a:stretch>
+            <a:fillRect/>
+          </a:stretch>
+        </p:blipFill>
+        <p:spPr>
+          <a:xfrm>
+            <a:off x="6734623" y="723366"/>
+            <a:ext cx="3653386" cy="1945053"/>
+          </a:xfrm>
+          <a:prstGeom prst="rect">
+            <a:avLst/>
+          </a:prstGeom>
+        </p:spPr>
+      </p:pic>
+      <p:pic>
+        <p:nvPicPr>
+          <p:cNvPr id="10" name="Picture 9">
+            <a:extLst>
+              <a:ext uri="{FF2B5EF4-FFF2-40B4-BE49-F238E27FC236}">
+                <a16:creationId xmlns:a16="http://schemas.microsoft.com/office/drawing/2014/main" id="{BFD18FCF-8442-461C-9161-91AB45DE85FE}"/>
+              </a:ext>
+            </a:extLst>
+          </p:cNvPr>
+          <p:cNvPicPr>
+            <a:picLocks noChangeAspect="1"/>
+          </p:cNvPicPr>
+          <p:nvPr/>
+        </p:nvPicPr>
+        <p:blipFill>
+          <a:blip r:embed="rId6"/>
+          <a:stretch>
+            <a:fillRect/>
+          </a:stretch>
+        </p:blipFill>
+        <p:spPr>
+          <a:xfrm>
+            <a:off x="6734623" y="2742095"/>
+            <a:ext cx="3572632" cy="1902060"/>
+          </a:xfrm>
+          <a:prstGeom prst="rect">
+            <a:avLst/>
+          </a:prstGeom>
+        </p:spPr>
+      </p:pic>
+      <p:pic>
+        <p:nvPicPr>
+          <p:cNvPr id="11" name="Picture 10">
+            <a:extLst>
+              <a:ext uri="{FF2B5EF4-FFF2-40B4-BE49-F238E27FC236}">
+                <a16:creationId xmlns:a16="http://schemas.microsoft.com/office/drawing/2014/main" id="{81A620AA-F762-4E82-98B1-14F939B1C29B}"/>
+              </a:ext>
+            </a:extLst>
+          </p:cNvPr>
+          <p:cNvPicPr>
+            <a:picLocks noChangeAspect="1"/>
+          </p:cNvPicPr>
+          <p:nvPr/>
+        </p:nvPicPr>
+        <p:blipFill>
+          <a:blip r:embed="rId7"/>
+          <a:stretch>
+            <a:fillRect/>
+          </a:stretch>
+        </p:blipFill>
+        <p:spPr>
+          <a:xfrm>
+            <a:off x="6734623" y="4752575"/>
+            <a:ext cx="3572632" cy="1902060"/>
+          </a:xfrm>
+          <a:prstGeom prst="rect">
+            <a:avLst/>
+          </a:prstGeom>
+        </p:spPr>
+      </p:pic>
+      <p:sp>
+        <p:nvSpPr>
+          <p:cNvPr id="12" name="Rectangle 11">
+            <a:extLst>
+              <a:ext uri="{FF2B5EF4-FFF2-40B4-BE49-F238E27FC236}">
+                <a16:creationId xmlns:a16="http://schemas.microsoft.com/office/drawing/2014/main" id="{B33D4D70-1E32-4A72-8109-C61B44FD325C}"/>
+              </a:ext>
+            </a:extLst>
+          </p:cNvPr>
+          <p:cNvSpPr/>
+          <p:nvPr/>
+        </p:nvSpPr>
+        <p:spPr>
+          <a:xfrm>
+            <a:off x="175523" y="54637"/>
+            <a:ext cx="2931636" cy="369332"/>
+          </a:xfrm>
+          <a:prstGeom prst="rect">
+            <a:avLst/>
+          </a:prstGeom>
+        </p:spPr>
+        <p:txBody>
+          <a:bodyPr wrap="none">
+            <a:spAutoFit/>
+          </a:bodyPr>
+          <a:lstStyle/>
+          <a:p>
+            <a:r>
+              <a:rPr lang="en-US" dirty="0"/>
+              <a:t>82 </a:t>
+            </a:r>
+            <a:r>
+              <a:rPr lang="en-US" dirty="0" err="1"/>
+              <a:t>failCatch</a:t>
+            </a:r>
+            <a:r>
+              <a:rPr lang="en-US" dirty="0"/>
+              <a:t> participants total</a:t>
+            </a:r>
+          </a:p>
+        </p:txBody>
+      </p:sp>
+    </p:spTree>
+    <p:extLst>
+      <p:ext uri="{BB962C8B-B14F-4D97-AF65-F5344CB8AC3E}">
+        <p14:creationId xmlns:p14="http://schemas.microsoft.com/office/powerpoint/2010/main" val="1715300267"/>
+      </p:ext>
+    </p:extLst>
+  </p:cSld>
+  <p:clrMapOvr>
+    <a:masterClrMapping/>
+  </p:clrMapOvr>
+</p:sld>
+</file>
+
 <file path=ppt/slides/slide3.xml><?xml version="1.0" encoding="utf-8"?>
 <p:sld xmlns:a="http://schemas.openxmlformats.org/drawingml/2006/main" xmlns:r="http://schemas.openxmlformats.org/officeDocument/2006/relationships" xmlns:p="http://schemas.openxmlformats.org/presentationml/2006/main">
   <p:cSld>
